--- a/기획안/2D_Portfolio_전투 기획안.pptx
+++ b/기획안/2D_Portfolio_전투 기획안.pptx
@@ -266,38 +266,37 @@
           <a:p>
             <a:pPr lvl="0"/>
             <a:r>
-              <a:rPr lang="ko-KR" altLang="en-US" smtClean="0"/>
+              <a:rPr lang="ko-KR" altLang="en-US"/>
               <a:t>마스터 텍스트 스타일 편집</a:t>
             </a:r>
           </a:p>
           <a:p>
             <a:pPr lvl="1"/>
             <a:r>
-              <a:rPr lang="ko-KR" altLang="en-US" smtClean="0"/>
+              <a:rPr lang="ko-KR" altLang="en-US"/>
               <a:t>둘째 수준</a:t>
             </a:r>
           </a:p>
           <a:p>
             <a:pPr lvl="2"/>
             <a:r>
-              <a:rPr lang="ko-KR" altLang="en-US" smtClean="0"/>
+              <a:rPr lang="ko-KR" altLang="en-US"/>
               <a:t>셋째 수준</a:t>
             </a:r>
           </a:p>
           <a:p>
             <a:pPr lvl="3"/>
             <a:r>
-              <a:rPr lang="ko-KR" altLang="en-US" smtClean="0"/>
+              <a:rPr lang="ko-KR" altLang="en-US"/>
               <a:t>넷째 수준</a:t>
             </a:r>
           </a:p>
           <a:p>
             <a:pPr lvl="4"/>
             <a:r>
-              <a:rPr lang="ko-KR" altLang="en-US" smtClean="0"/>
+              <a:rPr lang="ko-KR" altLang="en-US"/>
               <a:t>다섯째 수준</a:t>
             </a:r>
-            <a:endParaRPr lang="ko-KR" altLang="en-US"/>
           </a:p>
         </p:txBody>
       </p:sp>
@@ -1016,7 +1015,7 @@
           </a:lstStyle>
           <a:p>
             <a:r>
-              <a:rPr lang="ko-KR" altLang="en-US" smtClean="0"/>
+              <a:rPr lang="ko-KR" altLang="en-US"/>
               <a:t>마스터 제목 스타일 편집</a:t>
             </a:r>
             <a:endParaRPr lang="en-US" dirty="0"/>
@@ -1081,7 +1080,7 @@
           </a:lstStyle>
           <a:p>
             <a:r>
-              <a:rPr lang="ko-KR" altLang="en-US" smtClean="0"/>
+              <a:rPr lang="ko-KR" altLang="en-US"/>
               <a:t>클릭하여 마스터 부제목 스타일 편집</a:t>
             </a:r>
             <a:endParaRPr lang="en-US" dirty="0"/>
@@ -1199,7 +1198,7 @@
           <a:lstStyle/>
           <a:p>
             <a:r>
-              <a:rPr lang="ko-KR" altLang="en-US" smtClean="0"/>
+              <a:rPr lang="ko-KR" altLang="en-US"/>
               <a:t>마스터 제목 스타일 편집</a:t>
             </a:r>
             <a:endParaRPr lang="en-US" dirty="0"/>
@@ -1223,35 +1222,35 @@
           <a:p>
             <a:pPr lvl="0"/>
             <a:r>
-              <a:rPr lang="ko-KR" altLang="en-US" smtClean="0"/>
+              <a:rPr lang="ko-KR" altLang="en-US"/>
               <a:t>마스터 텍스트 스타일 편집</a:t>
             </a:r>
           </a:p>
           <a:p>
             <a:pPr lvl="1"/>
             <a:r>
-              <a:rPr lang="ko-KR" altLang="en-US" smtClean="0"/>
+              <a:rPr lang="ko-KR" altLang="en-US"/>
               <a:t>둘째 수준</a:t>
             </a:r>
           </a:p>
           <a:p>
             <a:pPr lvl="2"/>
             <a:r>
-              <a:rPr lang="ko-KR" altLang="en-US" smtClean="0"/>
+              <a:rPr lang="ko-KR" altLang="en-US"/>
               <a:t>셋째 수준</a:t>
             </a:r>
           </a:p>
           <a:p>
             <a:pPr lvl="3"/>
             <a:r>
-              <a:rPr lang="ko-KR" altLang="en-US" smtClean="0"/>
+              <a:rPr lang="ko-KR" altLang="en-US"/>
               <a:t>넷째 수준</a:t>
             </a:r>
           </a:p>
           <a:p>
             <a:pPr lvl="4"/>
             <a:r>
-              <a:rPr lang="ko-KR" altLang="en-US" smtClean="0"/>
+              <a:rPr lang="ko-KR" altLang="en-US"/>
               <a:t>다섯째 수준</a:t>
             </a:r>
             <a:endParaRPr lang="en-US" dirty="0"/>
@@ -1374,7 +1373,7 @@
           <a:lstStyle/>
           <a:p>
             <a:r>
-              <a:rPr lang="ko-KR" altLang="en-US" smtClean="0"/>
+              <a:rPr lang="ko-KR" altLang="en-US"/>
               <a:t>마스터 제목 스타일 편집</a:t>
             </a:r>
             <a:endParaRPr lang="en-US" dirty="0"/>
@@ -1403,35 +1402,35 @@
           <a:p>
             <a:pPr lvl="0"/>
             <a:r>
-              <a:rPr lang="ko-KR" altLang="en-US" smtClean="0"/>
+              <a:rPr lang="ko-KR" altLang="en-US"/>
               <a:t>마스터 텍스트 스타일 편집</a:t>
             </a:r>
           </a:p>
           <a:p>
             <a:pPr lvl="1"/>
             <a:r>
-              <a:rPr lang="ko-KR" altLang="en-US" smtClean="0"/>
+              <a:rPr lang="ko-KR" altLang="en-US"/>
               <a:t>둘째 수준</a:t>
             </a:r>
           </a:p>
           <a:p>
             <a:pPr lvl="2"/>
             <a:r>
-              <a:rPr lang="ko-KR" altLang="en-US" smtClean="0"/>
+              <a:rPr lang="ko-KR" altLang="en-US"/>
               <a:t>셋째 수준</a:t>
             </a:r>
           </a:p>
           <a:p>
             <a:pPr lvl="3"/>
             <a:r>
-              <a:rPr lang="ko-KR" altLang="en-US" smtClean="0"/>
+              <a:rPr lang="ko-KR" altLang="en-US"/>
               <a:t>넷째 수준</a:t>
             </a:r>
           </a:p>
           <a:p>
             <a:pPr lvl="4"/>
             <a:r>
-              <a:rPr lang="ko-KR" altLang="en-US" smtClean="0"/>
+              <a:rPr lang="ko-KR" altLang="en-US"/>
               <a:t>다섯째 수준</a:t>
             </a:r>
             <a:endParaRPr lang="en-US" dirty="0"/>
@@ -1549,7 +1548,7 @@
           <a:lstStyle/>
           <a:p>
             <a:r>
-              <a:rPr lang="ko-KR" altLang="en-US" smtClean="0"/>
+              <a:rPr lang="ko-KR" altLang="en-US"/>
               <a:t>마스터 제목 스타일 편집</a:t>
             </a:r>
             <a:endParaRPr lang="en-US" dirty="0"/>
@@ -1573,35 +1572,35 @@
           <a:p>
             <a:pPr lvl="0"/>
             <a:r>
-              <a:rPr lang="ko-KR" altLang="en-US" smtClean="0"/>
+              <a:rPr lang="ko-KR" altLang="en-US"/>
               <a:t>마스터 텍스트 스타일 편집</a:t>
             </a:r>
           </a:p>
           <a:p>
             <a:pPr lvl="1"/>
             <a:r>
-              <a:rPr lang="ko-KR" altLang="en-US" smtClean="0"/>
+              <a:rPr lang="ko-KR" altLang="en-US"/>
               <a:t>둘째 수준</a:t>
             </a:r>
           </a:p>
           <a:p>
             <a:pPr lvl="2"/>
             <a:r>
-              <a:rPr lang="ko-KR" altLang="en-US" smtClean="0"/>
+              <a:rPr lang="ko-KR" altLang="en-US"/>
               <a:t>셋째 수준</a:t>
             </a:r>
           </a:p>
           <a:p>
             <a:pPr lvl="3"/>
             <a:r>
-              <a:rPr lang="ko-KR" altLang="en-US" smtClean="0"/>
+              <a:rPr lang="ko-KR" altLang="en-US"/>
               <a:t>넷째 수준</a:t>
             </a:r>
           </a:p>
           <a:p>
             <a:pPr lvl="4"/>
             <a:r>
-              <a:rPr lang="ko-KR" altLang="en-US" smtClean="0"/>
+              <a:rPr lang="ko-KR" altLang="en-US"/>
               <a:t>다섯째 수준</a:t>
             </a:r>
             <a:endParaRPr lang="en-US" dirty="0"/>
@@ -1728,7 +1727,7 @@
           </a:lstStyle>
           <a:p>
             <a:r>
-              <a:rPr lang="ko-KR" altLang="en-US" smtClean="0"/>
+              <a:rPr lang="ko-KR" altLang="en-US"/>
               <a:t>마스터 제목 스타일 편집</a:t>
             </a:r>
             <a:endParaRPr lang="en-US" dirty="0"/>
@@ -1848,7 +1847,7 @@
           <a:p>
             <a:pPr lvl="0"/>
             <a:r>
-              <a:rPr lang="ko-KR" altLang="en-US" smtClean="0"/>
+              <a:rPr lang="ko-KR" altLang="en-US"/>
               <a:t>마스터 텍스트 스타일 편집</a:t>
             </a:r>
           </a:p>
@@ -1965,7 +1964,7 @@
           <a:lstStyle/>
           <a:p>
             <a:r>
-              <a:rPr lang="ko-KR" altLang="en-US" smtClean="0"/>
+              <a:rPr lang="ko-KR" altLang="en-US"/>
               <a:t>마스터 제목 스타일 편집</a:t>
             </a:r>
             <a:endParaRPr lang="en-US" dirty="0"/>
@@ -1994,35 +1993,35 @@
           <a:p>
             <a:pPr lvl="0"/>
             <a:r>
-              <a:rPr lang="ko-KR" altLang="en-US" smtClean="0"/>
+              <a:rPr lang="ko-KR" altLang="en-US"/>
               <a:t>마스터 텍스트 스타일 편집</a:t>
             </a:r>
           </a:p>
           <a:p>
             <a:pPr lvl="1"/>
             <a:r>
-              <a:rPr lang="ko-KR" altLang="en-US" smtClean="0"/>
+              <a:rPr lang="ko-KR" altLang="en-US"/>
               <a:t>둘째 수준</a:t>
             </a:r>
           </a:p>
           <a:p>
             <a:pPr lvl="2"/>
             <a:r>
-              <a:rPr lang="ko-KR" altLang="en-US" smtClean="0"/>
+              <a:rPr lang="ko-KR" altLang="en-US"/>
               <a:t>셋째 수준</a:t>
             </a:r>
           </a:p>
           <a:p>
             <a:pPr lvl="3"/>
             <a:r>
-              <a:rPr lang="ko-KR" altLang="en-US" smtClean="0"/>
+              <a:rPr lang="ko-KR" altLang="en-US"/>
               <a:t>넷째 수준</a:t>
             </a:r>
           </a:p>
           <a:p>
             <a:pPr lvl="4"/>
             <a:r>
-              <a:rPr lang="ko-KR" altLang="en-US" smtClean="0"/>
+              <a:rPr lang="ko-KR" altLang="en-US"/>
               <a:t>다섯째 수준</a:t>
             </a:r>
             <a:endParaRPr lang="en-US" dirty="0"/>
@@ -2051,35 +2050,35 @@
           <a:p>
             <a:pPr lvl="0"/>
             <a:r>
-              <a:rPr lang="ko-KR" altLang="en-US" smtClean="0"/>
+              <a:rPr lang="ko-KR" altLang="en-US"/>
               <a:t>마스터 텍스트 스타일 편집</a:t>
             </a:r>
           </a:p>
           <a:p>
             <a:pPr lvl="1"/>
             <a:r>
-              <a:rPr lang="ko-KR" altLang="en-US" smtClean="0"/>
+              <a:rPr lang="ko-KR" altLang="en-US"/>
               <a:t>둘째 수준</a:t>
             </a:r>
           </a:p>
           <a:p>
             <a:pPr lvl="2"/>
             <a:r>
-              <a:rPr lang="ko-KR" altLang="en-US" smtClean="0"/>
+              <a:rPr lang="ko-KR" altLang="en-US"/>
               <a:t>셋째 수준</a:t>
             </a:r>
           </a:p>
           <a:p>
             <a:pPr lvl="3"/>
             <a:r>
-              <a:rPr lang="ko-KR" altLang="en-US" smtClean="0"/>
+              <a:rPr lang="ko-KR" altLang="en-US"/>
               <a:t>넷째 수준</a:t>
             </a:r>
           </a:p>
           <a:p>
             <a:pPr lvl="4"/>
             <a:r>
-              <a:rPr lang="ko-KR" altLang="en-US" smtClean="0"/>
+              <a:rPr lang="ko-KR" altLang="en-US"/>
               <a:t>다섯째 수준</a:t>
             </a:r>
             <a:endParaRPr lang="en-US" dirty="0"/>
@@ -2202,7 +2201,7 @@
           <a:lstStyle/>
           <a:p>
             <a:r>
-              <a:rPr lang="ko-KR" altLang="en-US" smtClean="0"/>
+              <a:rPr lang="ko-KR" altLang="en-US"/>
               <a:t>마스터 제목 스타일 편집</a:t>
             </a:r>
             <a:endParaRPr lang="en-US" dirty="0"/>
@@ -2268,7 +2267,7 @@
           <a:p>
             <a:pPr lvl="0"/>
             <a:r>
-              <a:rPr lang="ko-KR" altLang="en-US" smtClean="0"/>
+              <a:rPr lang="ko-KR" altLang="en-US"/>
               <a:t>마스터 텍스트 스타일 편집</a:t>
             </a:r>
           </a:p>
@@ -2296,35 +2295,35 @@
           <a:p>
             <a:pPr lvl="0"/>
             <a:r>
-              <a:rPr lang="ko-KR" altLang="en-US" smtClean="0"/>
+              <a:rPr lang="ko-KR" altLang="en-US"/>
               <a:t>마스터 텍스트 스타일 편집</a:t>
             </a:r>
           </a:p>
           <a:p>
             <a:pPr lvl="1"/>
             <a:r>
-              <a:rPr lang="ko-KR" altLang="en-US" smtClean="0"/>
+              <a:rPr lang="ko-KR" altLang="en-US"/>
               <a:t>둘째 수준</a:t>
             </a:r>
           </a:p>
           <a:p>
             <a:pPr lvl="2"/>
             <a:r>
-              <a:rPr lang="ko-KR" altLang="en-US" smtClean="0"/>
+              <a:rPr lang="ko-KR" altLang="en-US"/>
               <a:t>셋째 수준</a:t>
             </a:r>
           </a:p>
           <a:p>
             <a:pPr lvl="3"/>
             <a:r>
-              <a:rPr lang="ko-KR" altLang="en-US" smtClean="0"/>
+              <a:rPr lang="ko-KR" altLang="en-US"/>
               <a:t>넷째 수준</a:t>
             </a:r>
           </a:p>
           <a:p>
             <a:pPr lvl="4"/>
             <a:r>
-              <a:rPr lang="ko-KR" altLang="en-US" smtClean="0"/>
+              <a:rPr lang="ko-KR" altLang="en-US"/>
               <a:t>다섯째 수준</a:t>
             </a:r>
             <a:endParaRPr lang="en-US" dirty="0"/>
@@ -2390,7 +2389,7 @@
           <a:p>
             <a:pPr lvl="0"/>
             <a:r>
-              <a:rPr lang="ko-KR" altLang="en-US" smtClean="0"/>
+              <a:rPr lang="ko-KR" altLang="en-US"/>
               <a:t>마스터 텍스트 스타일 편집</a:t>
             </a:r>
           </a:p>
@@ -2418,35 +2417,35 @@
           <a:p>
             <a:pPr lvl="0"/>
             <a:r>
-              <a:rPr lang="ko-KR" altLang="en-US" smtClean="0"/>
+              <a:rPr lang="ko-KR" altLang="en-US"/>
               <a:t>마스터 텍스트 스타일 편집</a:t>
             </a:r>
           </a:p>
           <a:p>
             <a:pPr lvl="1"/>
             <a:r>
-              <a:rPr lang="ko-KR" altLang="en-US" smtClean="0"/>
+              <a:rPr lang="ko-KR" altLang="en-US"/>
               <a:t>둘째 수준</a:t>
             </a:r>
           </a:p>
           <a:p>
             <a:pPr lvl="2"/>
             <a:r>
-              <a:rPr lang="ko-KR" altLang="en-US" smtClean="0"/>
+              <a:rPr lang="ko-KR" altLang="en-US"/>
               <a:t>셋째 수준</a:t>
             </a:r>
           </a:p>
           <a:p>
             <a:pPr lvl="3"/>
             <a:r>
-              <a:rPr lang="ko-KR" altLang="en-US" smtClean="0"/>
+              <a:rPr lang="ko-KR" altLang="en-US"/>
               <a:t>넷째 수준</a:t>
             </a:r>
           </a:p>
           <a:p>
             <a:pPr lvl="4"/>
             <a:r>
-              <a:rPr lang="ko-KR" altLang="en-US" smtClean="0"/>
+              <a:rPr lang="ko-KR" altLang="en-US"/>
               <a:t>다섯째 수준</a:t>
             </a:r>
             <a:endParaRPr lang="en-US" dirty="0"/>
@@ -2564,7 +2563,7 @@
           <a:lstStyle/>
           <a:p>
             <a:r>
-              <a:rPr lang="ko-KR" altLang="en-US" smtClean="0"/>
+              <a:rPr lang="ko-KR" altLang="en-US"/>
               <a:t>마스터 제목 스타일 편집</a:t>
             </a:r>
             <a:endParaRPr lang="en-US" dirty="0"/>
@@ -2786,7 +2785,7 @@
           </a:lstStyle>
           <a:p>
             <a:r>
-              <a:rPr lang="ko-KR" altLang="en-US" smtClean="0"/>
+              <a:rPr lang="ko-KR" altLang="en-US"/>
               <a:t>마스터 제목 스타일 편집</a:t>
             </a:r>
             <a:endParaRPr lang="en-US" dirty="0"/>
@@ -2843,35 +2842,35 @@
           <a:p>
             <a:pPr lvl="0"/>
             <a:r>
-              <a:rPr lang="ko-KR" altLang="en-US" smtClean="0"/>
+              <a:rPr lang="ko-KR" altLang="en-US"/>
               <a:t>마스터 텍스트 스타일 편집</a:t>
             </a:r>
           </a:p>
           <a:p>
             <a:pPr lvl="1"/>
             <a:r>
-              <a:rPr lang="ko-KR" altLang="en-US" smtClean="0"/>
+              <a:rPr lang="ko-KR" altLang="en-US"/>
               <a:t>둘째 수준</a:t>
             </a:r>
           </a:p>
           <a:p>
             <a:pPr lvl="2"/>
             <a:r>
-              <a:rPr lang="ko-KR" altLang="en-US" smtClean="0"/>
+              <a:rPr lang="ko-KR" altLang="en-US"/>
               <a:t>셋째 수준</a:t>
             </a:r>
           </a:p>
           <a:p>
             <a:pPr lvl="3"/>
             <a:r>
-              <a:rPr lang="ko-KR" altLang="en-US" smtClean="0"/>
+              <a:rPr lang="ko-KR" altLang="en-US"/>
               <a:t>넷째 수준</a:t>
             </a:r>
           </a:p>
           <a:p>
             <a:pPr lvl="4"/>
             <a:r>
-              <a:rPr lang="ko-KR" altLang="en-US" smtClean="0"/>
+              <a:rPr lang="ko-KR" altLang="en-US"/>
               <a:t>다섯째 수준</a:t>
             </a:r>
             <a:endParaRPr lang="en-US" dirty="0"/>
@@ -2937,7 +2936,7 @@
           <a:p>
             <a:pPr lvl="0"/>
             <a:r>
-              <a:rPr lang="ko-KR" altLang="en-US" smtClean="0"/>
+              <a:rPr lang="ko-KR" altLang="en-US"/>
               <a:t>마스터 텍스트 스타일 편집</a:t>
             </a:r>
           </a:p>
@@ -3063,7 +3062,7 @@
           </a:lstStyle>
           <a:p>
             <a:r>
-              <a:rPr lang="ko-KR" altLang="en-US" smtClean="0"/>
+              <a:rPr lang="ko-KR" altLang="en-US"/>
               <a:t>마스터 제목 스타일 편집</a:t>
             </a:r>
             <a:endParaRPr lang="en-US" dirty="0"/>
@@ -3128,7 +3127,7 @@
           </a:lstStyle>
           <a:p>
             <a:r>
-              <a:rPr lang="ko-KR" altLang="en-US" smtClean="0"/>
+              <a:rPr lang="ko-KR" altLang="en-US"/>
               <a:t>그림을 추가하려면 아이콘을 클릭하십시오</a:t>
             </a:r>
             <a:endParaRPr lang="en-US" dirty="0"/>
@@ -3194,7 +3193,7 @@
           <a:p>
             <a:pPr lvl="0"/>
             <a:r>
-              <a:rPr lang="ko-KR" altLang="en-US" smtClean="0"/>
+              <a:rPr lang="ko-KR" altLang="en-US"/>
               <a:t>마스터 텍스트 스타일 편집</a:t>
             </a:r>
           </a:p>
@@ -3326,7 +3325,7 @@
           <a:lstStyle/>
           <a:p>
             <a:r>
-              <a:rPr lang="ko-KR" altLang="en-US" smtClean="0"/>
+              <a:rPr lang="ko-KR" altLang="en-US"/>
               <a:t>마스터 제목 스타일 편집</a:t>
             </a:r>
             <a:endParaRPr lang="en-US" dirty="0"/>
@@ -3360,35 +3359,35 @@
           <a:p>
             <a:pPr lvl="0"/>
             <a:r>
-              <a:rPr lang="ko-KR" altLang="en-US" smtClean="0"/>
+              <a:rPr lang="ko-KR" altLang="en-US"/>
               <a:t>마스터 텍스트 스타일 편집</a:t>
             </a:r>
           </a:p>
           <a:p>
             <a:pPr lvl="1"/>
             <a:r>
-              <a:rPr lang="ko-KR" altLang="en-US" smtClean="0"/>
+              <a:rPr lang="ko-KR" altLang="en-US"/>
               <a:t>둘째 수준</a:t>
             </a:r>
           </a:p>
           <a:p>
             <a:pPr lvl="2"/>
             <a:r>
-              <a:rPr lang="ko-KR" altLang="en-US" smtClean="0"/>
+              <a:rPr lang="ko-KR" altLang="en-US"/>
               <a:t>셋째 수준</a:t>
             </a:r>
           </a:p>
           <a:p>
             <a:pPr lvl="3"/>
             <a:r>
-              <a:rPr lang="ko-KR" altLang="en-US" smtClean="0"/>
+              <a:rPr lang="ko-KR" altLang="en-US"/>
               <a:t>넷째 수준</a:t>
             </a:r>
           </a:p>
           <a:p>
             <a:pPr lvl="4"/>
             <a:r>
-              <a:rPr lang="ko-KR" altLang="en-US" smtClean="0"/>
+              <a:rPr lang="ko-KR" altLang="en-US"/>
               <a:t>다섯째 수준</a:t>
             </a:r>
             <a:endParaRPr lang="en-US" dirty="0"/>
@@ -4177,14 +4176,13 @@
           <a:p>
             <a:pPr algn="ctr"/>
             <a:r>
-              <a:rPr lang="en-US" altLang="ko-KR" sz="1100" b="1" dirty="0" smtClean="0"/>
+              <a:rPr lang="en-US" altLang="ko-KR" sz="1100" b="1" dirty="0"/>
               <a:t>1</a:t>
             </a:r>
             <a:r>
-              <a:rPr lang="ko-KR" altLang="en-US" sz="1100" b="1" dirty="0" smtClean="0"/>
+              <a:rPr lang="ko-KR" altLang="en-US" sz="1100" b="1" dirty="0"/>
               <a:t>번 스킬</a:t>
             </a:r>
-            <a:endParaRPr lang="ko-KR" altLang="en-US" sz="1100" b="1" dirty="0"/>
           </a:p>
         </p:txBody>
       </p:sp>
@@ -4225,10 +4223,9 @@
           <a:p>
             <a:pPr algn="ctr"/>
             <a:r>
-              <a:rPr lang="ko-KR" altLang="en-US" sz="1100" b="1" dirty="0" smtClean="0"/>
+              <a:rPr lang="ko-KR" altLang="en-US" sz="1100" b="1" dirty="0"/>
               <a:t>일반 공격</a:t>
             </a:r>
-            <a:endParaRPr lang="ko-KR" altLang="en-US" sz="1100" b="1" dirty="0"/>
           </a:p>
         </p:txBody>
       </p:sp>
@@ -4269,14 +4266,13 @@
           <a:p>
             <a:pPr algn="ctr"/>
             <a:r>
-              <a:rPr lang="en-US" altLang="ko-KR" sz="1100" b="1" dirty="0" smtClean="0"/>
+              <a:rPr lang="en-US" altLang="ko-KR" sz="1100" b="1" dirty="0"/>
               <a:t>2</a:t>
             </a:r>
             <a:r>
-              <a:rPr lang="ko-KR" altLang="en-US" sz="1100" b="1" dirty="0" smtClean="0"/>
+              <a:rPr lang="ko-KR" altLang="en-US" sz="1100" b="1" dirty="0"/>
               <a:t>번 스킬</a:t>
             </a:r>
-            <a:endParaRPr lang="ko-KR" altLang="en-US" sz="1100" b="1" dirty="0"/>
           </a:p>
         </p:txBody>
       </p:sp>
@@ -4317,10 +4313,9 @@
           <a:p>
             <a:pPr algn="ctr"/>
             <a:r>
-              <a:rPr lang="ko-KR" altLang="en-US" sz="700" dirty="0" smtClean="0"/>
+              <a:rPr lang="ko-KR" altLang="en-US" sz="700" dirty="0"/>
               <a:t>턴 넘기기</a:t>
             </a:r>
-            <a:endParaRPr lang="ko-KR" altLang="en-US" sz="700" dirty="0"/>
           </a:p>
         </p:txBody>
       </p:sp>
@@ -4610,10 +4605,9 @@
             <a:p>
               <a:pPr algn="ctr"/>
               <a:r>
-                <a:rPr lang="ko-KR" altLang="en-US" sz="1200" b="1" dirty="0" smtClean="0"/>
+                <a:rPr lang="ko-KR" altLang="en-US" sz="1200" b="1" dirty="0"/>
                 <a:t>전투 로그</a:t>
               </a:r>
-              <a:endParaRPr lang="ko-KR" altLang="en-US" sz="1200" b="1" dirty="0"/>
             </a:p>
           </p:txBody>
         </p:sp>
@@ -4641,7 +4635,7 @@
             <a:p>
               <a:pPr algn="just"/>
               <a:r>
-                <a:rPr lang="ko-KR" altLang="en-US" sz="1000" b="1" dirty="0" smtClean="0">
+                <a:rPr lang="ko-KR" altLang="en-US" sz="1000" b="1" dirty="0">
                   <a:solidFill>
                     <a:schemeClr val="accent6"/>
                   </a:solidFill>
@@ -4649,7 +4643,7 @@
                 <a:t>아군</a:t>
               </a:r>
               <a:r>
-                <a:rPr lang="en-US" altLang="ko-KR" sz="1000" b="1" dirty="0" smtClean="0">
+                <a:rPr lang="en-US" altLang="ko-KR" sz="1000" b="1" dirty="0">
                   <a:solidFill>
                     <a:schemeClr val="accent6"/>
                   </a:solidFill>
@@ -4657,27 +4651,27 @@
                 <a:t>1</a:t>
               </a:r>
               <a:r>
-                <a:rPr lang="ko-KR" altLang="en-US" sz="1000" dirty="0" smtClean="0"/>
+                <a:rPr lang="ko-KR" altLang="en-US" sz="1000" dirty="0"/>
                 <a:t>이</a:t>
               </a:r>
               <a:r>
-                <a:rPr lang="en-US" altLang="ko-KR" sz="1000" dirty="0" smtClean="0"/>
+                <a:rPr lang="en-US" altLang="ko-KR" sz="1000" dirty="0"/>
                 <a:t>(</a:t>
               </a:r>
               <a:r>
-                <a:rPr lang="ko-KR" altLang="en-US" sz="1000" dirty="0" smtClean="0"/>
+                <a:rPr lang="ko-KR" altLang="en-US" sz="1000" dirty="0"/>
                 <a:t>가</a:t>
               </a:r>
               <a:r>
-                <a:rPr lang="en-US" altLang="ko-KR" sz="1000" dirty="0" smtClean="0"/>
+                <a:rPr lang="en-US" altLang="ko-KR" sz="1000" dirty="0"/>
                 <a:t>)</a:t>
               </a:r>
               <a:r>
-                <a:rPr lang="ko-KR" altLang="en-US" sz="1000" dirty="0" smtClean="0"/>
+                <a:rPr lang="ko-KR" altLang="en-US" sz="1000" dirty="0"/>
                 <a:t> </a:t>
               </a:r>
               <a:r>
-                <a:rPr lang="ko-KR" altLang="en-US" sz="1000" b="1" dirty="0" smtClean="0">
+                <a:rPr lang="ko-KR" altLang="en-US" sz="1000" b="1" dirty="0">
                   <a:solidFill>
                     <a:srgbClr val="FF0000"/>
                   </a:solidFill>
@@ -4685,7 +4679,7 @@
                 <a:t>적군</a:t>
               </a:r>
               <a:r>
-                <a:rPr lang="en-US" altLang="ko-KR" sz="1000" b="1" dirty="0" smtClean="0">
+                <a:rPr lang="en-US" altLang="ko-KR" sz="1000" b="1" dirty="0">
                   <a:solidFill>
                     <a:srgbClr val="FF0000"/>
                   </a:solidFill>
@@ -4693,53 +4687,53 @@
                 <a:t>3</a:t>
               </a:r>
               <a:r>
-                <a:rPr lang="ko-KR" altLang="en-US" sz="1000" dirty="0" smtClean="0"/>
+                <a:rPr lang="ko-KR" altLang="en-US" sz="1000" dirty="0"/>
                 <a:t>을</a:t>
               </a:r>
               <a:r>
-                <a:rPr lang="en-US" altLang="ko-KR" sz="1000" dirty="0" smtClean="0"/>
+                <a:rPr lang="en-US" altLang="ko-KR" sz="1000" dirty="0"/>
                 <a:t>(</a:t>
               </a:r>
               <a:r>
-                <a:rPr lang="ko-KR" altLang="en-US" sz="1000" dirty="0" smtClean="0"/>
+                <a:rPr lang="ko-KR" altLang="en-US" sz="1000" dirty="0"/>
                 <a:t>를</a:t>
               </a:r>
               <a:r>
-                <a:rPr lang="en-US" altLang="ko-KR" sz="1000" dirty="0" smtClean="0"/>
+                <a:rPr lang="en-US" altLang="ko-KR" sz="1000" dirty="0"/>
                 <a:t>)</a:t>
               </a:r>
               <a:r>
-                <a:rPr lang="ko-KR" altLang="en-US" sz="1000" dirty="0" smtClean="0"/>
+                <a:rPr lang="ko-KR" altLang="en-US" sz="1000" dirty="0"/>
                 <a:t> </a:t>
               </a:r>
               <a:r>
-                <a:rPr lang="ko-KR" altLang="en-US" sz="1000" b="1" dirty="0" smtClean="0"/>
+                <a:rPr lang="ko-KR" altLang="en-US" sz="1000" b="1" dirty="0"/>
                 <a:t>공격</a:t>
               </a:r>
               <a:r>
-                <a:rPr lang="en-US" altLang="ko-KR" sz="1000" b="1" dirty="0" smtClean="0"/>
+                <a:rPr lang="en-US" altLang="ko-KR" sz="1000" b="1" dirty="0"/>
                 <a:t>!</a:t>
               </a:r>
             </a:p>
             <a:p>
               <a:pPr algn="just"/>
               <a:r>
-                <a:rPr lang="en-US" altLang="ko-KR" sz="1000" b="1" dirty="0" smtClean="0"/>
+                <a:rPr lang="en-US" altLang="ko-KR" sz="1000" b="1" dirty="0"/>
                 <a:t>(30 </a:t>
               </a:r>
               <a:r>
-                <a:rPr lang="ko-KR" altLang="en-US" sz="1000" b="1" dirty="0" err="1" smtClean="0"/>
+                <a:rPr lang="ko-KR" altLang="en-US" sz="1000" b="1" dirty="0" err="1"/>
                 <a:t>데미지</a:t>
               </a:r>
               <a:r>
-                <a:rPr lang="en-US" altLang="ko-KR" sz="1000" b="1" dirty="0" smtClean="0"/>
+                <a:rPr lang="en-US" altLang="ko-KR" sz="1000" b="1" dirty="0"/>
                 <a:t>)</a:t>
               </a:r>
             </a:p>
             <a:p>
               <a:pPr algn="just"/>
               <a:r>
-                <a:rPr lang="ko-KR" altLang="en-US" sz="1000" b="1" dirty="0" smtClean="0">
+                <a:rPr lang="ko-KR" altLang="en-US" sz="1000" b="1" dirty="0">
                   <a:solidFill>
                     <a:schemeClr val="accent6"/>
                   </a:solidFill>
@@ -4755,27 +4749,27 @@
                 <a:t>2</a:t>
               </a:r>
               <a:r>
-                <a:rPr lang="ko-KR" altLang="en-US" sz="1000" dirty="0" smtClean="0"/>
+                <a:rPr lang="ko-KR" altLang="en-US" sz="1000" dirty="0"/>
                 <a:t>이</a:t>
               </a:r>
               <a:r>
-                <a:rPr lang="en-US" altLang="ko-KR" sz="1000" dirty="0" smtClean="0"/>
+                <a:rPr lang="en-US" altLang="ko-KR" sz="1000" dirty="0"/>
                 <a:t>(</a:t>
               </a:r>
               <a:r>
-                <a:rPr lang="ko-KR" altLang="en-US" sz="1000" dirty="0" smtClean="0"/>
+                <a:rPr lang="ko-KR" altLang="en-US" sz="1000" dirty="0"/>
                 <a:t>가</a:t>
               </a:r>
               <a:r>
-                <a:rPr lang="en-US" altLang="ko-KR" sz="1000" dirty="0" smtClean="0"/>
+                <a:rPr lang="en-US" altLang="ko-KR" sz="1000" dirty="0"/>
                 <a:t>)</a:t>
               </a:r>
               <a:r>
-                <a:rPr lang="ko-KR" altLang="en-US" sz="1000" dirty="0" smtClean="0"/>
+                <a:rPr lang="ko-KR" altLang="en-US" sz="1000" dirty="0"/>
                 <a:t> </a:t>
               </a:r>
               <a:r>
-                <a:rPr lang="ko-KR" altLang="en-US" sz="1000" b="1" dirty="0" smtClean="0">
+                <a:rPr lang="ko-KR" altLang="en-US" sz="1000" b="1" dirty="0">
                   <a:solidFill>
                     <a:schemeClr val="accent6"/>
                   </a:solidFill>
@@ -4783,7 +4777,7 @@
                 <a:t>아군</a:t>
               </a:r>
               <a:r>
-                <a:rPr lang="en-US" altLang="ko-KR" sz="1000" b="1" dirty="0" smtClean="0">
+                <a:rPr lang="en-US" altLang="ko-KR" sz="1000" b="1" dirty="0">
                   <a:solidFill>
                     <a:schemeClr val="accent6"/>
                   </a:solidFill>
@@ -4791,53 +4785,53 @@
                 <a:t>3</a:t>
               </a:r>
               <a:r>
-                <a:rPr lang="ko-KR" altLang="en-US" sz="1000" dirty="0" smtClean="0"/>
+                <a:rPr lang="ko-KR" altLang="en-US" sz="1000" dirty="0"/>
                 <a:t>을</a:t>
               </a:r>
               <a:r>
-                <a:rPr lang="en-US" altLang="ko-KR" sz="1000" dirty="0" smtClean="0"/>
+                <a:rPr lang="en-US" altLang="ko-KR" sz="1000" dirty="0"/>
                 <a:t>(</a:t>
               </a:r>
               <a:r>
-                <a:rPr lang="ko-KR" altLang="en-US" sz="1000" dirty="0" smtClean="0"/>
+                <a:rPr lang="ko-KR" altLang="en-US" sz="1000" dirty="0"/>
                 <a:t>를</a:t>
               </a:r>
               <a:r>
-                <a:rPr lang="en-US" altLang="ko-KR" sz="1000" dirty="0" smtClean="0"/>
+                <a:rPr lang="en-US" altLang="ko-KR" sz="1000" dirty="0"/>
                 <a:t>)</a:t>
               </a:r>
               <a:r>
-                <a:rPr lang="ko-KR" altLang="en-US" sz="1000" dirty="0" smtClean="0"/>
+                <a:rPr lang="ko-KR" altLang="en-US" sz="1000" dirty="0"/>
                 <a:t> </a:t>
               </a:r>
               <a:r>
-                <a:rPr lang="ko-KR" altLang="en-US" sz="1000" b="1" dirty="0" smtClean="0"/>
+                <a:rPr lang="ko-KR" altLang="en-US" sz="1000" b="1" dirty="0"/>
                 <a:t>회복</a:t>
               </a:r>
               <a:r>
-                <a:rPr lang="en-US" altLang="ko-KR" sz="1000" b="1" dirty="0" smtClean="0"/>
+                <a:rPr lang="en-US" altLang="ko-KR" sz="1000" b="1" dirty="0"/>
                 <a:t>!</a:t>
               </a:r>
             </a:p>
             <a:p>
               <a:pPr algn="just"/>
               <a:r>
-                <a:rPr lang="en-US" altLang="ko-KR" sz="1000" b="1" dirty="0" smtClean="0"/>
+                <a:rPr lang="en-US" altLang="ko-KR" sz="1000" b="1" dirty="0"/>
                 <a:t>(15 </a:t>
               </a:r>
               <a:r>
-                <a:rPr lang="ko-KR" altLang="en-US" sz="1000" b="1" dirty="0" smtClean="0"/>
+                <a:rPr lang="ko-KR" altLang="en-US" sz="1000" b="1" dirty="0"/>
                 <a:t>회복</a:t>
               </a:r>
               <a:r>
-                <a:rPr lang="en-US" altLang="ko-KR" sz="1000" b="1" dirty="0" smtClean="0"/>
+                <a:rPr lang="en-US" altLang="ko-KR" sz="1000" b="1" dirty="0"/>
                 <a:t>)</a:t>
               </a:r>
             </a:p>
             <a:p>
               <a:pPr algn="just"/>
               <a:r>
-                <a:rPr lang="ko-KR" altLang="en-US" sz="1000" b="1" dirty="0" smtClean="0">
+                <a:rPr lang="ko-KR" altLang="en-US" sz="1000" b="1" dirty="0">
                   <a:solidFill>
                     <a:srgbClr val="FF0000"/>
                   </a:solidFill>
@@ -4845,7 +4839,7 @@
                 <a:t>적군</a:t>
               </a:r>
               <a:r>
-                <a:rPr lang="en-US" altLang="ko-KR" sz="1000" b="1" dirty="0" smtClean="0">
+                <a:rPr lang="en-US" altLang="ko-KR" sz="1000" b="1" dirty="0">
                   <a:solidFill>
                     <a:srgbClr val="FF0000"/>
                   </a:solidFill>
@@ -4853,23 +4847,23 @@
                 <a:t>2</a:t>
               </a:r>
               <a:r>
-                <a:rPr lang="ko-KR" altLang="en-US" sz="1000" dirty="0" smtClean="0"/>
+                <a:rPr lang="ko-KR" altLang="en-US" sz="1000" dirty="0"/>
                 <a:t>이</a:t>
               </a:r>
               <a:r>
-                <a:rPr lang="en-US" altLang="ko-KR" sz="1000" dirty="0" smtClean="0"/>
+                <a:rPr lang="en-US" altLang="ko-KR" sz="1000" dirty="0"/>
                 <a:t>(</a:t>
               </a:r>
               <a:r>
-                <a:rPr lang="ko-KR" altLang="en-US" sz="1000" dirty="0" smtClean="0"/>
+                <a:rPr lang="ko-KR" altLang="en-US" sz="1000" dirty="0"/>
                 <a:t>가</a:t>
               </a:r>
               <a:r>
-                <a:rPr lang="en-US" altLang="ko-KR" sz="1000" dirty="0" smtClean="0"/>
+                <a:rPr lang="en-US" altLang="ko-KR" sz="1000" dirty="0"/>
                 <a:t>) </a:t>
               </a:r>
               <a:r>
-                <a:rPr lang="ko-KR" altLang="en-US" sz="1000" b="1" dirty="0" smtClean="0">
+                <a:rPr lang="ko-KR" altLang="en-US" sz="1000" b="1" dirty="0">
                   <a:solidFill>
                     <a:schemeClr val="accent6"/>
                   </a:solidFill>
@@ -4877,7 +4871,7 @@
                 <a:t>아군</a:t>
               </a:r>
               <a:r>
-                <a:rPr lang="en-US" altLang="ko-KR" sz="1000" b="1" dirty="0" smtClean="0">
+                <a:rPr lang="en-US" altLang="ko-KR" sz="1000" b="1" dirty="0">
                   <a:solidFill>
                     <a:schemeClr val="accent6"/>
                   </a:solidFill>
@@ -4885,45 +4879,45 @@
                 <a:t>4</a:t>
               </a:r>
               <a:r>
-                <a:rPr lang="ko-KR" altLang="en-US" sz="1000" dirty="0" smtClean="0"/>
+                <a:rPr lang="ko-KR" altLang="en-US" sz="1000" dirty="0"/>
                 <a:t>을</a:t>
               </a:r>
               <a:r>
-                <a:rPr lang="en-US" altLang="ko-KR" sz="1000" dirty="0" smtClean="0"/>
+                <a:rPr lang="en-US" altLang="ko-KR" sz="1000" dirty="0"/>
                 <a:t>(</a:t>
               </a:r>
               <a:r>
-                <a:rPr lang="ko-KR" altLang="en-US" sz="1000" dirty="0" smtClean="0"/>
+                <a:rPr lang="ko-KR" altLang="en-US" sz="1000" dirty="0"/>
                 <a:t>를</a:t>
               </a:r>
               <a:r>
-                <a:rPr lang="en-US" altLang="ko-KR" sz="1000" dirty="0" smtClean="0"/>
+                <a:rPr lang="en-US" altLang="ko-KR" sz="1000" dirty="0"/>
                 <a:t>) </a:t>
               </a:r>
               <a:r>
-                <a:rPr lang="ko-KR" altLang="en-US" sz="1000" dirty="0" smtClean="0"/>
+                <a:rPr lang="ko-KR" altLang="en-US" sz="1000" dirty="0"/>
                 <a:t>공격</a:t>
               </a:r>
               <a:r>
-                <a:rPr lang="en-US" altLang="ko-KR" sz="1000" dirty="0" smtClean="0"/>
+                <a:rPr lang="en-US" altLang="ko-KR" sz="1000" dirty="0"/>
                 <a:t>!</a:t>
               </a:r>
             </a:p>
             <a:p>
               <a:pPr algn="just"/>
               <a:r>
-                <a:rPr lang="en-US" altLang="ko-KR" sz="1000" dirty="0" smtClean="0"/>
+                <a:rPr lang="en-US" altLang="ko-KR" sz="1000" dirty="0"/>
                 <a:t>(40 </a:t>
               </a:r>
               <a:r>
-                <a:rPr lang="ko-KR" altLang="en-US" sz="1000" dirty="0" err="1" smtClean="0"/>
+                <a:rPr lang="ko-KR" altLang="en-US" sz="1000" dirty="0" err="1"/>
                 <a:t>데미지</a:t>
               </a:r>
               <a:r>
-                <a:rPr lang="en-US" altLang="ko-KR" sz="1000" dirty="0" smtClean="0"/>
+                <a:rPr lang="en-US" altLang="ko-KR" sz="1000" dirty="0"/>
                 <a:t>)</a:t>
               </a:r>
-              <a:endParaRPr lang="ko-KR" altLang="en-US" sz="1000" dirty="0" smtClean="0"/>
+              <a:endParaRPr lang="ko-KR" altLang="en-US" sz="1000" dirty="0"/>
             </a:p>
             <a:p>
               <a:pPr algn="just"/>
@@ -5057,7 +5051,7 @@
           <a:lstStyle/>
           <a:p>
             <a:r>
-              <a:rPr lang="ko-KR" altLang="en-US" b="1" dirty="0" smtClean="0">
+              <a:rPr lang="ko-KR" altLang="en-US" b="1" dirty="0">
                 <a:solidFill>
                   <a:schemeClr val="bg1"/>
                 </a:solidFill>
@@ -5065,7 +5059,7 @@
               <a:t>신성한 숲 </a:t>
             </a:r>
             <a:r>
-              <a:rPr lang="en-US" altLang="ko-KR" sz="1100" b="1" dirty="0" smtClean="0">
+              <a:rPr lang="en-US" altLang="ko-KR" sz="1100" b="1" dirty="0">
                 <a:solidFill>
                   <a:schemeClr val="bg1"/>
                 </a:solidFill>
@@ -5110,26 +5104,25 @@
           <a:lstStyle/>
           <a:p>
             <a:r>
-              <a:rPr lang="ko-KR" altLang="en-US" b="1" dirty="0" smtClean="0"/>
+              <a:rPr lang="ko-KR" altLang="en-US" b="1" dirty="0"/>
               <a:t>전투 </a:t>
             </a:r>
             <a:r>
-              <a:rPr lang="ko-KR" altLang="en-US" b="1" dirty="0" err="1" smtClean="0"/>
+              <a:rPr lang="ko-KR" altLang="en-US" b="1" dirty="0" err="1"/>
               <a:t>기획안</a:t>
             </a:r>
             <a:r>
-              <a:rPr lang="ko-KR" altLang="en-US" b="1" dirty="0" smtClean="0"/>
+              <a:rPr lang="ko-KR" altLang="en-US" b="1" dirty="0"/>
               <a:t> </a:t>
             </a:r>
             <a:r>
-              <a:rPr lang="en-US" altLang="ko-KR" b="1" dirty="0" smtClean="0"/>
+              <a:rPr lang="en-US" altLang="ko-KR" b="1" dirty="0"/>
               <a:t>(1920 * 1080) – </a:t>
             </a:r>
             <a:r>
-              <a:rPr lang="ko-KR" altLang="en-US" b="1" dirty="0" smtClean="0"/>
+              <a:rPr lang="ko-KR" altLang="en-US" b="1" dirty="0"/>
               <a:t>기본 전투 화면</a:t>
             </a:r>
-            <a:endParaRPr lang="ko-KR" altLang="en-US" b="1" dirty="0"/>
           </a:p>
         </p:txBody>
       </p:sp>
@@ -5266,7 +5259,7 @@
             <a:lstStyle/>
             <a:p>
               <a:r>
-                <a:rPr lang="en-US" altLang="ko-KR" b="1" dirty="0" smtClean="0">
+                <a:rPr lang="en-US" altLang="ko-KR" b="1" dirty="0">
                   <a:solidFill>
                     <a:schemeClr val="bg1"/>
                   </a:solidFill>
@@ -6789,7 +6782,7 @@
           <a:p>
             <a:pPr algn="ctr"/>
             <a:r>
-              <a:rPr lang="en-US" altLang="ko-KR" sz="2000" b="1" dirty="0" smtClean="0">
+              <a:rPr lang="en-US" altLang="ko-KR" sz="2000" b="1" dirty="0">
                 <a:solidFill>
                   <a:schemeClr val="bg1"/>
                 </a:solidFill>
@@ -6828,7 +6821,7 @@
           <a:p>
             <a:pPr algn="ctr"/>
             <a:r>
-              <a:rPr lang="en-US" altLang="ko-KR" sz="1050" b="1" dirty="0" smtClean="0">
+              <a:rPr lang="en-US" altLang="ko-KR" sz="1050" b="1" dirty="0">
                 <a:solidFill>
                   <a:schemeClr val="bg1"/>
                 </a:solidFill>
@@ -6867,7 +6860,7 @@
           <a:p>
             <a:pPr algn="ctr"/>
             <a:r>
-              <a:rPr lang="en-US" altLang="ko-KR" sz="1050" b="1" dirty="0" smtClean="0">
+              <a:rPr lang="en-US" altLang="ko-KR" sz="1050" b="1" dirty="0">
                 <a:solidFill>
                   <a:schemeClr val="bg1"/>
                 </a:solidFill>
@@ -6906,7 +6899,7 @@
           <a:p>
             <a:pPr algn="ctr"/>
             <a:r>
-              <a:rPr lang="en-US" altLang="ko-KR" sz="1050" b="1" dirty="0" smtClean="0">
+              <a:rPr lang="en-US" altLang="ko-KR" sz="1050" b="1" dirty="0">
                 <a:solidFill>
                   <a:schemeClr val="bg1"/>
                 </a:solidFill>
@@ -6945,7 +6938,7 @@
           <a:p>
             <a:pPr algn="ctr"/>
             <a:r>
-              <a:rPr lang="en-US" altLang="ko-KR" sz="1050" b="1" dirty="0" smtClean="0">
+              <a:rPr lang="en-US" altLang="ko-KR" sz="1050" b="1" dirty="0">
                 <a:solidFill>
                   <a:schemeClr val="bg1"/>
                 </a:solidFill>
@@ -6984,7 +6977,7 @@
           <a:p>
             <a:pPr algn="ctr"/>
             <a:r>
-              <a:rPr lang="en-US" altLang="ko-KR" sz="1050" b="1" dirty="0" smtClean="0">
+              <a:rPr lang="en-US" altLang="ko-KR" sz="1050" b="1" dirty="0">
                 <a:solidFill>
                   <a:schemeClr val="bg1"/>
                 </a:solidFill>
@@ -7023,7 +7016,7 @@
           <a:p>
             <a:pPr algn="ctr"/>
             <a:r>
-              <a:rPr lang="en-US" altLang="ko-KR" sz="1050" b="1" dirty="0" smtClean="0">
+              <a:rPr lang="en-US" altLang="ko-KR" sz="1050" b="1" dirty="0">
                 <a:solidFill>
                   <a:schemeClr val="bg1"/>
                 </a:solidFill>
@@ -7062,7 +7055,7 @@
           <a:p>
             <a:pPr algn="ctr"/>
             <a:r>
-              <a:rPr lang="en-US" altLang="ko-KR" sz="1050" b="1" dirty="0" smtClean="0">
+              <a:rPr lang="en-US" altLang="ko-KR" sz="1050" b="1" dirty="0">
                 <a:solidFill>
                   <a:schemeClr val="bg1"/>
                 </a:solidFill>
@@ -7101,7 +7094,7 @@
           <a:p>
             <a:pPr algn="ctr"/>
             <a:r>
-              <a:rPr lang="en-US" altLang="ko-KR" sz="1050" b="1" dirty="0" smtClean="0">
+              <a:rPr lang="en-US" altLang="ko-KR" sz="1050" b="1" dirty="0">
                 <a:solidFill>
                   <a:schemeClr val="bg1"/>
                 </a:solidFill>
@@ -7140,7 +7133,7 @@
           <a:p>
             <a:pPr algn="ctr"/>
             <a:r>
-              <a:rPr lang="en-US" altLang="ko-KR" sz="1050" b="1" dirty="0" smtClean="0">
+              <a:rPr lang="en-US" altLang="ko-KR" sz="1050" b="1" dirty="0">
                 <a:solidFill>
                   <a:schemeClr val="bg1"/>
                 </a:solidFill>
@@ -7179,7 +7172,7 @@
           <a:p>
             <a:pPr algn="ctr"/>
             <a:r>
-              <a:rPr lang="en-US" altLang="ko-KR" sz="1050" b="1" dirty="0" smtClean="0">
+              <a:rPr lang="en-US" altLang="ko-KR" sz="1050" b="1" dirty="0">
                 <a:solidFill>
                   <a:schemeClr val="bg1"/>
                 </a:solidFill>
@@ -7204,13 +7197,6 @@
   <p:clrMapOvr>
     <a:masterClrMapping/>
   </p:clrMapOvr>
-  <p:timing>
-    <p:tnLst>
-      <p:par>
-        <p:cTn id="1" dur="indefinite" restart="never" nodeType="tmRoot"/>
-      </p:par>
-    </p:tnLst>
-  </p:timing>
 </p:sld>
 </file>
 
@@ -7573,14 +7559,13 @@
           <a:p>
             <a:pPr algn="ctr"/>
             <a:r>
-              <a:rPr lang="en-US" altLang="ko-KR" sz="1100" b="1" dirty="0" smtClean="0"/>
+              <a:rPr lang="en-US" altLang="ko-KR" sz="1100" b="1" dirty="0"/>
               <a:t>1</a:t>
             </a:r>
             <a:r>
-              <a:rPr lang="ko-KR" altLang="en-US" sz="1100" b="1" dirty="0" smtClean="0"/>
+              <a:rPr lang="ko-KR" altLang="en-US" sz="1100" b="1" dirty="0"/>
               <a:t>번 스킬</a:t>
             </a:r>
-            <a:endParaRPr lang="ko-KR" altLang="en-US" sz="1100" b="1" dirty="0"/>
           </a:p>
         </p:txBody>
       </p:sp>
@@ -7621,10 +7606,9 @@
           <a:p>
             <a:pPr algn="ctr"/>
             <a:r>
-              <a:rPr lang="ko-KR" altLang="en-US" sz="1100" b="1" dirty="0" smtClean="0"/>
+              <a:rPr lang="ko-KR" altLang="en-US" sz="1100" b="1" dirty="0"/>
               <a:t>일반 공격</a:t>
             </a:r>
-            <a:endParaRPr lang="ko-KR" altLang="en-US" sz="1100" b="1" dirty="0"/>
           </a:p>
         </p:txBody>
       </p:sp>
@@ -7665,14 +7649,13 @@
           <a:p>
             <a:pPr algn="ctr"/>
             <a:r>
-              <a:rPr lang="en-US" altLang="ko-KR" sz="1100" b="1" dirty="0" smtClean="0"/>
+              <a:rPr lang="en-US" altLang="ko-KR" sz="1100" b="1" dirty="0"/>
               <a:t>2</a:t>
             </a:r>
             <a:r>
-              <a:rPr lang="ko-KR" altLang="en-US" sz="1100" b="1" dirty="0" smtClean="0"/>
+              <a:rPr lang="ko-KR" altLang="en-US" sz="1100" b="1" dirty="0"/>
               <a:t>번 스킬</a:t>
             </a:r>
-            <a:endParaRPr lang="ko-KR" altLang="en-US" sz="1100" b="1" dirty="0"/>
           </a:p>
         </p:txBody>
       </p:sp>
@@ -7713,10 +7696,9 @@
           <a:p>
             <a:pPr algn="ctr"/>
             <a:r>
-              <a:rPr lang="ko-KR" altLang="en-US" sz="700" dirty="0" smtClean="0"/>
+              <a:rPr lang="ko-KR" altLang="en-US" sz="700" dirty="0"/>
               <a:t>턴 넘기기</a:t>
             </a:r>
-            <a:endParaRPr lang="ko-KR" altLang="en-US" sz="700" dirty="0"/>
           </a:p>
         </p:txBody>
       </p:sp>
@@ -8006,10 +7988,9 @@
             <a:p>
               <a:pPr algn="ctr"/>
               <a:r>
-                <a:rPr lang="ko-KR" altLang="en-US" sz="1200" b="1" dirty="0" smtClean="0"/>
+                <a:rPr lang="ko-KR" altLang="en-US" sz="1200" b="1" dirty="0"/>
                 <a:t>전투 로그</a:t>
               </a:r>
-              <a:endParaRPr lang="ko-KR" altLang="en-US" sz="1200" b="1" dirty="0"/>
             </a:p>
           </p:txBody>
         </p:sp>
@@ -8037,7 +8018,7 @@
             <a:p>
               <a:pPr algn="just"/>
               <a:r>
-                <a:rPr lang="ko-KR" altLang="en-US" sz="1000" b="1" dirty="0" smtClean="0">
+                <a:rPr lang="ko-KR" altLang="en-US" sz="1000" b="1" dirty="0">
                   <a:solidFill>
                     <a:schemeClr val="accent6"/>
                   </a:solidFill>
@@ -8045,7 +8026,7 @@
                 <a:t>아군</a:t>
               </a:r>
               <a:r>
-                <a:rPr lang="en-US" altLang="ko-KR" sz="1000" b="1" dirty="0" smtClean="0">
+                <a:rPr lang="en-US" altLang="ko-KR" sz="1000" b="1" dirty="0">
                   <a:solidFill>
                     <a:schemeClr val="accent6"/>
                   </a:solidFill>
@@ -8053,27 +8034,27 @@
                 <a:t>1</a:t>
               </a:r>
               <a:r>
-                <a:rPr lang="ko-KR" altLang="en-US" sz="1000" dirty="0" smtClean="0"/>
+                <a:rPr lang="ko-KR" altLang="en-US" sz="1000" dirty="0"/>
                 <a:t>이</a:t>
               </a:r>
               <a:r>
-                <a:rPr lang="en-US" altLang="ko-KR" sz="1000" dirty="0" smtClean="0"/>
+                <a:rPr lang="en-US" altLang="ko-KR" sz="1000" dirty="0"/>
                 <a:t>(</a:t>
               </a:r>
               <a:r>
-                <a:rPr lang="ko-KR" altLang="en-US" sz="1000" dirty="0" smtClean="0"/>
+                <a:rPr lang="ko-KR" altLang="en-US" sz="1000" dirty="0"/>
                 <a:t>가</a:t>
               </a:r>
               <a:r>
-                <a:rPr lang="en-US" altLang="ko-KR" sz="1000" dirty="0" smtClean="0"/>
+                <a:rPr lang="en-US" altLang="ko-KR" sz="1000" dirty="0"/>
                 <a:t>)</a:t>
               </a:r>
               <a:r>
-                <a:rPr lang="ko-KR" altLang="en-US" sz="1000" dirty="0" smtClean="0"/>
+                <a:rPr lang="ko-KR" altLang="en-US" sz="1000" dirty="0"/>
                 <a:t> </a:t>
               </a:r>
               <a:r>
-                <a:rPr lang="ko-KR" altLang="en-US" sz="1000" b="1" dirty="0" smtClean="0">
+                <a:rPr lang="ko-KR" altLang="en-US" sz="1000" b="1" dirty="0">
                   <a:solidFill>
                     <a:srgbClr val="FF0000"/>
                   </a:solidFill>
@@ -8081,7 +8062,7 @@
                 <a:t>적군</a:t>
               </a:r>
               <a:r>
-                <a:rPr lang="en-US" altLang="ko-KR" sz="1000" b="1" dirty="0" smtClean="0">
+                <a:rPr lang="en-US" altLang="ko-KR" sz="1000" b="1" dirty="0">
                   <a:solidFill>
                     <a:srgbClr val="FF0000"/>
                   </a:solidFill>
@@ -8089,53 +8070,53 @@
                 <a:t>3</a:t>
               </a:r>
               <a:r>
-                <a:rPr lang="ko-KR" altLang="en-US" sz="1000" dirty="0" smtClean="0"/>
+                <a:rPr lang="ko-KR" altLang="en-US" sz="1000" dirty="0"/>
                 <a:t>을</a:t>
               </a:r>
               <a:r>
-                <a:rPr lang="en-US" altLang="ko-KR" sz="1000" dirty="0" smtClean="0"/>
+                <a:rPr lang="en-US" altLang="ko-KR" sz="1000" dirty="0"/>
                 <a:t>(</a:t>
               </a:r>
               <a:r>
-                <a:rPr lang="ko-KR" altLang="en-US" sz="1000" dirty="0" smtClean="0"/>
+                <a:rPr lang="ko-KR" altLang="en-US" sz="1000" dirty="0"/>
                 <a:t>를</a:t>
               </a:r>
               <a:r>
-                <a:rPr lang="en-US" altLang="ko-KR" sz="1000" dirty="0" smtClean="0"/>
+                <a:rPr lang="en-US" altLang="ko-KR" sz="1000" dirty="0"/>
                 <a:t>)</a:t>
               </a:r>
               <a:r>
-                <a:rPr lang="ko-KR" altLang="en-US" sz="1000" dirty="0" smtClean="0"/>
+                <a:rPr lang="ko-KR" altLang="en-US" sz="1000" dirty="0"/>
                 <a:t> </a:t>
               </a:r>
               <a:r>
-                <a:rPr lang="ko-KR" altLang="en-US" sz="1000" b="1" dirty="0" smtClean="0"/>
+                <a:rPr lang="ko-KR" altLang="en-US" sz="1000" b="1" dirty="0"/>
                 <a:t>공격</a:t>
               </a:r>
               <a:r>
-                <a:rPr lang="en-US" altLang="ko-KR" sz="1000" b="1" dirty="0" smtClean="0"/>
+                <a:rPr lang="en-US" altLang="ko-KR" sz="1000" b="1" dirty="0"/>
                 <a:t>!</a:t>
               </a:r>
             </a:p>
             <a:p>
               <a:pPr algn="just"/>
               <a:r>
-                <a:rPr lang="en-US" altLang="ko-KR" sz="1000" b="1" dirty="0" smtClean="0"/>
+                <a:rPr lang="en-US" altLang="ko-KR" sz="1000" b="1" dirty="0"/>
                 <a:t>(30 </a:t>
               </a:r>
               <a:r>
-                <a:rPr lang="ko-KR" altLang="en-US" sz="1000" b="1" dirty="0" err="1" smtClean="0"/>
+                <a:rPr lang="ko-KR" altLang="en-US" sz="1000" b="1" dirty="0" err="1"/>
                 <a:t>데미지</a:t>
               </a:r>
               <a:r>
-                <a:rPr lang="en-US" altLang="ko-KR" sz="1000" b="1" dirty="0" smtClean="0"/>
+                <a:rPr lang="en-US" altLang="ko-KR" sz="1000" b="1" dirty="0"/>
                 <a:t>)</a:t>
               </a:r>
             </a:p>
             <a:p>
               <a:pPr algn="just"/>
               <a:r>
-                <a:rPr lang="ko-KR" altLang="en-US" sz="1000" b="1" dirty="0" smtClean="0">
+                <a:rPr lang="ko-KR" altLang="en-US" sz="1000" b="1" dirty="0">
                   <a:solidFill>
                     <a:schemeClr val="accent6"/>
                   </a:solidFill>
@@ -8151,27 +8132,27 @@
                 <a:t>2</a:t>
               </a:r>
               <a:r>
-                <a:rPr lang="ko-KR" altLang="en-US" sz="1000" dirty="0" smtClean="0"/>
+                <a:rPr lang="ko-KR" altLang="en-US" sz="1000" dirty="0"/>
                 <a:t>이</a:t>
               </a:r>
               <a:r>
-                <a:rPr lang="en-US" altLang="ko-KR" sz="1000" dirty="0" smtClean="0"/>
+                <a:rPr lang="en-US" altLang="ko-KR" sz="1000" dirty="0"/>
                 <a:t>(</a:t>
               </a:r>
               <a:r>
-                <a:rPr lang="ko-KR" altLang="en-US" sz="1000" dirty="0" smtClean="0"/>
+                <a:rPr lang="ko-KR" altLang="en-US" sz="1000" dirty="0"/>
                 <a:t>가</a:t>
               </a:r>
               <a:r>
-                <a:rPr lang="en-US" altLang="ko-KR" sz="1000" dirty="0" smtClean="0"/>
+                <a:rPr lang="en-US" altLang="ko-KR" sz="1000" dirty="0"/>
                 <a:t>)</a:t>
               </a:r>
               <a:r>
-                <a:rPr lang="ko-KR" altLang="en-US" sz="1000" dirty="0" smtClean="0"/>
+                <a:rPr lang="ko-KR" altLang="en-US" sz="1000" dirty="0"/>
                 <a:t> </a:t>
               </a:r>
               <a:r>
-                <a:rPr lang="ko-KR" altLang="en-US" sz="1000" b="1" dirty="0" smtClean="0">
+                <a:rPr lang="ko-KR" altLang="en-US" sz="1000" b="1" dirty="0">
                   <a:solidFill>
                     <a:schemeClr val="accent6"/>
                   </a:solidFill>
@@ -8179,7 +8160,7 @@
                 <a:t>아군</a:t>
               </a:r>
               <a:r>
-                <a:rPr lang="en-US" altLang="ko-KR" sz="1000" b="1" dirty="0" smtClean="0">
+                <a:rPr lang="en-US" altLang="ko-KR" sz="1000" b="1" dirty="0">
                   <a:solidFill>
                     <a:schemeClr val="accent6"/>
                   </a:solidFill>
@@ -8187,53 +8168,53 @@
                 <a:t>3</a:t>
               </a:r>
               <a:r>
-                <a:rPr lang="ko-KR" altLang="en-US" sz="1000" dirty="0" smtClean="0"/>
+                <a:rPr lang="ko-KR" altLang="en-US" sz="1000" dirty="0"/>
                 <a:t>을</a:t>
               </a:r>
               <a:r>
-                <a:rPr lang="en-US" altLang="ko-KR" sz="1000" dirty="0" smtClean="0"/>
+                <a:rPr lang="en-US" altLang="ko-KR" sz="1000" dirty="0"/>
                 <a:t>(</a:t>
               </a:r>
               <a:r>
-                <a:rPr lang="ko-KR" altLang="en-US" sz="1000" dirty="0" smtClean="0"/>
+                <a:rPr lang="ko-KR" altLang="en-US" sz="1000" dirty="0"/>
                 <a:t>를</a:t>
               </a:r>
               <a:r>
-                <a:rPr lang="en-US" altLang="ko-KR" sz="1000" dirty="0" smtClean="0"/>
+                <a:rPr lang="en-US" altLang="ko-KR" sz="1000" dirty="0"/>
                 <a:t>)</a:t>
               </a:r>
               <a:r>
-                <a:rPr lang="ko-KR" altLang="en-US" sz="1000" dirty="0" smtClean="0"/>
+                <a:rPr lang="ko-KR" altLang="en-US" sz="1000" dirty="0"/>
                 <a:t> </a:t>
               </a:r>
               <a:r>
-                <a:rPr lang="ko-KR" altLang="en-US" sz="1000" b="1" dirty="0" smtClean="0"/>
+                <a:rPr lang="ko-KR" altLang="en-US" sz="1000" b="1" dirty="0"/>
                 <a:t>회복</a:t>
               </a:r>
               <a:r>
-                <a:rPr lang="en-US" altLang="ko-KR" sz="1000" b="1" dirty="0" smtClean="0"/>
+                <a:rPr lang="en-US" altLang="ko-KR" sz="1000" b="1" dirty="0"/>
                 <a:t>!</a:t>
               </a:r>
             </a:p>
             <a:p>
               <a:pPr algn="just"/>
               <a:r>
-                <a:rPr lang="en-US" altLang="ko-KR" sz="1000" b="1" dirty="0" smtClean="0"/>
+                <a:rPr lang="en-US" altLang="ko-KR" sz="1000" b="1" dirty="0"/>
                 <a:t>(15 </a:t>
               </a:r>
               <a:r>
-                <a:rPr lang="ko-KR" altLang="en-US" sz="1000" b="1" dirty="0" smtClean="0"/>
+                <a:rPr lang="ko-KR" altLang="en-US" sz="1000" b="1" dirty="0"/>
                 <a:t>회복</a:t>
               </a:r>
               <a:r>
-                <a:rPr lang="en-US" altLang="ko-KR" sz="1000" b="1" dirty="0" smtClean="0"/>
+                <a:rPr lang="en-US" altLang="ko-KR" sz="1000" b="1" dirty="0"/>
                 <a:t>)</a:t>
               </a:r>
             </a:p>
             <a:p>
               <a:pPr algn="just"/>
               <a:r>
-                <a:rPr lang="ko-KR" altLang="en-US" sz="1000" b="1" dirty="0" smtClean="0">
+                <a:rPr lang="ko-KR" altLang="en-US" sz="1000" b="1" dirty="0">
                   <a:solidFill>
                     <a:srgbClr val="FF0000"/>
                   </a:solidFill>
@@ -8241,7 +8222,7 @@
                 <a:t>적군</a:t>
               </a:r>
               <a:r>
-                <a:rPr lang="en-US" altLang="ko-KR" sz="1000" b="1" dirty="0" smtClean="0">
+                <a:rPr lang="en-US" altLang="ko-KR" sz="1000" b="1" dirty="0">
                   <a:solidFill>
                     <a:srgbClr val="FF0000"/>
                   </a:solidFill>
@@ -8249,23 +8230,23 @@
                 <a:t>2</a:t>
               </a:r>
               <a:r>
-                <a:rPr lang="ko-KR" altLang="en-US" sz="1000" dirty="0" smtClean="0"/>
+                <a:rPr lang="ko-KR" altLang="en-US" sz="1000" dirty="0"/>
                 <a:t>이</a:t>
               </a:r>
               <a:r>
-                <a:rPr lang="en-US" altLang="ko-KR" sz="1000" dirty="0" smtClean="0"/>
+                <a:rPr lang="en-US" altLang="ko-KR" sz="1000" dirty="0"/>
                 <a:t>(</a:t>
               </a:r>
               <a:r>
-                <a:rPr lang="ko-KR" altLang="en-US" sz="1000" dirty="0" smtClean="0"/>
+                <a:rPr lang="ko-KR" altLang="en-US" sz="1000" dirty="0"/>
                 <a:t>가</a:t>
               </a:r>
               <a:r>
-                <a:rPr lang="en-US" altLang="ko-KR" sz="1000" dirty="0" smtClean="0"/>
+                <a:rPr lang="en-US" altLang="ko-KR" sz="1000" dirty="0"/>
                 <a:t>) </a:t>
               </a:r>
               <a:r>
-                <a:rPr lang="ko-KR" altLang="en-US" sz="1000" b="1" dirty="0" smtClean="0">
+                <a:rPr lang="ko-KR" altLang="en-US" sz="1000" b="1" dirty="0">
                   <a:solidFill>
                     <a:schemeClr val="accent6"/>
                   </a:solidFill>
@@ -8273,7 +8254,7 @@
                 <a:t>아군</a:t>
               </a:r>
               <a:r>
-                <a:rPr lang="en-US" altLang="ko-KR" sz="1000" b="1" dirty="0" smtClean="0">
+                <a:rPr lang="en-US" altLang="ko-KR" sz="1000" b="1" dirty="0">
                   <a:solidFill>
                     <a:schemeClr val="accent6"/>
                   </a:solidFill>
@@ -8281,45 +8262,45 @@
                 <a:t>4</a:t>
               </a:r>
               <a:r>
-                <a:rPr lang="ko-KR" altLang="en-US" sz="1000" dirty="0" smtClean="0"/>
+                <a:rPr lang="ko-KR" altLang="en-US" sz="1000" dirty="0"/>
                 <a:t>을</a:t>
               </a:r>
               <a:r>
-                <a:rPr lang="en-US" altLang="ko-KR" sz="1000" dirty="0" smtClean="0"/>
+                <a:rPr lang="en-US" altLang="ko-KR" sz="1000" dirty="0"/>
                 <a:t>(</a:t>
               </a:r>
               <a:r>
-                <a:rPr lang="ko-KR" altLang="en-US" sz="1000" dirty="0" smtClean="0"/>
+                <a:rPr lang="ko-KR" altLang="en-US" sz="1000" dirty="0"/>
                 <a:t>를</a:t>
               </a:r>
               <a:r>
-                <a:rPr lang="en-US" altLang="ko-KR" sz="1000" dirty="0" smtClean="0"/>
+                <a:rPr lang="en-US" altLang="ko-KR" sz="1000" dirty="0"/>
                 <a:t>) </a:t>
               </a:r>
               <a:r>
-                <a:rPr lang="ko-KR" altLang="en-US" sz="1000" dirty="0" smtClean="0"/>
+                <a:rPr lang="ko-KR" altLang="en-US" sz="1000" dirty="0"/>
                 <a:t>공격</a:t>
               </a:r>
               <a:r>
-                <a:rPr lang="en-US" altLang="ko-KR" sz="1000" dirty="0" smtClean="0"/>
+                <a:rPr lang="en-US" altLang="ko-KR" sz="1000" dirty="0"/>
                 <a:t>!</a:t>
               </a:r>
             </a:p>
             <a:p>
               <a:pPr algn="just"/>
               <a:r>
-                <a:rPr lang="en-US" altLang="ko-KR" sz="1000" dirty="0" smtClean="0"/>
+                <a:rPr lang="en-US" altLang="ko-KR" sz="1000" dirty="0"/>
                 <a:t>(40 </a:t>
               </a:r>
               <a:r>
-                <a:rPr lang="ko-KR" altLang="en-US" sz="1000" dirty="0" err="1" smtClean="0"/>
+                <a:rPr lang="ko-KR" altLang="en-US" sz="1000" dirty="0" err="1"/>
                 <a:t>데미지</a:t>
               </a:r>
               <a:r>
-                <a:rPr lang="en-US" altLang="ko-KR" sz="1000" dirty="0" smtClean="0"/>
+                <a:rPr lang="en-US" altLang="ko-KR" sz="1000" dirty="0"/>
                 <a:t>)</a:t>
               </a:r>
-              <a:endParaRPr lang="ko-KR" altLang="en-US" sz="1000" dirty="0" smtClean="0"/>
+              <a:endParaRPr lang="ko-KR" altLang="en-US" sz="1000" dirty="0"/>
             </a:p>
             <a:p>
               <a:pPr algn="just"/>
@@ -8453,7 +8434,7 @@
           <a:lstStyle/>
           <a:p>
             <a:r>
-              <a:rPr lang="ko-KR" altLang="en-US" b="1" dirty="0" smtClean="0">
+              <a:rPr lang="ko-KR" altLang="en-US" b="1" dirty="0">
                 <a:solidFill>
                   <a:schemeClr val="bg1"/>
                 </a:solidFill>
@@ -8461,7 +8442,7 @@
               <a:t>신성한 숲 </a:t>
             </a:r>
             <a:r>
-              <a:rPr lang="en-US" altLang="ko-KR" sz="1100" b="1" dirty="0" smtClean="0">
+              <a:rPr lang="en-US" altLang="ko-KR" sz="1100" b="1" dirty="0">
                 <a:solidFill>
                   <a:schemeClr val="bg1"/>
                 </a:solidFill>
@@ -8506,26 +8487,25 @@
           <a:lstStyle/>
           <a:p>
             <a:r>
-              <a:rPr lang="ko-KR" altLang="en-US" b="1" dirty="0" smtClean="0"/>
+              <a:rPr lang="ko-KR" altLang="en-US" b="1" dirty="0"/>
               <a:t>전투 </a:t>
             </a:r>
             <a:r>
-              <a:rPr lang="ko-KR" altLang="en-US" b="1" dirty="0" err="1" smtClean="0"/>
+              <a:rPr lang="ko-KR" altLang="en-US" b="1" dirty="0" err="1"/>
               <a:t>기획안</a:t>
             </a:r>
             <a:r>
-              <a:rPr lang="ko-KR" altLang="en-US" b="1" dirty="0" smtClean="0"/>
+              <a:rPr lang="ko-KR" altLang="en-US" b="1" dirty="0"/>
               <a:t> </a:t>
             </a:r>
             <a:r>
-              <a:rPr lang="en-US" altLang="ko-KR" b="1" dirty="0" smtClean="0"/>
+              <a:rPr lang="en-US" altLang="ko-KR" b="1" dirty="0"/>
               <a:t>(1920 * 1080) – </a:t>
             </a:r>
             <a:r>
-              <a:rPr lang="ko-KR" altLang="en-US" b="1" dirty="0" smtClean="0"/>
+              <a:rPr lang="ko-KR" altLang="en-US" b="1" dirty="0"/>
               <a:t>기본 전투 화면</a:t>
             </a:r>
-            <a:endParaRPr lang="ko-KR" altLang="en-US" b="1" dirty="0"/>
           </a:p>
         </p:txBody>
       </p:sp>
@@ -8662,7 +8642,7 @@
             <a:lstStyle/>
             <a:p>
               <a:r>
-                <a:rPr lang="en-US" altLang="ko-KR" b="1" dirty="0" smtClean="0">
+                <a:rPr lang="en-US" altLang="ko-KR" b="1" dirty="0">
                   <a:solidFill>
                     <a:schemeClr val="bg1"/>
                   </a:solidFill>
@@ -10185,7 +10165,7 @@
           <a:p>
             <a:pPr algn="ctr"/>
             <a:r>
-              <a:rPr lang="en-US" altLang="ko-KR" sz="2000" b="1" dirty="0" smtClean="0">
+              <a:rPr lang="en-US" altLang="ko-KR" sz="2000" b="1" dirty="0">
                 <a:solidFill>
                   <a:schemeClr val="bg1"/>
                 </a:solidFill>
@@ -10224,7 +10204,7 @@
           <a:p>
             <a:pPr algn="ctr"/>
             <a:r>
-              <a:rPr lang="en-US" altLang="ko-KR" sz="1050" b="1" dirty="0" smtClean="0">
+              <a:rPr lang="en-US" altLang="ko-KR" sz="1050" b="1" dirty="0">
                 <a:solidFill>
                   <a:schemeClr val="bg1"/>
                 </a:solidFill>
@@ -10263,7 +10243,7 @@
           <a:p>
             <a:pPr algn="ctr"/>
             <a:r>
-              <a:rPr lang="en-US" altLang="ko-KR" sz="1050" b="1" dirty="0" smtClean="0">
+              <a:rPr lang="en-US" altLang="ko-KR" sz="1050" b="1" dirty="0">
                 <a:solidFill>
                   <a:schemeClr val="bg1"/>
                 </a:solidFill>
@@ -10302,7 +10282,7 @@
           <a:p>
             <a:pPr algn="ctr"/>
             <a:r>
-              <a:rPr lang="en-US" altLang="ko-KR" sz="1050" b="1" dirty="0" smtClean="0">
+              <a:rPr lang="en-US" altLang="ko-KR" sz="1050" b="1" dirty="0">
                 <a:solidFill>
                   <a:schemeClr val="bg1"/>
                 </a:solidFill>
@@ -10341,7 +10321,7 @@
           <a:p>
             <a:pPr algn="ctr"/>
             <a:r>
-              <a:rPr lang="en-US" altLang="ko-KR" sz="1050" b="1" dirty="0" smtClean="0">
+              <a:rPr lang="en-US" altLang="ko-KR" sz="1050" b="1" dirty="0">
                 <a:solidFill>
                   <a:schemeClr val="bg1"/>
                 </a:solidFill>
@@ -10380,7 +10360,7 @@
           <a:p>
             <a:pPr algn="ctr"/>
             <a:r>
-              <a:rPr lang="en-US" altLang="ko-KR" sz="1050" b="1" dirty="0" smtClean="0">
+              <a:rPr lang="en-US" altLang="ko-KR" sz="1050" b="1" dirty="0">
                 <a:solidFill>
                   <a:schemeClr val="bg1"/>
                 </a:solidFill>
@@ -10419,7 +10399,7 @@
           <a:p>
             <a:pPr algn="ctr"/>
             <a:r>
-              <a:rPr lang="en-US" altLang="ko-KR" sz="1050" b="1" dirty="0" smtClean="0">
+              <a:rPr lang="en-US" altLang="ko-KR" sz="1050" b="1" dirty="0">
                 <a:solidFill>
                   <a:schemeClr val="bg1"/>
                 </a:solidFill>
@@ -10458,7 +10438,7 @@
           <a:p>
             <a:pPr algn="ctr"/>
             <a:r>
-              <a:rPr lang="en-US" altLang="ko-KR" sz="1050" b="1" dirty="0" smtClean="0">
+              <a:rPr lang="en-US" altLang="ko-KR" sz="1050" b="1" dirty="0">
                 <a:solidFill>
                   <a:schemeClr val="bg1"/>
                 </a:solidFill>
@@ -10497,7 +10477,7 @@
           <a:p>
             <a:pPr algn="ctr"/>
             <a:r>
-              <a:rPr lang="en-US" altLang="ko-KR" sz="1050" b="1" dirty="0" smtClean="0">
+              <a:rPr lang="en-US" altLang="ko-KR" sz="1050" b="1" dirty="0">
                 <a:solidFill>
                   <a:schemeClr val="bg1"/>
                 </a:solidFill>
@@ -10536,7 +10516,7 @@
           <a:p>
             <a:pPr algn="ctr"/>
             <a:r>
-              <a:rPr lang="en-US" altLang="ko-KR" sz="1050" b="1" dirty="0" smtClean="0">
+              <a:rPr lang="en-US" altLang="ko-KR" sz="1050" b="1" dirty="0">
                 <a:solidFill>
                   <a:schemeClr val="bg1"/>
                 </a:solidFill>
@@ -10575,7 +10555,7 @@
           <a:p>
             <a:pPr algn="ctr"/>
             <a:r>
-              <a:rPr lang="en-US" altLang="ko-KR" sz="1050" b="1" dirty="0" smtClean="0">
+              <a:rPr lang="en-US" altLang="ko-KR" sz="1050" b="1" dirty="0">
                 <a:solidFill>
                   <a:schemeClr val="bg1"/>
                 </a:solidFill>
@@ -10692,13 +10672,6 @@
   <p:clrMapOvr>
     <a:masterClrMapping/>
   </p:clrMapOvr>
-  <p:timing>
-    <p:tnLst>
-      <p:par>
-        <p:cTn id="1" dur="indefinite" restart="never" nodeType="tmRoot"/>
-      </p:par>
-    </p:tnLst>
-  </p:timing>
 </p:sld>
 </file>
 
@@ -11061,14 +11034,13 @@
           <a:p>
             <a:pPr algn="ctr"/>
             <a:r>
-              <a:rPr lang="en-US" altLang="ko-KR" sz="1100" b="1" dirty="0" smtClean="0"/>
+              <a:rPr lang="en-US" altLang="ko-KR" sz="1100" b="1" dirty="0"/>
               <a:t>1</a:t>
             </a:r>
             <a:r>
-              <a:rPr lang="ko-KR" altLang="en-US" sz="1100" b="1" dirty="0" smtClean="0"/>
+              <a:rPr lang="ko-KR" altLang="en-US" sz="1100" b="1" dirty="0"/>
               <a:t>번 스킬</a:t>
             </a:r>
-            <a:endParaRPr lang="ko-KR" altLang="en-US" sz="1100" b="1" dirty="0"/>
           </a:p>
         </p:txBody>
       </p:sp>
@@ -11109,10 +11081,9 @@
           <a:p>
             <a:pPr algn="ctr"/>
             <a:r>
-              <a:rPr lang="ko-KR" altLang="en-US" sz="1100" b="1" dirty="0" smtClean="0"/>
+              <a:rPr lang="ko-KR" altLang="en-US" sz="1100" b="1" dirty="0"/>
               <a:t>일반 공격</a:t>
             </a:r>
-            <a:endParaRPr lang="ko-KR" altLang="en-US" sz="1100" b="1" dirty="0"/>
           </a:p>
         </p:txBody>
       </p:sp>
@@ -11153,14 +11124,13 @@
           <a:p>
             <a:pPr algn="ctr"/>
             <a:r>
-              <a:rPr lang="en-US" altLang="ko-KR" sz="1100" b="1" dirty="0" smtClean="0"/>
+              <a:rPr lang="en-US" altLang="ko-KR" sz="1100" b="1" dirty="0"/>
               <a:t>2</a:t>
             </a:r>
             <a:r>
-              <a:rPr lang="ko-KR" altLang="en-US" sz="1100" b="1" dirty="0" smtClean="0"/>
+              <a:rPr lang="ko-KR" altLang="en-US" sz="1100" b="1" dirty="0"/>
               <a:t>번 스킬</a:t>
             </a:r>
-            <a:endParaRPr lang="ko-KR" altLang="en-US" sz="1100" b="1" dirty="0"/>
           </a:p>
         </p:txBody>
       </p:sp>
@@ -11201,10 +11171,9 @@
           <a:p>
             <a:pPr algn="ctr"/>
             <a:r>
-              <a:rPr lang="ko-KR" altLang="en-US" sz="700" dirty="0" smtClean="0"/>
+              <a:rPr lang="ko-KR" altLang="en-US" sz="700" dirty="0"/>
               <a:t>턴 넘기기</a:t>
             </a:r>
-            <a:endParaRPr lang="ko-KR" altLang="en-US" sz="700" dirty="0"/>
           </a:p>
         </p:txBody>
       </p:sp>
@@ -11494,10 +11463,9 @@
             <a:p>
               <a:pPr algn="ctr"/>
               <a:r>
-                <a:rPr lang="ko-KR" altLang="en-US" sz="1200" b="1" dirty="0" smtClean="0"/>
+                <a:rPr lang="ko-KR" altLang="en-US" sz="1200" b="1" dirty="0"/>
                 <a:t>전투 로그</a:t>
               </a:r>
-              <a:endParaRPr lang="ko-KR" altLang="en-US" sz="1200" b="1" dirty="0"/>
             </a:p>
           </p:txBody>
         </p:sp>
@@ -11525,7 +11493,7 @@
             <a:p>
               <a:pPr algn="just"/>
               <a:r>
-                <a:rPr lang="ko-KR" altLang="en-US" sz="1000" b="1" dirty="0" smtClean="0">
+                <a:rPr lang="ko-KR" altLang="en-US" sz="1000" b="1" dirty="0">
                   <a:solidFill>
                     <a:schemeClr val="accent6"/>
                   </a:solidFill>
@@ -11533,7 +11501,7 @@
                 <a:t>아군</a:t>
               </a:r>
               <a:r>
-                <a:rPr lang="en-US" altLang="ko-KR" sz="1000" b="1" dirty="0" smtClean="0">
+                <a:rPr lang="en-US" altLang="ko-KR" sz="1000" b="1" dirty="0">
                   <a:solidFill>
                     <a:schemeClr val="accent6"/>
                   </a:solidFill>
@@ -11541,27 +11509,27 @@
                 <a:t>1</a:t>
               </a:r>
               <a:r>
-                <a:rPr lang="ko-KR" altLang="en-US" sz="1000" dirty="0" smtClean="0"/>
+                <a:rPr lang="ko-KR" altLang="en-US" sz="1000" dirty="0"/>
                 <a:t>이</a:t>
               </a:r>
               <a:r>
-                <a:rPr lang="en-US" altLang="ko-KR" sz="1000" dirty="0" smtClean="0"/>
+                <a:rPr lang="en-US" altLang="ko-KR" sz="1000" dirty="0"/>
                 <a:t>(</a:t>
               </a:r>
               <a:r>
-                <a:rPr lang="ko-KR" altLang="en-US" sz="1000" dirty="0" smtClean="0"/>
+                <a:rPr lang="ko-KR" altLang="en-US" sz="1000" dirty="0"/>
                 <a:t>가</a:t>
               </a:r>
               <a:r>
-                <a:rPr lang="en-US" altLang="ko-KR" sz="1000" dirty="0" smtClean="0"/>
+                <a:rPr lang="en-US" altLang="ko-KR" sz="1000" dirty="0"/>
                 <a:t>)</a:t>
               </a:r>
               <a:r>
-                <a:rPr lang="ko-KR" altLang="en-US" sz="1000" dirty="0" smtClean="0"/>
+                <a:rPr lang="ko-KR" altLang="en-US" sz="1000" dirty="0"/>
                 <a:t> </a:t>
               </a:r>
               <a:r>
-                <a:rPr lang="ko-KR" altLang="en-US" sz="1000" b="1" dirty="0" smtClean="0">
+                <a:rPr lang="ko-KR" altLang="en-US" sz="1000" b="1" dirty="0">
                   <a:solidFill>
                     <a:srgbClr val="FF0000"/>
                   </a:solidFill>
@@ -11569,7 +11537,7 @@
                 <a:t>적군</a:t>
               </a:r>
               <a:r>
-                <a:rPr lang="en-US" altLang="ko-KR" sz="1000" b="1" dirty="0" smtClean="0">
+                <a:rPr lang="en-US" altLang="ko-KR" sz="1000" b="1" dirty="0">
                   <a:solidFill>
                     <a:srgbClr val="FF0000"/>
                   </a:solidFill>
@@ -11577,53 +11545,53 @@
                 <a:t>3</a:t>
               </a:r>
               <a:r>
-                <a:rPr lang="ko-KR" altLang="en-US" sz="1000" dirty="0" smtClean="0"/>
+                <a:rPr lang="ko-KR" altLang="en-US" sz="1000" dirty="0"/>
                 <a:t>을</a:t>
               </a:r>
               <a:r>
-                <a:rPr lang="en-US" altLang="ko-KR" sz="1000" dirty="0" smtClean="0"/>
+                <a:rPr lang="en-US" altLang="ko-KR" sz="1000" dirty="0"/>
                 <a:t>(</a:t>
               </a:r>
               <a:r>
-                <a:rPr lang="ko-KR" altLang="en-US" sz="1000" dirty="0" smtClean="0"/>
+                <a:rPr lang="ko-KR" altLang="en-US" sz="1000" dirty="0"/>
                 <a:t>를</a:t>
               </a:r>
               <a:r>
-                <a:rPr lang="en-US" altLang="ko-KR" sz="1000" dirty="0" smtClean="0"/>
+                <a:rPr lang="en-US" altLang="ko-KR" sz="1000" dirty="0"/>
                 <a:t>)</a:t>
               </a:r>
               <a:r>
-                <a:rPr lang="ko-KR" altLang="en-US" sz="1000" dirty="0" smtClean="0"/>
+                <a:rPr lang="ko-KR" altLang="en-US" sz="1000" dirty="0"/>
                 <a:t> </a:t>
               </a:r>
               <a:r>
-                <a:rPr lang="ko-KR" altLang="en-US" sz="1000" b="1" dirty="0" smtClean="0"/>
+                <a:rPr lang="ko-KR" altLang="en-US" sz="1000" b="1" dirty="0"/>
                 <a:t>공격</a:t>
               </a:r>
               <a:r>
-                <a:rPr lang="en-US" altLang="ko-KR" sz="1000" b="1" dirty="0" smtClean="0"/>
+                <a:rPr lang="en-US" altLang="ko-KR" sz="1000" b="1" dirty="0"/>
                 <a:t>!</a:t>
               </a:r>
             </a:p>
             <a:p>
               <a:pPr algn="just"/>
               <a:r>
-                <a:rPr lang="en-US" altLang="ko-KR" sz="1000" b="1" dirty="0" smtClean="0"/>
+                <a:rPr lang="en-US" altLang="ko-KR" sz="1000" b="1" dirty="0"/>
                 <a:t>(30 </a:t>
               </a:r>
               <a:r>
-                <a:rPr lang="ko-KR" altLang="en-US" sz="1000" b="1" dirty="0" err="1" smtClean="0"/>
+                <a:rPr lang="ko-KR" altLang="en-US" sz="1000" b="1" dirty="0" err="1"/>
                 <a:t>데미지</a:t>
               </a:r>
               <a:r>
-                <a:rPr lang="en-US" altLang="ko-KR" sz="1000" b="1" dirty="0" smtClean="0"/>
+                <a:rPr lang="en-US" altLang="ko-KR" sz="1000" b="1" dirty="0"/>
                 <a:t>)</a:t>
               </a:r>
             </a:p>
             <a:p>
               <a:pPr algn="just"/>
               <a:r>
-                <a:rPr lang="ko-KR" altLang="en-US" sz="1000" b="1" dirty="0" smtClean="0">
+                <a:rPr lang="ko-KR" altLang="en-US" sz="1000" b="1" dirty="0">
                   <a:solidFill>
                     <a:schemeClr val="accent6"/>
                   </a:solidFill>
@@ -11639,27 +11607,27 @@
                 <a:t>2</a:t>
               </a:r>
               <a:r>
-                <a:rPr lang="ko-KR" altLang="en-US" sz="1000" dirty="0" smtClean="0"/>
+                <a:rPr lang="ko-KR" altLang="en-US" sz="1000" dirty="0"/>
                 <a:t>이</a:t>
               </a:r>
               <a:r>
-                <a:rPr lang="en-US" altLang="ko-KR" sz="1000" dirty="0" smtClean="0"/>
+                <a:rPr lang="en-US" altLang="ko-KR" sz="1000" dirty="0"/>
                 <a:t>(</a:t>
               </a:r>
               <a:r>
-                <a:rPr lang="ko-KR" altLang="en-US" sz="1000" dirty="0" smtClean="0"/>
+                <a:rPr lang="ko-KR" altLang="en-US" sz="1000" dirty="0"/>
                 <a:t>가</a:t>
               </a:r>
               <a:r>
-                <a:rPr lang="en-US" altLang="ko-KR" sz="1000" dirty="0" smtClean="0"/>
+                <a:rPr lang="en-US" altLang="ko-KR" sz="1000" dirty="0"/>
                 <a:t>)</a:t>
               </a:r>
               <a:r>
-                <a:rPr lang="ko-KR" altLang="en-US" sz="1000" dirty="0" smtClean="0"/>
+                <a:rPr lang="ko-KR" altLang="en-US" sz="1000" dirty="0"/>
                 <a:t> </a:t>
               </a:r>
               <a:r>
-                <a:rPr lang="ko-KR" altLang="en-US" sz="1000" b="1" dirty="0" smtClean="0">
+                <a:rPr lang="ko-KR" altLang="en-US" sz="1000" b="1" dirty="0">
                   <a:solidFill>
                     <a:schemeClr val="accent6"/>
                   </a:solidFill>
@@ -11667,7 +11635,7 @@
                 <a:t>아군</a:t>
               </a:r>
               <a:r>
-                <a:rPr lang="en-US" altLang="ko-KR" sz="1000" b="1" dirty="0" smtClean="0">
+                <a:rPr lang="en-US" altLang="ko-KR" sz="1000" b="1" dirty="0">
                   <a:solidFill>
                     <a:schemeClr val="accent6"/>
                   </a:solidFill>
@@ -11675,53 +11643,53 @@
                 <a:t>3</a:t>
               </a:r>
               <a:r>
-                <a:rPr lang="ko-KR" altLang="en-US" sz="1000" dirty="0" smtClean="0"/>
+                <a:rPr lang="ko-KR" altLang="en-US" sz="1000" dirty="0"/>
                 <a:t>을</a:t>
               </a:r>
               <a:r>
-                <a:rPr lang="en-US" altLang="ko-KR" sz="1000" dirty="0" smtClean="0"/>
+                <a:rPr lang="en-US" altLang="ko-KR" sz="1000" dirty="0"/>
                 <a:t>(</a:t>
               </a:r>
               <a:r>
-                <a:rPr lang="ko-KR" altLang="en-US" sz="1000" dirty="0" smtClean="0"/>
+                <a:rPr lang="ko-KR" altLang="en-US" sz="1000" dirty="0"/>
                 <a:t>를</a:t>
               </a:r>
               <a:r>
-                <a:rPr lang="en-US" altLang="ko-KR" sz="1000" dirty="0" smtClean="0"/>
+                <a:rPr lang="en-US" altLang="ko-KR" sz="1000" dirty="0"/>
                 <a:t>)</a:t>
               </a:r>
               <a:r>
-                <a:rPr lang="ko-KR" altLang="en-US" sz="1000" dirty="0" smtClean="0"/>
+                <a:rPr lang="ko-KR" altLang="en-US" sz="1000" dirty="0"/>
                 <a:t> </a:t>
               </a:r>
               <a:r>
-                <a:rPr lang="ko-KR" altLang="en-US" sz="1000" b="1" dirty="0" smtClean="0"/>
+                <a:rPr lang="ko-KR" altLang="en-US" sz="1000" b="1" dirty="0"/>
                 <a:t>회복</a:t>
               </a:r>
               <a:r>
-                <a:rPr lang="en-US" altLang="ko-KR" sz="1000" b="1" dirty="0" smtClean="0"/>
+                <a:rPr lang="en-US" altLang="ko-KR" sz="1000" b="1" dirty="0"/>
                 <a:t>!</a:t>
               </a:r>
             </a:p>
             <a:p>
               <a:pPr algn="just"/>
               <a:r>
-                <a:rPr lang="en-US" altLang="ko-KR" sz="1000" b="1" dirty="0" smtClean="0"/>
+                <a:rPr lang="en-US" altLang="ko-KR" sz="1000" b="1" dirty="0"/>
                 <a:t>(15 </a:t>
               </a:r>
               <a:r>
-                <a:rPr lang="ko-KR" altLang="en-US" sz="1000" b="1" dirty="0" smtClean="0"/>
+                <a:rPr lang="ko-KR" altLang="en-US" sz="1000" b="1" dirty="0"/>
                 <a:t>회복</a:t>
               </a:r>
               <a:r>
-                <a:rPr lang="en-US" altLang="ko-KR" sz="1000" b="1" dirty="0" smtClean="0"/>
+                <a:rPr lang="en-US" altLang="ko-KR" sz="1000" b="1" dirty="0"/>
                 <a:t>)</a:t>
               </a:r>
             </a:p>
             <a:p>
               <a:pPr algn="just"/>
               <a:r>
-                <a:rPr lang="ko-KR" altLang="en-US" sz="1000" b="1" dirty="0" smtClean="0">
+                <a:rPr lang="ko-KR" altLang="en-US" sz="1000" b="1" dirty="0">
                   <a:solidFill>
                     <a:srgbClr val="FF0000"/>
                   </a:solidFill>
@@ -11729,7 +11697,7 @@
                 <a:t>적군</a:t>
               </a:r>
               <a:r>
-                <a:rPr lang="en-US" altLang="ko-KR" sz="1000" b="1" dirty="0" smtClean="0">
+                <a:rPr lang="en-US" altLang="ko-KR" sz="1000" b="1" dirty="0">
                   <a:solidFill>
                     <a:srgbClr val="FF0000"/>
                   </a:solidFill>
@@ -11737,23 +11705,23 @@
                 <a:t>2</a:t>
               </a:r>
               <a:r>
-                <a:rPr lang="ko-KR" altLang="en-US" sz="1000" dirty="0" smtClean="0"/>
+                <a:rPr lang="ko-KR" altLang="en-US" sz="1000" dirty="0"/>
                 <a:t>이</a:t>
               </a:r>
               <a:r>
-                <a:rPr lang="en-US" altLang="ko-KR" sz="1000" dirty="0" smtClean="0"/>
+                <a:rPr lang="en-US" altLang="ko-KR" sz="1000" dirty="0"/>
                 <a:t>(</a:t>
               </a:r>
               <a:r>
-                <a:rPr lang="ko-KR" altLang="en-US" sz="1000" dirty="0" smtClean="0"/>
+                <a:rPr lang="ko-KR" altLang="en-US" sz="1000" dirty="0"/>
                 <a:t>가</a:t>
               </a:r>
               <a:r>
-                <a:rPr lang="en-US" altLang="ko-KR" sz="1000" dirty="0" smtClean="0"/>
+                <a:rPr lang="en-US" altLang="ko-KR" sz="1000" dirty="0"/>
                 <a:t>) </a:t>
               </a:r>
               <a:r>
-                <a:rPr lang="ko-KR" altLang="en-US" sz="1000" b="1" dirty="0" smtClean="0">
+                <a:rPr lang="ko-KR" altLang="en-US" sz="1000" b="1" dirty="0">
                   <a:solidFill>
                     <a:schemeClr val="accent6"/>
                   </a:solidFill>
@@ -11761,7 +11729,7 @@
                 <a:t>아군</a:t>
               </a:r>
               <a:r>
-                <a:rPr lang="en-US" altLang="ko-KR" sz="1000" b="1" dirty="0" smtClean="0">
+                <a:rPr lang="en-US" altLang="ko-KR" sz="1000" b="1" dirty="0">
                   <a:solidFill>
                     <a:schemeClr val="accent6"/>
                   </a:solidFill>
@@ -11769,45 +11737,45 @@
                 <a:t>4</a:t>
               </a:r>
               <a:r>
-                <a:rPr lang="ko-KR" altLang="en-US" sz="1000" dirty="0" smtClean="0"/>
+                <a:rPr lang="ko-KR" altLang="en-US" sz="1000" dirty="0"/>
                 <a:t>을</a:t>
               </a:r>
               <a:r>
-                <a:rPr lang="en-US" altLang="ko-KR" sz="1000" dirty="0" smtClean="0"/>
+                <a:rPr lang="en-US" altLang="ko-KR" sz="1000" dirty="0"/>
                 <a:t>(</a:t>
               </a:r>
               <a:r>
-                <a:rPr lang="ko-KR" altLang="en-US" sz="1000" dirty="0" smtClean="0"/>
+                <a:rPr lang="ko-KR" altLang="en-US" sz="1000" dirty="0"/>
                 <a:t>를</a:t>
               </a:r>
               <a:r>
-                <a:rPr lang="en-US" altLang="ko-KR" sz="1000" dirty="0" smtClean="0"/>
+                <a:rPr lang="en-US" altLang="ko-KR" sz="1000" dirty="0"/>
                 <a:t>) </a:t>
               </a:r>
               <a:r>
-                <a:rPr lang="ko-KR" altLang="en-US" sz="1000" dirty="0" smtClean="0"/>
+                <a:rPr lang="ko-KR" altLang="en-US" sz="1000" dirty="0"/>
                 <a:t>공격</a:t>
               </a:r>
               <a:r>
-                <a:rPr lang="en-US" altLang="ko-KR" sz="1000" dirty="0" smtClean="0"/>
+                <a:rPr lang="en-US" altLang="ko-KR" sz="1000" dirty="0"/>
                 <a:t>!</a:t>
               </a:r>
             </a:p>
             <a:p>
               <a:pPr algn="just"/>
               <a:r>
-                <a:rPr lang="en-US" altLang="ko-KR" sz="1000" dirty="0" smtClean="0"/>
+                <a:rPr lang="en-US" altLang="ko-KR" sz="1000" dirty="0"/>
                 <a:t>(40 </a:t>
               </a:r>
               <a:r>
-                <a:rPr lang="ko-KR" altLang="en-US" sz="1000" dirty="0" err="1" smtClean="0"/>
+                <a:rPr lang="ko-KR" altLang="en-US" sz="1000" dirty="0" err="1"/>
                 <a:t>데미지</a:t>
               </a:r>
               <a:r>
-                <a:rPr lang="en-US" altLang="ko-KR" sz="1000" dirty="0" smtClean="0"/>
+                <a:rPr lang="en-US" altLang="ko-KR" sz="1000" dirty="0"/>
                 <a:t>)</a:t>
               </a:r>
-              <a:endParaRPr lang="ko-KR" altLang="en-US" sz="1000" dirty="0" smtClean="0"/>
+              <a:endParaRPr lang="ko-KR" altLang="en-US" sz="1000" dirty="0"/>
             </a:p>
             <a:p>
               <a:pPr algn="just"/>
@@ -11941,7 +11909,7 @@
           <a:lstStyle/>
           <a:p>
             <a:r>
-              <a:rPr lang="ko-KR" altLang="en-US" b="1" dirty="0" smtClean="0">
+              <a:rPr lang="ko-KR" altLang="en-US" b="1" dirty="0">
                 <a:solidFill>
                   <a:schemeClr val="bg1"/>
                 </a:solidFill>
@@ -11949,7 +11917,7 @@
               <a:t>신성한 숲 </a:t>
             </a:r>
             <a:r>
-              <a:rPr lang="en-US" altLang="ko-KR" sz="1100" b="1" dirty="0" smtClean="0">
+              <a:rPr lang="en-US" altLang="ko-KR" sz="1100" b="1" dirty="0">
                 <a:solidFill>
                   <a:schemeClr val="bg1"/>
                 </a:solidFill>
@@ -11994,26 +11962,25 @@
           <a:lstStyle/>
           <a:p>
             <a:r>
-              <a:rPr lang="ko-KR" altLang="en-US" b="1" dirty="0" smtClean="0"/>
+              <a:rPr lang="ko-KR" altLang="en-US" b="1" dirty="0"/>
               <a:t>전투 </a:t>
             </a:r>
             <a:r>
-              <a:rPr lang="ko-KR" altLang="en-US" b="1" dirty="0" err="1" smtClean="0"/>
+              <a:rPr lang="ko-KR" altLang="en-US" b="1" dirty="0" err="1"/>
               <a:t>기획안</a:t>
             </a:r>
             <a:r>
-              <a:rPr lang="ko-KR" altLang="en-US" b="1" dirty="0" smtClean="0"/>
+              <a:rPr lang="ko-KR" altLang="en-US" b="1" dirty="0"/>
               <a:t> </a:t>
             </a:r>
             <a:r>
-              <a:rPr lang="en-US" altLang="ko-KR" b="1" dirty="0" smtClean="0"/>
+              <a:rPr lang="en-US" altLang="ko-KR" b="1" dirty="0"/>
               <a:t>(1920 * 1080) – </a:t>
             </a:r>
             <a:r>
-              <a:rPr lang="ko-KR" altLang="en-US" b="1" dirty="0" smtClean="0"/>
+              <a:rPr lang="ko-KR" altLang="en-US" b="1" dirty="0"/>
               <a:t>기본 전투 화면</a:t>
             </a:r>
-            <a:endParaRPr lang="ko-KR" altLang="en-US" b="1" dirty="0"/>
           </a:p>
         </p:txBody>
       </p:sp>
@@ -12150,7 +12117,7 @@
             <a:lstStyle/>
             <a:p>
               <a:r>
-                <a:rPr lang="en-US" altLang="ko-KR" b="1" dirty="0" smtClean="0">
+                <a:rPr lang="en-US" altLang="ko-KR" b="1" dirty="0">
                   <a:solidFill>
                     <a:schemeClr val="bg1"/>
                   </a:solidFill>
@@ -13673,7 +13640,7 @@
           <a:p>
             <a:pPr algn="ctr"/>
             <a:r>
-              <a:rPr lang="en-US" altLang="ko-KR" sz="2000" b="1" dirty="0" smtClean="0">
+              <a:rPr lang="en-US" altLang="ko-KR" sz="2000" b="1" dirty="0">
                 <a:solidFill>
                   <a:schemeClr val="bg1"/>
                 </a:solidFill>
@@ -13712,7 +13679,7 @@
           <a:p>
             <a:pPr algn="ctr"/>
             <a:r>
-              <a:rPr lang="en-US" altLang="ko-KR" sz="1050" b="1" dirty="0" smtClean="0">
+              <a:rPr lang="en-US" altLang="ko-KR" sz="1050" b="1" dirty="0">
                 <a:solidFill>
                   <a:schemeClr val="bg1"/>
                 </a:solidFill>
@@ -13751,7 +13718,7 @@
           <a:p>
             <a:pPr algn="ctr"/>
             <a:r>
-              <a:rPr lang="en-US" altLang="ko-KR" sz="1050" b="1" dirty="0" smtClean="0">
+              <a:rPr lang="en-US" altLang="ko-KR" sz="1050" b="1" dirty="0">
                 <a:solidFill>
                   <a:schemeClr val="bg1"/>
                 </a:solidFill>
@@ -13790,7 +13757,7 @@
           <a:p>
             <a:pPr algn="ctr"/>
             <a:r>
-              <a:rPr lang="en-US" altLang="ko-KR" sz="1050" b="1" dirty="0" smtClean="0">
+              <a:rPr lang="en-US" altLang="ko-KR" sz="1050" b="1" dirty="0">
                 <a:solidFill>
                   <a:schemeClr val="bg1"/>
                 </a:solidFill>
@@ -13829,7 +13796,7 @@
           <a:p>
             <a:pPr algn="ctr"/>
             <a:r>
-              <a:rPr lang="en-US" altLang="ko-KR" sz="1050" b="1" dirty="0" smtClean="0">
+              <a:rPr lang="en-US" altLang="ko-KR" sz="1050" b="1" dirty="0">
                 <a:solidFill>
                   <a:schemeClr val="bg1"/>
                 </a:solidFill>
@@ -13868,7 +13835,7 @@
           <a:p>
             <a:pPr algn="ctr"/>
             <a:r>
-              <a:rPr lang="en-US" altLang="ko-KR" sz="1050" b="1" dirty="0" smtClean="0">
+              <a:rPr lang="en-US" altLang="ko-KR" sz="1050" b="1" dirty="0">
                 <a:solidFill>
                   <a:schemeClr val="bg1"/>
                 </a:solidFill>
@@ -13907,7 +13874,7 @@
           <a:p>
             <a:pPr algn="ctr"/>
             <a:r>
-              <a:rPr lang="en-US" altLang="ko-KR" sz="1050" b="1" dirty="0" smtClean="0">
+              <a:rPr lang="en-US" altLang="ko-KR" sz="1050" b="1" dirty="0">
                 <a:solidFill>
                   <a:schemeClr val="bg1"/>
                 </a:solidFill>
@@ -13946,7 +13913,7 @@
           <a:p>
             <a:pPr algn="ctr"/>
             <a:r>
-              <a:rPr lang="en-US" altLang="ko-KR" sz="1050" b="1" dirty="0" smtClean="0">
+              <a:rPr lang="en-US" altLang="ko-KR" sz="1050" b="1" dirty="0">
                 <a:solidFill>
                   <a:schemeClr val="bg1"/>
                 </a:solidFill>
@@ -13985,7 +13952,7 @@
           <a:p>
             <a:pPr algn="ctr"/>
             <a:r>
-              <a:rPr lang="en-US" altLang="ko-KR" sz="1050" b="1" dirty="0" smtClean="0">
+              <a:rPr lang="en-US" altLang="ko-KR" sz="1050" b="1" dirty="0">
                 <a:solidFill>
                   <a:schemeClr val="bg1"/>
                 </a:solidFill>
@@ -14024,7 +13991,7 @@
           <a:p>
             <a:pPr algn="ctr"/>
             <a:r>
-              <a:rPr lang="en-US" altLang="ko-KR" sz="1050" b="1" dirty="0" smtClean="0">
+              <a:rPr lang="en-US" altLang="ko-KR" sz="1050" b="1" dirty="0">
                 <a:solidFill>
                   <a:schemeClr val="bg1"/>
                 </a:solidFill>
@@ -14063,7 +14030,7 @@
           <a:p>
             <a:pPr algn="ctr"/>
             <a:r>
-              <a:rPr lang="en-US" altLang="ko-KR" sz="1050" b="1" dirty="0" smtClean="0">
+              <a:rPr lang="en-US" altLang="ko-KR" sz="1050" b="1" dirty="0">
                 <a:solidFill>
                   <a:schemeClr val="bg1"/>
                 </a:solidFill>
@@ -14180,13 +14147,6 @@
   <p:clrMapOvr>
     <a:masterClrMapping/>
   </p:clrMapOvr>
-  <p:timing>
-    <p:tnLst>
-      <p:par>
-        <p:cTn id="1" dur="indefinite" restart="never" nodeType="tmRoot"/>
-      </p:par>
-    </p:tnLst>
-  </p:timing>
 </p:sld>
 </file>
 
@@ -14549,27 +14509,23 @@
           <a:p>
             <a:pPr algn="ctr"/>
             <a:r>
-              <a:rPr lang="en-US" altLang="ko-KR" sz="1100" b="1" dirty="0" smtClean="0"/>
+              <a:rPr lang="en-US" altLang="ko-KR" sz="1100" b="1" dirty="0"/>
               <a:t>1</a:t>
             </a:r>
             <a:r>
-              <a:rPr lang="ko-KR" altLang="en-US" sz="1100" b="1" dirty="0" smtClean="0"/>
-              <a:t>번 </a:t>
+              <a:rPr lang="ko-KR" altLang="en-US" sz="1100" b="1" dirty="0"/>
+              <a:t>번 스킬</a:t>
             </a:r>
             <a:r>
-              <a:rPr lang="ko-KR" altLang="en-US" sz="1100" b="1" dirty="0" smtClean="0"/>
-              <a:t>스킬</a:t>
-            </a:r>
-            <a:r>
-              <a:rPr lang="en-US" altLang="ko-KR" sz="1100" b="1" dirty="0" smtClean="0"/>
+              <a:rPr lang="en-US" altLang="ko-KR" sz="1100" b="1" dirty="0"/>
               <a:t>(</a:t>
             </a:r>
             <a:r>
-              <a:rPr lang="ko-KR" altLang="en-US" sz="1100" b="1" dirty="0" smtClean="0"/>
+              <a:rPr lang="ko-KR" altLang="en-US" sz="1100" b="1" dirty="0"/>
               <a:t>이름</a:t>
             </a:r>
             <a:r>
-              <a:rPr lang="en-US" altLang="ko-KR" sz="1100" b="1" dirty="0" smtClean="0"/>
+              <a:rPr lang="en-US" altLang="ko-KR" sz="1100" b="1" dirty="0"/>
               <a:t>)</a:t>
             </a:r>
             <a:endParaRPr lang="ko-KR" altLang="en-US" sz="1100" b="1" dirty="0"/>
@@ -14613,10 +14569,9 @@
           <a:p>
             <a:pPr algn="ctr"/>
             <a:r>
-              <a:rPr lang="ko-KR" altLang="en-US" sz="1100" b="1" dirty="0" smtClean="0"/>
+              <a:rPr lang="ko-KR" altLang="en-US" sz="1100" b="1" dirty="0"/>
               <a:t>일반 공격</a:t>
             </a:r>
-            <a:endParaRPr lang="ko-KR" altLang="en-US" sz="1100" b="1" dirty="0"/>
           </a:p>
         </p:txBody>
       </p:sp>
@@ -14657,27 +14612,23 @@
           <a:p>
             <a:pPr algn="ctr"/>
             <a:r>
-              <a:rPr lang="en-US" altLang="ko-KR" sz="1100" b="1" dirty="0" smtClean="0"/>
+              <a:rPr lang="en-US" altLang="ko-KR" sz="1100" b="1" dirty="0"/>
               <a:t>2</a:t>
             </a:r>
             <a:r>
-              <a:rPr lang="ko-KR" altLang="en-US" sz="1100" b="1" dirty="0" smtClean="0"/>
-              <a:t>번 </a:t>
+              <a:rPr lang="ko-KR" altLang="en-US" sz="1100" b="1" dirty="0"/>
+              <a:t>번 스킬</a:t>
             </a:r>
             <a:r>
-              <a:rPr lang="ko-KR" altLang="en-US" sz="1100" b="1" dirty="0" smtClean="0"/>
-              <a:t>스킬</a:t>
-            </a:r>
-            <a:r>
-              <a:rPr lang="en-US" altLang="ko-KR" sz="1100" b="1" dirty="0" smtClean="0"/>
+              <a:rPr lang="en-US" altLang="ko-KR" sz="1100" b="1" dirty="0"/>
               <a:t>(</a:t>
             </a:r>
             <a:r>
-              <a:rPr lang="ko-KR" altLang="en-US" sz="1100" b="1" dirty="0" smtClean="0"/>
+              <a:rPr lang="ko-KR" altLang="en-US" sz="1100" b="1" dirty="0"/>
               <a:t>이름</a:t>
             </a:r>
             <a:r>
-              <a:rPr lang="en-US" altLang="ko-KR" sz="1100" b="1" dirty="0" smtClean="0"/>
+              <a:rPr lang="en-US" altLang="ko-KR" sz="1100" b="1" dirty="0"/>
               <a:t>)</a:t>
             </a:r>
             <a:endParaRPr lang="ko-KR" altLang="en-US" sz="1100" b="1" dirty="0"/>
@@ -14721,10 +14672,9 @@
           <a:p>
             <a:pPr algn="ctr"/>
             <a:r>
-              <a:rPr lang="ko-KR" altLang="en-US" sz="700" dirty="0" smtClean="0"/>
+              <a:rPr lang="ko-KR" altLang="en-US" sz="700" dirty="0"/>
               <a:t>턴 넘기기</a:t>
             </a:r>
-            <a:endParaRPr lang="ko-KR" altLang="en-US" sz="700" dirty="0"/>
           </a:p>
         </p:txBody>
       </p:sp>
@@ -15014,10 +14964,9 @@
             <a:p>
               <a:pPr algn="ctr"/>
               <a:r>
-                <a:rPr lang="ko-KR" altLang="en-US" sz="1200" b="1" dirty="0" smtClean="0"/>
+                <a:rPr lang="ko-KR" altLang="en-US" sz="1200" b="1" dirty="0"/>
                 <a:t>전투 로그</a:t>
               </a:r>
-              <a:endParaRPr lang="ko-KR" altLang="en-US" sz="1200" b="1" dirty="0"/>
             </a:p>
           </p:txBody>
         </p:sp>
@@ -15045,7 +14994,7 @@
             <a:p>
               <a:pPr algn="just"/>
               <a:r>
-                <a:rPr lang="ko-KR" altLang="en-US" sz="1000" b="1" dirty="0" smtClean="0">
+                <a:rPr lang="ko-KR" altLang="en-US" sz="1000" b="1" dirty="0">
                   <a:solidFill>
                     <a:schemeClr val="accent6"/>
                   </a:solidFill>
@@ -15053,7 +15002,7 @@
                 <a:t>아군</a:t>
               </a:r>
               <a:r>
-                <a:rPr lang="en-US" altLang="ko-KR" sz="1000" b="1" dirty="0" smtClean="0">
+                <a:rPr lang="en-US" altLang="ko-KR" sz="1000" b="1" dirty="0">
                   <a:solidFill>
                     <a:schemeClr val="accent6"/>
                   </a:solidFill>
@@ -15061,27 +15010,27 @@
                 <a:t>1</a:t>
               </a:r>
               <a:r>
-                <a:rPr lang="ko-KR" altLang="en-US" sz="1000" dirty="0" smtClean="0"/>
+                <a:rPr lang="ko-KR" altLang="en-US" sz="1000" dirty="0"/>
                 <a:t>이</a:t>
               </a:r>
               <a:r>
-                <a:rPr lang="en-US" altLang="ko-KR" sz="1000" dirty="0" smtClean="0"/>
+                <a:rPr lang="en-US" altLang="ko-KR" sz="1000" dirty="0"/>
                 <a:t>(</a:t>
               </a:r>
               <a:r>
-                <a:rPr lang="ko-KR" altLang="en-US" sz="1000" dirty="0" smtClean="0"/>
+                <a:rPr lang="ko-KR" altLang="en-US" sz="1000" dirty="0"/>
                 <a:t>가</a:t>
               </a:r>
               <a:r>
-                <a:rPr lang="en-US" altLang="ko-KR" sz="1000" dirty="0" smtClean="0"/>
+                <a:rPr lang="en-US" altLang="ko-KR" sz="1000" dirty="0"/>
                 <a:t>)</a:t>
               </a:r>
               <a:r>
-                <a:rPr lang="ko-KR" altLang="en-US" sz="1000" dirty="0" smtClean="0"/>
+                <a:rPr lang="ko-KR" altLang="en-US" sz="1000" dirty="0"/>
                 <a:t> </a:t>
               </a:r>
               <a:r>
-                <a:rPr lang="ko-KR" altLang="en-US" sz="1000" b="1" dirty="0" smtClean="0">
+                <a:rPr lang="ko-KR" altLang="en-US" sz="1000" b="1" dirty="0">
                   <a:solidFill>
                     <a:srgbClr val="FF0000"/>
                   </a:solidFill>
@@ -15089,7 +15038,7 @@
                 <a:t>적군</a:t>
               </a:r>
               <a:r>
-                <a:rPr lang="en-US" altLang="ko-KR" sz="1000" b="1" dirty="0" smtClean="0">
+                <a:rPr lang="en-US" altLang="ko-KR" sz="1000" b="1" dirty="0">
                   <a:solidFill>
                     <a:srgbClr val="FF0000"/>
                   </a:solidFill>
@@ -15097,53 +15046,53 @@
                 <a:t>3</a:t>
               </a:r>
               <a:r>
-                <a:rPr lang="ko-KR" altLang="en-US" sz="1000" dirty="0" smtClean="0"/>
+                <a:rPr lang="ko-KR" altLang="en-US" sz="1000" dirty="0"/>
                 <a:t>을</a:t>
               </a:r>
               <a:r>
-                <a:rPr lang="en-US" altLang="ko-KR" sz="1000" dirty="0" smtClean="0"/>
+                <a:rPr lang="en-US" altLang="ko-KR" sz="1000" dirty="0"/>
                 <a:t>(</a:t>
               </a:r>
               <a:r>
-                <a:rPr lang="ko-KR" altLang="en-US" sz="1000" dirty="0" smtClean="0"/>
+                <a:rPr lang="ko-KR" altLang="en-US" sz="1000" dirty="0"/>
                 <a:t>를</a:t>
               </a:r>
               <a:r>
-                <a:rPr lang="en-US" altLang="ko-KR" sz="1000" dirty="0" smtClean="0"/>
+                <a:rPr lang="en-US" altLang="ko-KR" sz="1000" dirty="0"/>
                 <a:t>)</a:t>
               </a:r>
               <a:r>
-                <a:rPr lang="ko-KR" altLang="en-US" sz="1000" dirty="0" smtClean="0"/>
+                <a:rPr lang="ko-KR" altLang="en-US" sz="1000" dirty="0"/>
                 <a:t> </a:t>
               </a:r>
               <a:r>
-                <a:rPr lang="ko-KR" altLang="en-US" sz="1000" b="1" dirty="0" smtClean="0"/>
+                <a:rPr lang="ko-KR" altLang="en-US" sz="1000" b="1" dirty="0"/>
                 <a:t>공격</a:t>
               </a:r>
               <a:r>
-                <a:rPr lang="en-US" altLang="ko-KR" sz="1000" b="1" dirty="0" smtClean="0"/>
+                <a:rPr lang="en-US" altLang="ko-KR" sz="1000" b="1" dirty="0"/>
                 <a:t>!</a:t>
               </a:r>
             </a:p>
             <a:p>
               <a:pPr algn="just"/>
               <a:r>
-                <a:rPr lang="en-US" altLang="ko-KR" sz="1000" b="1" dirty="0" smtClean="0"/>
+                <a:rPr lang="en-US" altLang="ko-KR" sz="1000" b="1" dirty="0"/>
                 <a:t>(30 </a:t>
               </a:r>
               <a:r>
-                <a:rPr lang="ko-KR" altLang="en-US" sz="1000" b="1" dirty="0" err="1" smtClean="0"/>
+                <a:rPr lang="ko-KR" altLang="en-US" sz="1000" b="1" dirty="0" err="1"/>
                 <a:t>데미지</a:t>
               </a:r>
               <a:r>
-                <a:rPr lang="en-US" altLang="ko-KR" sz="1000" b="1" dirty="0" smtClean="0"/>
+                <a:rPr lang="en-US" altLang="ko-KR" sz="1000" b="1" dirty="0"/>
                 <a:t>)</a:t>
               </a:r>
             </a:p>
             <a:p>
               <a:pPr algn="just"/>
               <a:r>
-                <a:rPr lang="ko-KR" altLang="en-US" sz="1000" b="1" dirty="0" smtClean="0">
+                <a:rPr lang="ko-KR" altLang="en-US" sz="1000" b="1" dirty="0">
                   <a:solidFill>
                     <a:schemeClr val="accent6"/>
                   </a:solidFill>
@@ -15159,27 +15108,27 @@
                 <a:t>2</a:t>
               </a:r>
               <a:r>
-                <a:rPr lang="ko-KR" altLang="en-US" sz="1000" dirty="0" smtClean="0"/>
+                <a:rPr lang="ko-KR" altLang="en-US" sz="1000" dirty="0"/>
                 <a:t>이</a:t>
               </a:r>
               <a:r>
-                <a:rPr lang="en-US" altLang="ko-KR" sz="1000" dirty="0" smtClean="0"/>
+                <a:rPr lang="en-US" altLang="ko-KR" sz="1000" dirty="0"/>
                 <a:t>(</a:t>
               </a:r>
               <a:r>
-                <a:rPr lang="ko-KR" altLang="en-US" sz="1000" dirty="0" smtClean="0"/>
+                <a:rPr lang="ko-KR" altLang="en-US" sz="1000" dirty="0"/>
                 <a:t>가</a:t>
               </a:r>
               <a:r>
-                <a:rPr lang="en-US" altLang="ko-KR" sz="1000" dirty="0" smtClean="0"/>
+                <a:rPr lang="en-US" altLang="ko-KR" sz="1000" dirty="0"/>
                 <a:t>)</a:t>
               </a:r>
               <a:r>
-                <a:rPr lang="ko-KR" altLang="en-US" sz="1000" dirty="0" smtClean="0"/>
+                <a:rPr lang="ko-KR" altLang="en-US" sz="1000" dirty="0"/>
                 <a:t> </a:t>
               </a:r>
               <a:r>
-                <a:rPr lang="ko-KR" altLang="en-US" sz="1000" b="1" dirty="0" smtClean="0">
+                <a:rPr lang="ko-KR" altLang="en-US" sz="1000" b="1" dirty="0">
                   <a:solidFill>
                     <a:schemeClr val="accent6"/>
                   </a:solidFill>
@@ -15187,7 +15136,7 @@
                 <a:t>아군</a:t>
               </a:r>
               <a:r>
-                <a:rPr lang="en-US" altLang="ko-KR" sz="1000" b="1" dirty="0" smtClean="0">
+                <a:rPr lang="en-US" altLang="ko-KR" sz="1000" b="1" dirty="0">
                   <a:solidFill>
                     <a:schemeClr val="accent6"/>
                   </a:solidFill>
@@ -15195,53 +15144,53 @@
                 <a:t>3</a:t>
               </a:r>
               <a:r>
-                <a:rPr lang="ko-KR" altLang="en-US" sz="1000" dirty="0" smtClean="0"/>
+                <a:rPr lang="ko-KR" altLang="en-US" sz="1000" dirty="0"/>
                 <a:t>을</a:t>
               </a:r>
               <a:r>
-                <a:rPr lang="en-US" altLang="ko-KR" sz="1000" dirty="0" smtClean="0"/>
+                <a:rPr lang="en-US" altLang="ko-KR" sz="1000" dirty="0"/>
                 <a:t>(</a:t>
               </a:r>
               <a:r>
-                <a:rPr lang="ko-KR" altLang="en-US" sz="1000" dirty="0" smtClean="0"/>
+                <a:rPr lang="ko-KR" altLang="en-US" sz="1000" dirty="0"/>
                 <a:t>를</a:t>
               </a:r>
               <a:r>
-                <a:rPr lang="en-US" altLang="ko-KR" sz="1000" dirty="0" smtClean="0"/>
+                <a:rPr lang="en-US" altLang="ko-KR" sz="1000" dirty="0"/>
                 <a:t>)</a:t>
               </a:r>
               <a:r>
-                <a:rPr lang="ko-KR" altLang="en-US" sz="1000" dirty="0" smtClean="0"/>
+                <a:rPr lang="ko-KR" altLang="en-US" sz="1000" dirty="0"/>
                 <a:t> </a:t>
               </a:r>
               <a:r>
-                <a:rPr lang="ko-KR" altLang="en-US" sz="1000" b="1" dirty="0" smtClean="0"/>
+                <a:rPr lang="ko-KR" altLang="en-US" sz="1000" b="1" dirty="0"/>
                 <a:t>회복</a:t>
               </a:r>
               <a:r>
-                <a:rPr lang="en-US" altLang="ko-KR" sz="1000" b="1" dirty="0" smtClean="0"/>
+                <a:rPr lang="en-US" altLang="ko-KR" sz="1000" b="1" dirty="0"/>
                 <a:t>!</a:t>
               </a:r>
             </a:p>
             <a:p>
               <a:pPr algn="just"/>
               <a:r>
-                <a:rPr lang="en-US" altLang="ko-KR" sz="1000" b="1" dirty="0" smtClean="0"/>
+                <a:rPr lang="en-US" altLang="ko-KR" sz="1000" b="1" dirty="0"/>
                 <a:t>(15 </a:t>
               </a:r>
               <a:r>
-                <a:rPr lang="ko-KR" altLang="en-US" sz="1000" b="1" dirty="0" smtClean="0"/>
+                <a:rPr lang="ko-KR" altLang="en-US" sz="1000" b="1" dirty="0"/>
                 <a:t>회복</a:t>
               </a:r>
               <a:r>
-                <a:rPr lang="en-US" altLang="ko-KR" sz="1000" b="1" dirty="0" smtClean="0"/>
+                <a:rPr lang="en-US" altLang="ko-KR" sz="1000" b="1" dirty="0"/>
                 <a:t>)</a:t>
               </a:r>
             </a:p>
             <a:p>
               <a:pPr algn="just"/>
               <a:r>
-                <a:rPr lang="ko-KR" altLang="en-US" sz="1000" b="1" dirty="0" smtClean="0">
+                <a:rPr lang="ko-KR" altLang="en-US" sz="1000" b="1" dirty="0">
                   <a:solidFill>
                     <a:srgbClr val="FF0000"/>
                   </a:solidFill>
@@ -15249,7 +15198,7 @@
                 <a:t>적군</a:t>
               </a:r>
               <a:r>
-                <a:rPr lang="en-US" altLang="ko-KR" sz="1000" b="1" dirty="0" smtClean="0">
+                <a:rPr lang="en-US" altLang="ko-KR" sz="1000" b="1" dirty="0">
                   <a:solidFill>
                     <a:srgbClr val="FF0000"/>
                   </a:solidFill>
@@ -15257,23 +15206,23 @@
                 <a:t>2</a:t>
               </a:r>
               <a:r>
-                <a:rPr lang="ko-KR" altLang="en-US" sz="1000" dirty="0" smtClean="0"/>
+                <a:rPr lang="ko-KR" altLang="en-US" sz="1000" dirty="0"/>
                 <a:t>이</a:t>
               </a:r>
               <a:r>
-                <a:rPr lang="en-US" altLang="ko-KR" sz="1000" dirty="0" smtClean="0"/>
+                <a:rPr lang="en-US" altLang="ko-KR" sz="1000" dirty="0"/>
                 <a:t>(</a:t>
               </a:r>
               <a:r>
-                <a:rPr lang="ko-KR" altLang="en-US" sz="1000" dirty="0" smtClean="0"/>
+                <a:rPr lang="ko-KR" altLang="en-US" sz="1000" dirty="0"/>
                 <a:t>가</a:t>
               </a:r>
               <a:r>
-                <a:rPr lang="en-US" altLang="ko-KR" sz="1000" dirty="0" smtClean="0"/>
+                <a:rPr lang="en-US" altLang="ko-KR" sz="1000" dirty="0"/>
                 <a:t>) </a:t>
               </a:r>
               <a:r>
-                <a:rPr lang="ko-KR" altLang="en-US" sz="1000" b="1" dirty="0" smtClean="0">
+                <a:rPr lang="ko-KR" altLang="en-US" sz="1000" b="1" dirty="0">
                   <a:solidFill>
                     <a:schemeClr val="accent6"/>
                   </a:solidFill>
@@ -15281,7 +15230,7 @@
                 <a:t>아군</a:t>
               </a:r>
               <a:r>
-                <a:rPr lang="en-US" altLang="ko-KR" sz="1000" b="1" dirty="0" smtClean="0">
+                <a:rPr lang="en-US" altLang="ko-KR" sz="1000" b="1" dirty="0">
                   <a:solidFill>
                     <a:schemeClr val="accent6"/>
                   </a:solidFill>
@@ -15289,45 +15238,45 @@
                 <a:t>4</a:t>
               </a:r>
               <a:r>
-                <a:rPr lang="ko-KR" altLang="en-US" sz="1000" dirty="0" smtClean="0"/>
+                <a:rPr lang="ko-KR" altLang="en-US" sz="1000" dirty="0"/>
                 <a:t>을</a:t>
               </a:r>
               <a:r>
-                <a:rPr lang="en-US" altLang="ko-KR" sz="1000" dirty="0" smtClean="0"/>
+                <a:rPr lang="en-US" altLang="ko-KR" sz="1000" dirty="0"/>
                 <a:t>(</a:t>
               </a:r>
               <a:r>
-                <a:rPr lang="ko-KR" altLang="en-US" sz="1000" dirty="0" smtClean="0"/>
+                <a:rPr lang="ko-KR" altLang="en-US" sz="1000" dirty="0"/>
                 <a:t>를</a:t>
               </a:r>
               <a:r>
-                <a:rPr lang="en-US" altLang="ko-KR" sz="1000" dirty="0" smtClean="0"/>
+                <a:rPr lang="en-US" altLang="ko-KR" sz="1000" dirty="0"/>
                 <a:t>) </a:t>
               </a:r>
               <a:r>
-                <a:rPr lang="ko-KR" altLang="en-US" sz="1000" dirty="0" smtClean="0"/>
+                <a:rPr lang="ko-KR" altLang="en-US" sz="1000" dirty="0"/>
                 <a:t>공격</a:t>
               </a:r>
               <a:r>
-                <a:rPr lang="en-US" altLang="ko-KR" sz="1000" dirty="0" smtClean="0"/>
+                <a:rPr lang="en-US" altLang="ko-KR" sz="1000" dirty="0"/>
                 <a:t>!</a:t>
               </a:r>
             </a:p>
             <a:p>
               <a:pPr algn="just"/>
               <a:r>
-                <a:rPr lang="en-US" altLang="ko-KR" sz="1000" dirty="0" smtClean="0"/>
+                <a:rPr lang="en-US" altLang="ko-KR" sz="1000" dirty="0"/>
                 <a:t>(40 </a:t>
               </a:r>
               <a:r>
-                <a:rPr lang="ko-KR" altLang="en-US" sz="1000" dirty="0" err="1" smtClean="0"/>
+                <a:rPr lang="ko-KR" altLang="en-US" sz="1000" dirty="0" err="1"/>
                 <a:t>데미지</a:t>
               </a:r>
               <a:r>
-                <a:rPr lang="en-US" altLang="ko-KR" sz="1000" dirty="0" smtClean="0"/>
+                <a:rPr lang="en-US" altLang="ko-KR" sz="1000" dirty="0"/>
                 <a:t>)</a:t>
               </a:r>
-              <a:endParaRPr lang="ko-KR" altLang="en-US" sz="1000" dirty="0" smtClean="0"/>
+              <a:endParaRPr lang="ko-KR" altLang="en-US" sz="1000" dirty="0"/>
             </a:p>
             <a:p>
               <a:pPr algn="just"/>
@@ -15461,7 +15410,7 @@
           <a:lstStyle/>
           <a:p>
             <a:r>
-              <a:rPr lang="ko-KR" altLang="en-US" b="1" dirty="0" smtClean="0">
+              <a:rPr lang="ko-KR" altLang="en-US" b="1" dirty="0">
                 <a:solidFill>
                   <a:schemeClr val="bg1"/>
                 </a:solidFill>
@@ -15469,7 +15418,7 @@
               <a:t>신성한 숲 </a:t>
             </a:r>
             <a:r>
-              <a:rPr lang="en-US" altLang="ko-KR" sz="1100" b="1" dirty="0" smtClean="0">
+              <a:rPr lang="en-US" altLang="ko-KR" sz="1100" b="1" dirty="0">
                 <a:solidFill>
                   <a:schemeClr val="bg1"/>
                 </a:solidFill>
@@ -15514,26 +15463,25 @@
           <a:lstStyle/>
           <a:p>
             <a:r>
-              <a:rPr lang="ko-KR" altLang="en-US" b="1" dirty="0" smtClean="0"/>
+              <a:rPr lang="ko-KR" altLang="en-US" b="1" dirty="0"/>
               <a:t>전투 </a:t>
             </a:r>
             <a:r>
-              <a:rPr lang="ko-KR" altLang="en-US" b="1" dirty="0" err="1" smtClean="0"/>
+              <a:rPr lang="ko-KR" altLang="en-US" b="1" dirty="0" err="1"/>
               <a:t>기획안</a:t>
             </a:r>
             <a:r>
-              <a:rPr lang="ko-KR" altLang="en-US" b="1" dirty="0" smtClean="0"/>
+              <a:rPr lang="ko-KR" altLang="en-US" b="1" dirty="0"/>
               <a:t> </a:t>
             </a:r>
             <a:r>
-              <a:rPr lang="en-US" altLang="ko-KR" b="1" dirty="0" smtClean="0"/>
+              <a:rPr lang="en-US" altLang="ko-KR" b="1" dirty="0"/>
               <a:t>(1920 * 1080) – </a:t>
             </a:r>
             <a:r>
-              <a:rPr lang="ko-KR" altLang="en-US" b="1" dirty="0" smtClean="0"/>
+              <a:rPr lang="ko-KR" altLang="en-US" b="1" dirty="0"/>
               <a:t>아군 턴 일 때</a:t>
             </a:r>
-            <a:endParaRPr lang="ko-KR" altLang="en-US" b="1" dirty="0"/>
           </a:p>
         </p:txBody>
       </p:sp>
@@ -15670,7 +15618,7 @@
             <a:lstStyle/>
             <a:p>
               <a:r>
-                <a:rPr lang="en-US" altLang="ko-KR" b="1" dirty="0" smtClean="0">
+                <a:rPr lang="en-US" altLang="ko-KR" b="1" dirty="0">
                   <a:solidFill>
                     <a:schemeClr val="bg1"/>
                   </a:solidFill>
@@ -17193,7 +17141,7 @@
           <a:p>
             <a:pPr algn="ctr"/>
             <a:r>
-              <a:rPr lang="en-US" altLang="ko-KR" sz="2000" b="1" dirty="0" smtClean="0">
+              <a:rPr lang="en-US" altLang="ko-KR" sz="2000" b="1" dirty="0">
                 <a:solidFill>
                   <a:schemeClr val="bg1"/>
                 </a:solidFill>
@@ -17232,7 +17180,7 @@
           <a:p>
             <a:pPr algn="ctr"/>
             <a:r>
-              <a:rPr lang="en-US" altLang="ko-KR" sz="1050" b="1" dirty="0" smtClean="0">
+              <a:rPr lang="en-US" altLang="ko-KR" sz="1050" b="1" dirty="0">
                 <a:solidFill>
                   <a:schemeClr val="bg1"/>
                 </a:solidFill>
@@ -17271,7 +17219,7 @@
           <a:p>
             <a:pPr algn="ctr"/>
             <a:r>
-              <a:rPr lang="en-US" altLang="ko-KR" sz="1050" b="1" dirty="0" smtClean="0">
+              <a:rPr lang="en-US" altLang="ko-KR" sz="1050" b="1" dirty="0">
                 <a:solidFill>
                   <a:schemeClr val="bg1"/>
                 </a:solidFill>
@@ -17310,7 +17258,7 @@
           <a:p>
             <a:pPr algn="ctr"/>
             <a:r>
-              <a:rPr lang="en-US" altLang="ko-KR" sz="1050" b="1" dirty="0" smtClean="0">
+              <a:rPr lang="en-US" altLang="ko-KR" sz="1050" b="1" dirty="0">
                 <a:solidFill>
                   <a:schemeClr val="bg1"/>
                 </a:solidFill>
@@ -17349,7 +17297,7 @@
           <a:p>
             <a:pPr algn="ctr"/>
             <a:r>
-              <a:rPr lang="en-US" altLang="ko-KR" sz="1050" b="1" dirty="0" smtClean="0">
+              <a:rPr lang="en-US" altLang="ko-KR" sz="1050" b="1" dirty="0">
                 <a:solidFill>
                   <a:schemeClr val="bg1"/>
                 </a:solidFill>
@@ -17388,7 +17336,7 @@
           <a:p>
             <a:pPr algn="ctr"/>
             <a:r>
-              <a:rPr lang="en-US" altLang="ko-KR" sz="1050" b="1" dirty="0" smtClean="0">
+              <a:rPr lang="en-US" altLang="ko-KR" sz="1050" b="1" dirty="0">
                 <a:solidFill>
                   <a:schemeClr val="bg1"/>
                 </a:solidFill>
@@ -17427,7 +17375,7 @@
           <a:p>
             <a:pPr algn="ctr"/>
             <a:r>
-              <a:rPr lang="en-US" altLang="ko-KR" sz="1050" b="1" dirty="0" smtClean="0">
+              <a:rPr lang="en-US" altLang="ko-KR" sz="1050" b="1" dirty="0">
                 <a:solidFill>
                   <a:schemeClr val="bg1"/>
                 </a:solidFill>
@@ -17466,7 +17414,7 @@
           <a:p>
             <a:pPr algn="ctr"/>
             <a:r>
-              <a:rPr lang="en-US" altLang="ko-KR" sz="1050" b="1" dirty="0" smtClean="0">
+              <a:rPr lang="en-US" altLang="ko-KR" sz="1050" b="1" dirty="0">
                 <a:solidFill>
                   <a:schemeClr val="bg1"/>
                 </a:solidFill>
@@ -17505,7 +17453,7 @@
           <a:p>
             <a:pPr algn="ctr"/>
             <a:r>
-              <a:rPr lang="en-US" altLang="ko-KR" sz="1050" b="1" dirty="0" smtClean="0">
+              <a:rPr lang="en-US" altLang="ko-KR" sz="1050" b="1" dirty="0">
                 <a:solidFill>
                   <a:schemeClr val="bg1"/>
                 </a:solidFill>
@@ -17544,7 +17492,7 @@
           <a:p>
             <a:pPr algn="ctr"/>
             <a:r>
-              <a:rPr lang="en-US" altLang="ko-KR" sz="1050" b="1" dirty="0" smtClean="0">
+              <a:rPr lang="en-US" altLang="ko-KR" sz="1050" b="1" dirty="0">
                 <a:solidFill>
                   <a:schemeClr val="bg1"/>
                 </a:solidFill>
@@ -17583,7 +17531,7 @@
           <a:p>
             <a:pPr algn="ctr"/>
             <a:r>
-              <a:rPr lang="en-US" altLang="ko-KR" sz="1050" b="1" dirty="0" smtClean="0">
+              <a:rPr lang="en-US" altLang="ko-KR" sz="1050" b="1" dirty="0">
                 <a:solidFill>
                   <a:schemeClr val="bg1"/>
                 </a:solidFill>
@@ -17709,18 +17657,13 @@
           <a:lstStyle/>
           <a:p>
             <a:r>
-              <a:rPr lang="ko-KR" altLang="en-US" b="1" dirty="0" smtClean="0">
+              <a:rPr lang="ko-KR" altLang="en-US" b="1" dirty="0">
                 <a:solidFill>
                   <a:schemeClr val="bg1"/>
                 </a:solidFill>
               </a:rPr>
               <a:t>화염 타격</a:t>
             </a:r>
-            <a:endParaRPr lang="ko-KR" altLang="en-US" b="1" dirty="0">
-              <a:solidFill>
-                <a:schemeClr val="bg1"/>
-              </a:solidFill>
-            </a:endParaRPr>
           </a:p>
         </p:txBody>
       </p:sp>
@@ -17747,7 +17690,7 @@
           <a:lstStyle/>
           <a:p>
             <a:r>
-              <a:rPr lang="ko-KR" altLang="en-US" b="1" dirty="0" smtClean="0">
+              <a:rPr lang="ko-KR" altLang="en-US" b="1" dirty="0">
                 <a:solidFill>
                   <a:srgbClr val="FF0000"/>
                 </a:solidFill>
@@ -17755,7 +17698,7 @@
               <a:t>적군 </a:t>
             </a:r>
             <a:r>
-              <a:rPr lang="ko-KR" altLang="en-US" b="1" dirty="0" err="1" smtClean="0">
+              <a:rPr lang="ko-KR" altLang="en-US" b="1" dirty="0" err="1">
                 <a:solidFill>
                   <a:srgbClr val="FF0000"/>
                 </a:solidFill>
@@ -17763,41 +17706,41 @@
               <a:t>한명</a:t>
             </a:r>
             <a:r>
-              <a:rPr lang="ko-KR" altLang="en-US" dirty="0" err="1" smtClean="0"/>
+              <a:rPr lang="ko-KR" altLang="en-US" dirty="0" err="1"/>
               <a:t>을</a:t>
             </a:r>
             <a:r>
-              <a:rPr lang="ko-KR" altLang="en-US" dirty="0" smtClean="0"/>
+              <a:rPr lang="ko-KR" altLang="en-US" dirty="0"/>
               <a:t> 지정하여 </a:t>
             </a:r>
             <a:r>
-              <a:rPr lang="ko-KR" altLang="en-US" b="1" dirty="0" smtClean="0"/>
+              <a:rPr lang="ko-KR" altLang="en-US" b="1" dirty="0"/>
               <a:t>화염 공격</a:t>
             </a:r>
             <a:r>
-              <a:rPr lang="ko-KR" altLang="en-US" dirty="0" smtClean="0"/>
+              <a:rPr lang="ko-KR" altLang="en-US" dirty="0"/>
               <a:t>합니다</a:t>
             </a:r>
             <a:r>
-              <a:rPr lang="en-US" altLang="ko-KR" dirty="0" smtClean="0"/>
+              <a:rPr lang="en-US" altLang="ko-KR" dirty="0"/>
               <a:t>.</a:t>
             </a:r>
           </a:p>
           <a:p>
             <a:r>
-              <a:rPr lang="en-US" altLang="ko-KR" b="1" dirty="0" smtClean="0"/>
+              <a:rPr lang="en-US" altLang="ko-KR" b="1" dirty="0"/>
               <a:t>(</a:t>
             </a:r>
             <a:r>
-              <a:rPr lang="ko-KR" altLang="en-US" b="1" dirty="0" err="1" smtClean="0"/>
+              <a:rPr lang="ko-KR" altLang="en-US" b="1" dirty="0" err="1"/>
               <a:t>데미지</a:t>
             </a:r>
             <a:r>
-              <a:rPr lang="ko-KR" altLang="en-US" b="1" dirty="0" smtClean="0"/>
+              <a:rPr lang="ko-KR" altLang="en-US" b="1" dirty="0"/>
               <a:t> </a:t>
             </a:r>
             <a:r>
-              <a:rPr lang="en-US" altLang="ko-KR" b="1" dirty="0" smtClean="0"/>
+              <a:rPr lang="en-US" altLang="ko-KR" b="1" dirty="0"/>
               <a:t>: 100)</a:t>
             </a:r>
             <a:endParaRPr lang="ko-KR" altLang="en-US" b="1" dirty="0"/>
@@ -17827,7 +17770,7 @@
           <a:lstStyle/>
           <a:p>
             <a:r>
-              <a:rPr lang="ko-KR" altLang="en-US" b="1" dirty="0" smtClean="0">
+              <a:rPr lang="ko-KR" altLang="en-US" b="1" dirty="0">
                 <a:solidFill>
                   <a:schemeClr val="bg1"/>
                 </a:solidFill>
@@ -17835,7 +17778,7 @@
               <a:t>마나 소모 </a:t>
             </a:r>
             <a:r>
-              <a:rPr lang="en-US" altLang="ko-KR" b="1" dirty="0" smtClean="0">
+              <a:rPr lang="en-US" altLang="ko-KR" b="1" dirty="0">
                 <a:solidFill>
                   <a:schemeClr val="bg1"/>
                 </a:solidFill>
@@ -17889,13 +17832,6 @@
   <p:clrMapOvr>
     <a:masterClrMapping/>
   </p:clrMapOvr>
-  <p:timing>
-    <p:tnLst>
-      <p:par>
-        <p:cTn id="1" dur="indefinite" restart="never" nodeType="tmRoot"/>
-      </p:par>
-    </p:tnLst>
-  </p:timing>
 </p:sld>
 </file>
 
@@ -18258,27 +18194,23 @@
           <a:p>
             <a:pPr algn="ctr"/>
             <a:r>
-              <a:rPr lang="en-US" altLang="ko-KR" sz="1100" b="1" dirty="0" smtClean="0"/>
+              <a:rPr lang="en-US" altLang="ko-KR" sz="1100" b="1" dirty="0"/>
               <a:t>1</a:t>
             </a:r>
             <a:r>
-              <a:rPr lang="ko-KR" altLang="en-US" sz="1100" b="1" dirty="0" smtClean="0"/>
-              <a:t>번 </a:t>
+              <a:rPr lang="ko-KR" altLang="en-US" sz="1100" b="1" dirty="0"/>
+              <a:t>번 스킬</a:t>
             </a:r>
             <a:r>
-              <a:rPr lang="ko-KR" altLang="en-US" sz="1100" b="1" dirty="0" smtClean="0"/>
-              <a:t>스킬</a:t>
-            </a:r>
-            <a:r>
-              <a:rPr lang="en-US" altLang="ko-KR" sz="1100" b="1" dirty="0" smtClean="0"/>
+              <a:rPr lang="en-US" altLang="ko-KR" sz="1100" b="1" dirty="0"/>
               <a:t>(</a:t>
             </a:r>
             <a:r>
-              <a:rPr lang="ko-KR" altLang="en-US" sz="1100" b="1" dirty="0" smtClean="0"/>
+              <a:rPr lang="ko-KR" altLang="en-US" sz="1100" b="1" dirty="0"/>
               <a:t>이름</a:t>
             </a:r>
             <a:r>
-              <a:rPr lang="en-US" altLang="ko-KR" sz="1100" b="1" dirty="0" smtClean="0"/>
+              <a:rPr lang="en-US" altLang="ko-KR" sz="1100" b="1" dirty="0"/>
               <a:t>)</a:t>
             </a:r>
             <a:endParaRPr lang="ko-KR" altLang="en-US" sz="1100" b="1" dirty="0"/>
@@ -18322,10 +18254,9 @@
           <a:p>
             <a:pPr algn="ctr"/>
             <a:r>
-              <a:rPr lang="ko-KR" altLang="en-US" sz="1100" b="1" dirty="0" smtClean="0"/>
+              <a:rPr lang="ko-KR" altLang="en-US" sz="1100" b="1" dirty="0"/>
               <a:t>일반 공격</a:t>
             </a:r>
-            <a:endParaRPr lang="ko-KR" altLang="en-US" sz="1100" b="1" dirty="0"/>
           </a:p>
         </p:txBody>
       </p:sp>
@@ -18366,27 +18297,23 @@
           <a:p>
             <a:pPr algn="ctr"/>
             <a:r>
-              <a:rPr lang="en-US" altLang="ko-KR" sz="1100" b="1" dirty="0" smtClean="0"/>
+              <a:rPr lang="en-US" altLang="ko-KR" sz="1100" b="1" dirty="0"/>
               <a:t>2</a:t>
             </a:r>
             <a:r>
-              <a:rPr lang="ko-KR" altLang="en-US" sz="1100" b="1" dirty="0" smtClean="0"/>
-              <a:t>번 </a:t>
+              <a:rPr lang="ko-KR" altLang="en-US" sz="1100" b="1" dirty="0"/>
+              <a:t>번 스킬</a:t>
             </a:r>
             <a:r>
-              <a:rPr lang="ko-KR" altLang="en-US" sz="1100" b="1" dirty="0" smtClean="0"/>
-              <a:t>스킬</a:t>
-            </a:r>
-            <a:r>
-              <a:rPr lang="en-US" altLang="ko-KR" sz="1100" b="1" dirty="0" smtClean="0"/>
+              <a:rPr lang="en-US" altLang="ko-KR" sz="1100" b="1" dirty="0"/>
               <a:t>(</a:t>
             </a:r>
             <a:r>
-              <a:rPr lang="ko-KR" altLang="en-US" sz="1100" b="1" dirty="0" smtClean="0"/>
+              <a:rPr lang="ko-KR" altLang="en-US" sz="1100" b="1" dirty="0"/>
               <a:t>이름</a:t>
             </a:r>
             <a:r>
-              <a:rPr lang="en-US" altLang="ko-KR" sz="1100" b="1" dirty="0" smtClean="0"/>
+              <a:rPr lang="en-US" altLang="ko-KR" sz="1100" b="1" dirty="0"/>
               <a:t>)</a:t>
             </a:r>
             <a:endParaRPr lang="ko-KR" altLang="en-US" sz="1100" b="1" dirty="0"/>
@@ -18430,10 +18357,9 @@
           <a:p>
             <a:pPr algn="ctr"/>
             <a:r>
-              <a:rPr lang="ko-KR" altLang="en-US" sz="700" dirty="0" smtClean="0"/>
+              <a:rPr lang="ko-KR" altLang="en-US" sz="700" dirty="0"/>
               <a:t>턴 넘기기</a:t>
             </a:r>
-            <a:endParaRPr lang="ko-KR" altLang="en-US" sz="700" dirty="0"/>
           </a:p>
         </p:txBody>
       </p:sp>
@@ -18723,10 +18649,9 @@
             <a:p>
               <a:pPr algn="ctr"/>
               <a:r>
-                <a:rPr lang="ko-KR" altLang="en-US" sz="1200" b="1" dirty="0" smtClean="0"/>
+                <a:rPr lang="ko-KR" altLang="en-US" sz="1200" b="1" dirty="0"/>
                 <a:t>전투 로그</a:t>
               </a:r>
-              <a:endParaRPr lang="ko-KR" altLang="en-US" sz="1200" b="1" dirty="0"/>
             </a:p>
           </p:txBody>
         </p:sp>
@@ -18754,7 +18679,7 @@
             <a:p>
               <a:pPr algn="just"/>
               <a:r>
-                <a:rPr lang="ko-KR" altLang="en-US" sz="1000" b="1" dirty="0" smtClean="0">
+                <a:rPr lang="ko-KR" altLang="en-US" sz="1000" b="1" dirty="0">
                   <a:solidFill>
                     <a:schemeClr val="accent6"/>
                   </a:solidFill>
@@ -18762,7 +18687,7 @@
                 <a:t>아군</a:t>
               </a:r>
               <a:r>
-                <a:rPr lang="en-US" altLang="ko-KR" sz="1000" b="1" dirty="0" smtClean="0">
+                <a:rPr lang="en-US" altLang="ko-KR" sz="1000" b="1" dirty="0">
                   <a:solidFill>
                     <a:schemeClr val="accent6"/>
                   </a:solidFill>
@@ -18770,27 +18695,27 @@
                 <a:t>1</a:t>
               </a:r>
               <a:r>
-                <a:rPr lang="ko-KR" altLang="en-US" sz="1000" dirty="0" smtClean="0"/>
+                <a:rPr lang="ko-KR" altLang="en-US" sz="1000" dirty="0"/>
                 <a:t>이</a:t>
               </a:r>
               <a:r>
-                <a:rPr lang="en-US" altLang="ko-KR" sz="1000" dirty="0" smtClean="0"/>
+                <a:rPr lang="en-US" altLang="ko-KR" sz="1000" dirty="0"/>
                 <a:t>(</a:t>
               </a:r>
               <a:r>
-                <a:rPr lang="ko-KR" altLang="en-US" sz="1000" dirty="0" smtClean="0"/>
+                <a:rPr lang="ko-KR" altLang="en-US" sz="1000" dirty="0"/>
                 <a:t>가</a:t>
               </a:r>
               <a:r>
-                <a:rPr lang="en-US" altLang="ko-KR" sz="1000" dirty="0" smtClean="0"/>
+                <a:rPr lang="en-US" altLang="ko-KR" sz="1000" dirty="0"/>
                 <a:t>)</a:t>
               </a:r>
               <a:r>
-                <a:rPr lang="ko-KR" altLang="en-US" sz="1000" dirty="0" smtClean="0"/>
+                <a:rPr lang="ko-KR" altLang="en-US" sz="1000" dirty="0"/>
                 <a:t> </a:t>
               </a:r>
               <a:r>
-                <a:rPr lang="ko-KR" altLang="en-US" sz="1000" b="1" dirty="0" smtClean="0">
+                <a:rPr lang="ko-KR" altLang="en-US" sz="1000" b="1" dirty="0">
                   <a:solidFill>
                     <a:srgbClr val="FF0000"/>
                   </a:solidFill>
@@ -18798,7 +18723,7 @@
                 <a:t>적군</a:t>
               </a:r>
               <a:r>
-                <a:rPr lang="en-US" altLang="ko-KR" sz="1000" b="1" dirty="0" smtClean="0">
+                <a:rPr lang="en-US" altLang="ko-KR" sz="1000" b="1" dirty="0">
                   <a:solidFill>
                     <a:srgbClr val="FF0000"/>
                   </a:solidFill>
@@ -18806,53 +18731,53 @@
                 <a:t>3</a:t>
               </a:r>
               <a:r>
-                <a:rPr lang="ko-KR" altLang="en-US" sz="1000" dirty="0" smtClean="0"/>
+                <a:rPr lang="ko-KR" altLang="en-US" sz="1000" dirty="0"/>
                 <a:t>을</a:t>
               </a:r>
               <a:r>
-                <a:rPr lang="en-US" altLang="ko-KR" sz="1000" dirty="0" smtClean="0"/>
+                <a:rPr lang="en-US" altLang="ko-KR" sz="1000" dirty="0"/>
                 <a:t>(</a:t>
               </a:r>
               <a:r>
-                <a:rPr lang="ko-KR" altLang="en-US" sz="1000" dirty="0" smtClean="0"/>
+                <a:rPr lang="ko-KR" altLang="en-US" sz="1000" dirty="0"/>
                 <a:t>를</a:t>
               </a:r>
               <a:r>
-                <a:rPr lang="en-US" altLang="ko-KR" sz="1000" dirty="0" smtClean="0"/>
+                <a:rPr lang="en-US" altLang="ko-KR" sz="1000" dirty="0"/>
                 <a:t>)</a:t>
               </a:r>
               <a:r>
-                <a:rPr lang="ko-KR" altLang="en-US" sz="1000" dirty="0" smtClean="0"/>
+                <a:rPr lang="ko-KR" altLang="en-US" sz="1000" dirty="0"/>
                 <a:t> </a:t>
               </a:r>
               <a:r>
-                <a:rPr lang="ko-KR" altLang="en-US" sz="1000" b="1" dirty="0" smtClean="0"/>
+                <a:rPr lang="ko-KR" altLang="en-US" sz="1000" b="1" dirty="0"/>
                 <a:t>공격</a:t>
               </a:r>
               <a:r>
-                <a:rPr lang="en-US" altLang="ko-KR" sz="1000" b="1" dirty="0" smtClean="0"/>
+                <a:rPr lang="en-US" altLang="ko-KR" sz="1000" b="1" dirty="0"/>
                 <a:t>!</a:t>
               </a:r>
             </a:p>
             <a:p>
               <a:pPr algn="just"/>
               <a:r>
-                <a:rPr lang="en-US" altLang="ko-KR" sz="1000" b="1" dirty="0" smtClean="0"/>
+                <a:rPr lang="en-US" altLang="ko-KR" sz="1000" b="1" dirty="0"/>
                 <a:t>(30 </a:t>
               </a:r>
               <a:r>
-                <a:rPr lang="ko-KR" altLang="en-US" sz="1000" b="1" dirty="0" err="1" smtClean="0"/>
+                <a:rPr lang="ko-KR" altLang="en-US" sz="1000" b="1" dirty="0" err="1"/>
                 <a:t>데미지</a:t>
               </a:r>
               <a:r>
-                <a:rPr lang="en-US" altLang="ko-KR" sz="1000" b="1" dirty="0" smtClean="0"/>
+                <a:rPr lang="en-US" altLang="ko-KR" sz="1000" b="1" dirty="0"/>
                 <a:t>)</a:t>
               </a:r>
             </a:p>
             <a:p>
               <a:pPr algn="just"/>
               <a:r>
-                <a:rPr lang="ko-KR" altLang="en-US" sz="1000" b="1" dirty="0" smtClean="0">
+                <a:rPr lang="ko-KR" altLang="en-US" sz="1000" b="1" dirty="0">
                   <a:solidFill>
                     <a:schemeClr val="accent6"/>
                   </a:solidFill>
@@ -18868,27 +18793,27 @@
                 <a:t>2</a:t>
               </a:r>
               <a:r>
-                <a:rPr lang="ko-KR" altLang="en-US" sz="1000" dirty="0" smtClean="0"/>
+                <a:rPr lang="ko-KR" altLang="en-US" sz="1000" dirty="0"/>
                 <a:t>이</a:t>
               </a:r>
               <a:r>
-                <a:rPr lang="en-US" altLang="ko-KR" sz="1000" dirty="0" smtClean="0"/>
+                <a:rPr lang="en-US" altLang="ko-KR" sz="1000" dirty="0"/>
                 <a:t>(</a:t>
               </a:r>
               <a:r>
-                <a:rPr lang="ko-KR" altLang="en-US" sz="1000" dirty="0" smtClean="0"/>
+                <a:rPr lang="ko-KR" altLang="en-US" sz="1000" dirty="0"/>
                 <a:t>가</a:t>
               </a:r>
               <a:r>
-                <a:rPr lang="en-US" altLang="ko-KR" sz="1000" dirty="0" smtClean="0"/>
+                <a:rPr lang="en-US" altLang="ko-KR" sz="1000" dirty="0"/>
                 <a:t>)</a:t>
               </a:r>
               <a:r>
-                <a:rPr lang="ko-KR" altLang="en-US" sz="1000" dirty="0" smtClean="0"/>
+                <a:rPr lang="ko-KR" altLang="en-US" sz="1000" dirty="0"/>
                 <a:t> </a:t>
               </a:r>
               <a:r>
-                <a:rPr lang="ko-KR" altLang="en-US" sz="1000" b="1" dirty="0" smtClean="0">
+                <a:rPr lang="ko-KR" altLang="en-US" sz="1000" b="1" dirty="0">
                   <a:solidFill>
                     <a:schemeClr val="accent6"/>
                   </a:solidFill>
@@ -18896,7 +18821,7 @@
                 <a:t>아군</a:t>
               </a:r>
               <a:r>
-                <a:rPr lang="en-US" altLang="ko-KR" sz="1000" b="1" dirty="0" smtClean="0">
+                <a:rPr lang="en-US" altLang="ko-KR" sz="1000" b="1" dirty="0">
                   <a:solidFill>
                     <a:schemeClr val="accent6"/>
                   </a:solidFill>
@@ -18904,53 +18829,53 @@
                 <a:t>3</a:t>
               </a:r>
               <a:r>
-                <a:rPr lang="ko-KR" altLang="en-US" sz="1000" dirty="0" smtClean="0"/>
+                <a:rPr lang="ko-KR" altLang="en-US" sz="1000" dirty="0"/>
                 <a:t>을</a:t>
               </a:r>
               <a:r>
-                <a:rPr lang="en-US" altLang="ko-KR" sz="1000" dirty="0" smtClean="0"/>
+                <a:rPr lang="en-US" altLang="ko-KR" sz="1000" dirty="0"/>
                 <a:t>(</a:t>
               </a:r>
               <a:r>
-                <a:rPr lang="ko-KR" altLang="en-US" sz="1000" dirty="0" smtClean="0"/>
+                <a:rPr lang="ko-KR" altLang="en-US" sz="1000" dirty="0"/>
                 <a:t>를</a:t>
               </a:r>
               <a:r>
-                <a:rPr lang="en-US" altLang="ko-KR" sz="1000" dirty="0" smtClean="0"/>
+                <a:rPr lang="en-US" altLang="ko-KR" sz="1000" dirty="0"/>
                 <a:t>)</a:t>
               </a:r>
               <a:r>
-                <a:rPr lang="ko-KR" altLang="en-US" sz="1000" dirty="0" smtClean="0"/>
+                <a:rPr lang="ko-KR" altLang="en-US" sz="1000" dirty="0"/>
                 <a:t> </a:t>
               </a:r>
               <a:r>
-                <a:rPr lang="ko-KR" altLang="en-US" sz="1000" b="1" dirty="0" smtClean="0"/>
+                <a:rPr lang="ko-KR" altLang="en-US" sz="1000" b="1" dirty="0"/>
                 <a:t>회복</a:t>
               </a:r>
               <a:r>
-                <a:rPr lang="en-US" altLang="ko-KR" sz="1000" b="1" dirty="0" smtClean="0"/>
+                <a:rPr lang="en-US" altLang="ko-KR" sz="1000" b="1" dirty="0"/>
                 <a:t>!</a:t>
               </a:r>
             </a:p>
             <a:p>
               <a:pPr algn="just"/>
               <a:r>
-                <a:rPr lang="en-US" altLang="ko-KR" sz="1000" b="1" dirty="0" smtClean="0"/>
+                <a:rPr lang="en-US" altLang="ko-KR" sz="1000" b="1" dirty="0"/>
                 <a:t>(15 </a:t>
               </a:r>
               <a:r>
-                <a:rPr lang="ko-KR" altLang="en-US" sz="1000" b="1" dirty="0" smtClean="0"/>
+                <a:rPr lang="ko-KR" altLang="en-US" sz="1000" b="1" dirty="0"/>
                 <a:t>회복</a:t>
               </a:r>
               <a:r>
-                <a:rPr lang="en-US" altLang="ko-KR" sz="1000" b="1" dirty="0" smtClean="0"/>
+                <a:rPr lang="en-US" altLang="ko-KR" sz="1000" b="1" dirty="0"/>
                 <a:t>)</a:t>
               </a:r>
             </a:p>
             <a:p>
               <a:pPr algn="just"/>
               <a:r>
-                <a:rPr lang="ko-KR" altLang="en-US" sz="1000" b="1" dirty="0" smtClean="0">
+                <a:rPr lang="ko-KR" altLang="en-US" sz="1000" b="1" dirty="0">
                   <a:solidFill>
                     <a:srgbClr val="FF0000"/>
                   </a:solidFill>
@@ -18958,7 +18883,7 @@
                 <a:t>적군</a:t>
               </a:r>
               <a:r>
-                <a:rPr lang="en-US" altLang="ko-KR" sz="1000" b="1" dirty="0" smtClean="0">
+                <a:rPr lang="en-US" altLang="ko-KR" sz="1000" b="1" dirty="0">
                   <a:solidFill>
                     <a:srgbClr val="FF0000"/>
                   </a:solidFill>
@@ -18966,23 +18891,23 @@
                 <a:t>2</a:t>
               </a:r>
               <a:r>
-                <a:rPr lang="ko-KR" altLang="en-US" sz="1000" dirty="0" smtClean="0"/>
+                <a:rPr lang="ko-KR" altLang="en-US" sz="1000" dirty="0"/>
                 <a:t>이</a:t>
               </a:r>
               <a:r>
-                <a:rPr lang="en-US" altLang="ko-KR" sz="1000" dirty="0" smtClean="0"/>
+                <a:rPr lang="en-US" altLang="ko-KR" sz="1000" dirty="0"/>
                 <a:t>(</a:t>
               </a:r>
               <a:r>
-                <a:rPr lang="ko-KR" altLang="en-US" sz="1000" dirty="0" smtClean="0"/>
+                <a:rPr lang="ko-KR" altLang="en-US" sz="1000" dirty="0"/>
                 <a:t>가</a:t>
               </a:r>
               <a:r>
-                <a:rPr lang="en-US" altLang="ko-KR" sz="1000" dirty="0" smtClean="0"/>
+                <a:rPr lang="en-US" altLang="ko-KR" sz="1000" dirty="0"/>
                 <a:t>) </a:t>
               </a:r>
               <a:r>
-                <a:rPr lang="ko-KR" altLang="en-US" sz="1000" b="1" dirty="0" smtClean="0">
+                <a:rPr lang="ko-KR" altLang="en-US" sz="1000" b="1" dirty="0">
                   <a:solidFill>
                     <a:schemeClr val="accent6"/>
                   </a:solidFill>
@@ -18990,7 +18915,7 @@
                 <a:t>아군</a:t>
               </a:r>
               <a:r>
-                <a:rPr lang="en-US" altLang="ko-KR" sz="1000" b="1" dirty="0" smtClean="0">
+                <a:rPr lang="en-US" altLang="ko-KR" sz="1000" b="1" dirty="0">
                   <a:solidFill>
                     <a:schemeClr val="accent6"/>
                   </a:solidFill>
@@ -18998,45 +18923,45 @@
                 <a:t>4</a:t>
               </a:r>
               <a:r>
-                <a:rPr lang="ko-KR" altLang="en-US" sz="1000" dirty="0" smtClean="0"/>
+                <a:rPr lang="ko-KR" altLang="en-US" sz="1000" dirty="0"/>
                 <a:t>을</a:t>
               </a:r>
               <a:r>
-                <a:rPr lang="en-US" altLang="ko-KR" sz="1000" dirty="0" smtClean="0"/>
+                <a:rPr lang="en-US" altLang="ko-KR" sz="1000" dirty="0"/>
                 <a:t>(</a:t>
               </a:r>
               <a:r>
-                <a:rPr lang="ko-KR" altLang="en-US" sz="1000" dirty="0" smtClean="0"/>
+                <a:rPr lang="ko-KR" altLang="en-US" sz="1000" dirty="0"/>
                 <a:t>를</a:t>
               </a:r>
               <a:r>
-                <a:rPr lang="en-US" altLang="ko-KR" sz="1000" dirty="0" smtClean="0"/>
+                <a:rPr lang="en-US" altLang="ko-KR" sz="1000" dirty="0"/>
                 <a:t>) </a:t>
               </a:r>
               <a:r>
-                <a:rPr lang="ko-KR" altLang="en-US" sz="1000" dirty="0" smtClean="0"/>
+                <a:rPr lang="ko-KR" altLang="en-US" sz="1000" dirty="0"/>
                 <a:t>공격</a:t>
               </a:r>
               <a:r>
-                <a:rPr lang="en-US" altLang="ko-KR" sz="1000" dirty="0" smtClean="0"/>
+                <a:rPr lang="en-US" altLang="ko-KR" sz="1000" dirty="0"/>
                 <a:t>!</a:t>
               </a:r>
             </a:p>
             <a:p>
               <a:pPr algn="just"/>
               <a:r>
-                <a:rPr lang="en-US" altLang="ko-KR" sz="1000" dirty="0" smtClean="0"/>
+                <a:rPr lang="en-US" altLang="ko-KR" sz="1000" dirty="0"/>
                 <a:t>(40 </a:t>
               </a:r>
               <a:r>
-                <a:rPr lang="ko-KR" altLang="en-US" sz="1000" dirty="0" err="1" smtClean="0"/>
+                <a:rPr lang="ko-KR" altLang="en-US" sz="1000" dirty="0" err="1"/>
                 <a:t>데미지</a:t>
               </a:r>
               <a:r>
-                <a:rPr lang="en-US" altLang="ko-KR" sz="1000" dirty="0" smtClean="0"/>
+                <a:rPr lang="en-US" altLang="ko-KR" sz="1000" dirty="0"/>
                 <a:t>)</a:t>
               </a:r>
-              <a:endParaRPr lang="ko-KR" altLang="en-US" sz="1000" dirty="0" smtClean="0"/>
+              <a:endParaRPr lang="ko-KR" altLang="en-US" sz="1000" dirty="0"/>
             </a:p>
             <a:p>
               <a:pPr algn="just"/>
@@ -19170,7 +19095,7 @@
           <a:lstStyle/>
           <a:p>
             <a:r>
-              <a:rPr lang="ko-KR" altLang="en-US" b="1" dirty="0" smtClean="0">
+              <a:rPr lang="ko-KR" altLang="en-US" b="1" dirty="0">
                 <a:solidFill>
                   <a:schemeClr val="bg1"/>
                 </a:solidFill>
@@ -19178,7 +19103,7 @@
               <a:t>신성한 숲 </a:t>
             </a:r>
             <a:r>
-              <a:rPr lang="en-US" altLang="ko-KR" sz="1100" b="1" dirty="0" smtClean="0">
+              <a:rPr lang="en-US" altLang="ko-KR" sz="1100" b="1" dirty="0">
                 <a:solidFill>
                   <a:schemeClr val="bg1"/>
                 </a:solidFill>
@@ -19223,26 +19148,25 @@
           <a:lstStyle/>
           <a:p>
             <a:r>
-              <a:rPr lang="ko-KR" altLang="en-US" b="1" dirty="0" smtClean="0"/>
+              <a:rPr lang="ko-KR" altLang="en-US" b="1" dirty="0"/>
               <a:t>전투 </a:t>
             </a:r>
             <a:r>
-              <a:rPr lang="ko-KR" altLang="en-US" b="1" dirty="0" err="1" smtClean="0"/>
+              <a:rPr lang="ko-KR" altLang="en-US" b="1" dirty="0" err="1"/>
               <a:t>기획안</a:t>
             </a:r>
             <a:r>
-              <a:rPr lang="ko-KR" altLang="en-US" b="1" dirty="0" smtClean="0"/>
+              <a:rPr lang="ko-KR" altLang="en-US" b="1" dirty="0"/>
               <a:t> </a:t>
             </a:r>
             <a:r>
-              <a:rPr lang="en-US" altLang="ko-KR" b="1" dirty="0" smtClean="0"/>
+              <a:rPr lang="en-US" altLang="ko-KR" b="1" dirty="0"/>
               <a:t>(1920 * 1080) – </a:t>
             </a:r>
             <a:r>
-              <a:rPr lang="ko-KR" altLang="en-US" b="1" dirty="0" smtClean="0"/>
+              <a:rPr lang="ko-KR" altLang="en-US" b="1" dirty="0"/>
               <a:t>아군 턴 일 때</a:t>
             </a:r>
-            <a:endParaRPr lang="ko-KR" altLang="en-US" b="1" dirty="0"/>
           </a:p>
         </p:txBody>
       </p:sp>
@@ -19379,7 +19303,7 @@
             <a:lstStyle/>
             <a:p>
               <a:r>
-                <a:rPr lang="en-US" altLang="ko-KR" b="1" dirty="0" smtClean="0">
+                <a:rPr lang="en-US" altLang="ko-KR" b="1" dirty="0">
                   <a:solidFill>
                     <a:schemeClr val="bg1"/>
                   </a:solidFill>
@@ -20902,7 +20826,7 @@
           <a:p>
             <a:pPr algn="ctr"/>
             <a:r>
-              <a:rPr lang="en-US" altLang="ko-KR" sz="2000" b="1" dirty="0" smtClean="0">
+              <a:rPr lang="en-US" altLang="ko-KR" sz="2000" b="1" dirty="0">
                 <a:solidFill>
                   <a:schemeClr val="bg1"/>
                 </a:solidFill>
@@ -20941,7 +20865,7 @@
           <a:p>
             <a:pPr algn="ctr"/>
             <a:r>
-              <a:rPr lang="en-US" altLang="ko-KR" sz="1050" b="1" dirty="0" smtClean="0">
+              <a:rPr lang="en-US" altLang="ko-KR" sz="1050" b="1" dirty="0">
                 <a:solidFill>
                   <a:schemeClr val="bg1"/>
                 </a:solidFill>
@@ -20980,7 +20904,7 @@
           <a:p>
             <a:pPr algn="ctr"/>
             <a:r>
-              <a:rPr lang="en-US" altLang="ko-KR" sz="1050" b="1" dirty="0" smtClean="0">
+              <a:rPr lang="en-US" altLang="ko-KR" sz="1050" b="1" dirty="0">
                 <a:solidFill>
                   <a:schemeClr val="bg1"/>
                 </a:solidFill>
@@ -21019,7 +20943,7 @@
           <a:p>
             <a:pPr algn="ctr"/>
             <a:r>
-              <a:rPr lang="en-US" altLang="ko-KR" sz="1050" b="1" dirty="0" smtClean="0">
+              <a:rPr lang="en-US" altLang="ko-KR" sz="1050" b="1" dirty="0">
                 <a:solidFill>
                   <a:schemeClr val="bg1"/>
                 </a:solidFill>
@@ -21058,7 +20982,7 @@
           <a:p>
             <a:pPr algn="ctr"/>
             <a:r>
-              <a:rPr lang="en-US" altLang="ko-KR" sz="1050" b="1" dirty="0" smtClean="0">
+              <a:rPr lang="en-US" altLang="ko-KR" sz="1050" b="1" dirty="0">
                 <a:solidFill>
                   <a:schemeClr val="bg1"/>
                 </a:solidFill>
@@ -21097,7 +21021,7 @@
           <a:p>
             <a:pPr algn="ctr"/>
             <a:r>
-              <a:rPr lang="en-US" altLang="ko-KR" sz="1050" b="1" dirty="0" smtClean="0">
+              <a:rPr lang="en-US" altLang="ko-KR" sz="1050" b="1" dirty="0">
                 <a:solidFill>
                   <a:schemeClr val="bg1"/>
                 </a:solidFill>
@@ -21136,7 +21060,7 @@
           <a:p>
             <a:pPr algn="ctr"/>
             <a:r>
-              <a:rPr lang="en-US" altLang="ko-KR" sz="1050" b="1" dirty="0" smtClean="0">
+              <a:rPr lang="en-US" altLang="ko-KR" sz="1050" b="1" dirty="0">
                 <a:solidFill>
                   <a:schemeClr val="bg1"/>
                 </a:solidFill>
@@ -21175,7 +21099,7 @@
           <a:p>
             <a:pPr algn="ctr"/>
             <a:r>
-              <a:rPr lang="en-US" altLang="ko-KR" sz="1050" b="1" dirty="0" smtClean="0">
+              <a:rPr lang="en-US" altLang="ko-KR" sz="1050" b="1" dirty="0">
                 <a:solidFill>
                   <a:schemeClr val="bg1"/>
                 </a:solidFill>
@@ -21214,7 +21138,7 @@
           <a:p>
             <a:pPr algn="ctr"/>
             <a:r>
-              <a:rPr lang="en-US" altLang="ko-KR" sz="1050" b="1" dirty="0" smtClean="0">
+              <a:rPr lang="en-US" altLang="ko-KR" sz="1050" b="1" dirty="0">
                 <a:solidFill>
                   <a:schemeClr val="bg1"/>
                 </a:solidFill>
@@ -21253,7 +21177,7 @@
           <a:p>
             <a:pPr algn="ctr"/>
             <a:r>
-              <a:rPr lang="en-US" altLang="ko-KR" sz="1050" b="1" dirty="0" smtClean="0">
+              <a:rPr lang="en-US" altLang="ko-KR" sz="1050" b="1" dirty="0">
                 <a:solidFill>
                   <a:schemeClr val="bg1"/>
                 </a:solidFill>
@@ -21292,7 +21216,7 @@
           <a:p>
             <a:pPr algn="ctr"/>
             <a:r>
-              <a:rPr lang="en-US" altLang="ko-KR" sz="1050" b="1" dirty="0" smtClean="0">
+              <a:rPr lang="en-US" altLang="ko-KR" sz="1050" b="1" dirty="0">
                 <a:solidFill>
                   <a:schemeClr val="bg1"/>
                 </a:solidFill>
@@ -21418,18 +21342,13 @@
           <a:lstStyle/>
           <a:p>
             <a:r>
-              <a:rPr lang="ko-KR" altLang="en-US" b="1" dirty="0" smtClean="0">
+              <a:rPr lang="ko-KR" altLang="en-US" b="1" dirty="0">
                 <a:solidFill>
                   <a:schemeClr val="bg1"/>
                 </a:solidFill>
               </a:rPr>
               <a:t>화염 강타</a:t>
             </a:r>
-            <a:endParaRPr lang="ko-KR" altLang="en-US" b="1" dirty="0">
-              <a:solidFill>
-                <a:schemeClr val="bg1"/>
-              </a:solidFill>
-            </a:endParaRPr>
           </a:p>
         </p:txBody>
       </p:sp>
@@ -21456,7 +21375,7 @@
           <a:lstStyle/>
           <a:p>
             <a:r>
-              <a:rPr lang="ko-KR" altLang="en-US" b="1" dirty="0" smtClean="0">
+              <a:rPr lang="ko-KR" altLang="en-US" b="1" dirty="0">
                 <a:solidFill>
                   <a:srgbClr val="FF0000"/>
                 </a:solidFill>
@@ -21464,33 +21383,33 @@
               <a:t>후열의 적군을 </a:t>
             </a:r>
             <a:r>
-              <a:rPr lang="ko-KR" altLang="en-US" b="1" dirty="0" smtClean="0"/>
+              <a:rPr lang="ko-KR" altLang="en-US" b="1" dirty="0"/>
               <a:t>화염 공격</a:t>
             </a:r>
             <a:r>
-              <a:rPr lang="ko-KR" altLang="en-US" dirty="0" smtClean="0"/>
+              <a:rPr lang="ko-KR" altLang="en-US" dirty="0"/>
               <a:t>합니다</a:t>
             </a:r>
             <a:r>
-              <a:rPr lang="en-US" altLang="ko-KR" dirty="0" smtClean="0"/>
+              <a:rPr lang="en-US" altLang="ko-KR" dirty="0"/>
               <a:t>.</a:t>
             </a:r>
           </a:p>
           <a:p>
             <a:r>
-              <a:rPr lang="en-US" altLang="ko-KR" b="1" dirty="0" smtClean="0"/>
+              <a:rPr lang="en-US" altLang="ko-KR" b="1" dirty="0"/>
               <a:t>(</a:t>
             </a:r>
             <a:r>
-              <a:rPr lang="ko-KR" altLang="en-US" b="1" dirty="0" err="1" smtClean="0"/>
+              <a:rPr lang="ko-KR" altLang="en-US" b="1" dirty="0" err="1"/>
               <a:t>데미지</a:t>
             </a:r>
             <a:r>
-              <a:rPr lang="ko-KR" altLang="en-US" b="1" dirty="0" smtClean="0"/>
+              <a:rPr lang="ko-KR" altLang="en-US" b="1" dirty="0"/>
               <a:t> </a:t>
             </a:r>
             <a:r>
-              <a:rPr lang="en-US" altLang="ko-KR" b="1" dirty="0" smtClean="0"/>
+              <a:rPr lang="en-US" altLang="ko-KR" b="1" dirty="0"/>
               <a:t>: 100)</a:t>
             </a:r>
             <a:endParaRPr lang="ko-KR" altLang="en-US" b="1" dirty="0"/>
@@ -21520,7 +21439,7 @@
           <a:lstStyle/>
           <a:p>
             <a:r>
-              <a:rPr lang="ko-KR" altLang="en-US" b="1" dirty="0" smtClean="0">
+              <a:rPr lang="ko-KR" altLang="en-US" b="1" dirty="0">
                 <a:solidFill>
                   <a:schemeClr val="bg1"/>
                 </a:solidFill>
@@ -21528,7 +21447,7 @@
               <a:t>마나 소모 </a:t>
             </a:r>
             <a:r>
-              <a:rPr lang="en-US" altLang="ko-KR" b="1" dirty="0" smtClean="0">
+              <a:rPr lang="en-US" altLang="ko-KR" b="1" dirty="0">
                 <a:solidFill>
                   <a:schemeClr val="bg1"/>
                 </a:solidFill>
@@ -21640,13 +21559,6 @@
   <p:clrMapOvr>
     <a:masterClrMapping/>
   </p:clrMapOvr>
-  <p:timing>
-    <p:tnLst>
-      <p:par>
-        <p:cTn id="1" dur="indefinite" restart="never" nodeType="tmRoot"/>
-      </p:par>
-    </p:tnLst>
-  </p:timing>
 </p:sld>
 </file>
 
@@ -22009,14 +21921,13 @@
           <a:p>
             <a:pPr algn="ctr"/>
             <a:r>
-              <a:rPr lang="en-US" altLang="ko-KR" sz="1100" b="1" dirty="0" smtClean="0"/>
+              <a:rPr lang="en-US" altLang="ko-KR" sz="1100" b="1" dirty="0"/>
               <a:t>1</a:t>
             </a:r>
             <a:r>
-              <a:rPr lang="ko-KR" altLang="en-US" sz="1100" b="1" dirty="0" smtClean="0"/>
+              <a:rPr lang="ko-KR" altLang="en-US" sz="1100" b="1" dirty="0"/>
               <a:t>번 스킬</a:t>
             </a:r>
-            <a:endParaRPr lang="ko-KR" altLang="en-US" sz="1100" b="1" dirty="0"/>
           </a:p>
         </p:txBody>
       </p:sp>
@@ -22057,10 +21968,9 @@
           <a:p>
             <a:pPr algn="ctr"/>
             <a:r>
-              <a:rPr lang="ko-KR" altLang="en-US" sz="1100" b="1" dirty="0" smtClean="0"/>
+              <a:rPr lang="ko-KR" altLang="en-US" sz="1100" b="1" dirty="0"/>
               <a:t>일반 공격</a:t>
             </a:r>
-            <a:endParaRPr lang="ko-KR" altLang="en-US" sz="1100" b="1" dirty="0"/>
           </a:p>
         </p:txBody>
       </p:sp>
@@ -22101,14 +22011,13 @@
           <a:p>
             <a:pPr algn="ctr"/>
             <a:r>
-              <a:rPr lang="en-US" altLang="ko-KR" sz="1100" b="1" dirty="0" smtClean="0"/>
+              <a:rPr lang="en-US" altLang="ko-KR" sz="1100" b="1" dirty="0"/>
               <a:t>2</a:t>
             </a:r>
             <a:r>
-              <a:rPr lang="ko-KR" altLang="en-US" sz="1100" b="1" dirty="0" smtClean="0"/>
+              <a:rPr lang="ko-KR" altLang="en-US" sz="1100" b="1" dirty="0"/>
               <a:t>번 스킬</a:t>
             </a:r>
-            <a:endParaRPr lang="ko-KR" altLang="en-US" sz="1100" b="1" dirty="0"/>
           </a:p>
         </p:txBody>
       </p:sp>
@@ -22149,10 +22058,9 @@
           <a:p>
             <a:pPr algn="ctr"/>
             <a:r>
-              <a:rPr lang="ko-KR" altLang="en-US" sz="700" dirty="0" smtClean="0"/>
+              <a:rPr lang="ko-KR" altLang="en-US" sz="700" dirty="0"/>
               <a:t>턴 넘기기</a:t>
             </a:r>
-            <a:endParaRPr lang="ko-KR" altLang="en-US" sz="700" dirty="0"/>
           </a:p>
         </p:txBody>
       </p:sp>
@@ -22442,10 +22350,9 @@
             <a:p>
               <a:pPr algn="ctr"/>
               <a:r>
-                <a:rPr lang="ko-KR" altLang="en-US" sz="1200" b="1" dirty="0" smtClean="0"/>
+                <a:rPr lang="ko-KR" altLang="en-US" sz="1200" b="1" dirty="0"/>
                 <a:t>전투 로그</a:t>
               </a:r>
-              <a:endParaRPr lang="ko-KR" altLang="en-US" sz="1200" b="1" dirty="0"/>
             </a:p>
           </p:txBody>
         </p:sp>
@@ -22473,7 +22380,7 @@
             <a:p>
               <a:pPr algn="just"/>
               <a:r>
-                <a:rPr lang="ko-KR" altLang="en-US" sz="1000" b="1" dirty="0" smtClean="0">
+                <a:rPr lang="ko-KR" altLang="en-US" sz="1000" b="1" dirty="0">
                   <a:solidFill>
                     <a:schemeClr val="accent6"/>
                   </a:solidFill>
@@ -22481,7 +22388,7 @@
                 <a:t>아군</a:t>
               </a:r>
               <a:r>
-                <a:rPr lang="en-US" altLang="ko-KR" sz="1000" b="1" dirty="0" smtClean="0">
+                <a:rPr lang="en-US" altLang="ko-KR" sz="1000" b="1" dirty="0">
                   <a:solidFill>
                     <a:schemeClr val="accent6"/>
                   </a:solidFill>
@@ -22489,27 +22396,27 @@
                 <a:t>1</a:t>
               </a:r>
               <a:r>
-                <a:rPr lang="ko-KR" altLang="en-US" sz="1000" dirty="0" smtClean="0"/>
+                <a:rPr lang="ko-KR" altLang="en-US" sz="1000" dirty="0"/>
                 <a:t>이</a:t>
               </a:r>
               <a:r>
-                <a:rPr lang="en-US" altLang="ko-KR" sz="1000" dirty="0" smtClean="0"/>
+                <a:rPr lang="en-US" altLang="ko-KR" sz="1000" dirty="0"/>
                 <a:t>(</a:t>
               </a:r>
               <a:r>
-                <a:rPr lang="ko-KR" altLang="en-US" sz="1000" dirty="0" smtClean="0"/>
+                <a:rPr lang="ko-KR" altLang="en-US" sz="1000" dirty="0"/>
                 <a:t>가</a:t>
               </a:r>
               <a:r>
-                <a:rPr lang="en-US" altLang="ko-KR" sz="1000" dirty="0" smtClean="0"/>
+                <a:rPr lang="en-US" altLang="ko-KR" sz="1000" dirty="0"/>
                 <a:t>)</a:t>
               </a:r>
               <a:r>
-                <a:rPr lang="ko-KR" altLang="en-US" sz="1000" dirty="0" smtClean="0"/>
+                <a:rPr lang="ko-KR" altLang="en-US" sz="1000" dirty="0"/>
                 <a:t> </a:t>
               </a:r>
               <a:r>
-                <a:rPr lang="ko-KR" altLang="en-US" sz="1000" b="1" dirty="0" smtClean="0">
+                <a:rPr lang="ko-KR" altLang="en-US" sz="1000" b="1" dirty="0">
                   <a:solidFill>
                     <a:srgbClr val="FF0000"/>
                   </a:solidFill>
@@ -22517,7 +22424,7 @@
                 <a:t>적군</a:t>
               </a:r>
               <a:r>
-                <a:rPr lang="en-US" altLang="ko-KR" sz="1000" b="1" dirty="0" smtClean="0">
+                <a:rPr lang="en-US" altLang="ko-KR" sz="1000" b="1" dirty="0">
                   <a:solidFill>
                     <a:srgbClr val="FF0000"/>
                   </a:solidFill>
@@ -22525,53 +22432,53 @@
                 <a:t>3</a:t>
               </a:r>
               <a:r>
-                <a:rPr lang="ko-KR" altLang="en-US" sz="1000" dirty="0" smtClean="0"/>
+                <a:rPr lang="ko-KR" altLang="en-US" sz="1000" dirty="0"/>
                 <a:t>을</a:t>
               </a:r>
               <a:r>
-                <a:rPr lang="en-US" altLang="ko-KR" sz="1000" dirty="0" smtClean="0"/>
+                <a:rPr lang="en-US" altLang="ko-KR" sz="1000" dirty="0"/>
                 <a:t>(</a:t>
               </a:r>
               <a:r>
-                <a:rPr lang="ko-KR" altLang="en-US" sz="1000" dirty="0" smtClean="0"/>
+                <a:rPr lang="ko-KR" altLang="en-US" sz="1000" dirty="0"/>
                 <a:t>를</a:t>
               </a:r>
               <a:r>
-                <a:rPr lang="en-US" altLang="ko-KR" sz="1000" dirty="0" smtClean="0"/>
+                <a:rPr lang="en-US" altLang="ko-KR" sz="1000" dirty="0"/>
                 <a:t>)</a:t>
               </a:r>
               <a:r>
-                <a:rPr lang="ko-KR" altLang="en-US" sz="1000" dirty="0" smtClean="0"/>
+                <a:rPr lang="ko-KR" altLang="en-US" sz="1000" dirty="0"/>
                 <a:t> </a:t>
               </a:r>
               <a:r>
-                <a:rPr lang="ko-KR" altLang="en-US" sz="1000" b="1" dirty="0" smtClean="0"/>
+                <a:rPr lang="ko-KR" altLang="en-US" sz="1000" b="1" dirty="0"/>
                 <a:t>공격</a:t>
               </a:r>
               <a:r>
-                <a:rPr lang="en-US" altLang="ko-KR" sz="1000" b="1" dirty="0" smtClean="0"/>
+                <a:rPr lang="en-US" altLang="ko-KR" sz="1000" b="1" dirty="0"/>
                 <a:t>!</a:t>
               </a:r>
             </a:p>
             <a:p>
               <a:pPr algn="just"/>
               <a:r>
-                <a:rPr lang="en-US" altLang="ko-KR" sz="1000" b="1" dirty="0" smtClean="0"/>
+                <a:rPr lang="en-US" altLang="ko-KR" sz="1000" b="1" dirty="0"/>
                 <a:t>(30 </a:t>
               </a:r>
               <a:r>
-                <a:rPr lang="ko-KR" altLang="en-US" sz="1000" b="1" dirty="0" err="1" smtClean="0"/>
+                <a:rPr lang="ko-KR" altLang="en-US" sz="1000" b="1" dirty="0" err="1"/>
                 <a:t>데미지</a:t>
               </a:r>
               <a:r>
-                <a:rPr lang="en-US" altLang="ko-KR" sz="1000" b="1" dirty="0" smtClean="0"/>
+                <a:rPr lang="en-US" altLang="ko-KR" sz="1000" b="1" dirty="0"/>
                 <a:t>)</a:t>
               </a:r>
             </a:p>
             <a:p>
               <a:pPr algn="just"/>
               <a:r>
-                <a:rPr lang="ko-KR" altLang="en-US" sz="1000" b="1" dirty="0" smtClean="0">
+                <a:rPr lang="ko-KR" altLang="en-US" sz="1000" b="1" dirty="0">
                   <a:solidFill>
                     <a:schemeClr val="accent6"/>
                   </a:solidFill>
@@ -22587,27 +22494,27 @@
                 <a:t>2</a:t>
               </a:r>
               <a:r>
-                <a:rPr lang="ko-KR" altLang="en-US" sz="1000" dirty="0" smtClean="0"/>
+                <a:rPr lang="ko-KR" altLang="en-US" sz="1000" dirty="0"/>
                 <a:t>이</a:t>
               </a:r>
               <a:r>
-                <a:rPr lang="en-US" altLang="ko-KR" sz="1000" dirty="0" smtClean="0"/>
+                <a:rPr lang="en-US" altLang="ko-KR" sz="1000" dirty="0"/>
                 <a:t>(</a:t>
               </a:r>
               <a:r>
-                <a:rPr lang="ko-KR" altLang="en-US" sz="1000" dirty="0" smtClean="0"/>
+                <a:rPr lang="ko-KR" altLang="en-US" sz="1000" dirty="0"/>
                 <a:t>가</a:t>
               </a:r>
               <a:r>
-                <a:rPr lang="en-US" altLang="ko-KR" sz="1000" dirty="0" smtClean="0"/>
+                <a:rPr lang="en-US" altLang="ko-KR" sz="1000" dirty="0"/>
                 <a:t>)</a:t>
               </a:r>
               <a:r>
-                <a:rPr lang="ko-KR" altLang="en-US" sz="1000" dirty="0" smtClean="0"/>
+                <a:rPr lang="ko-KR" altLang="en-US" sz="1000" dirty="0"/>
                 <a:t> </a:t>
               </a:r>
               <a:r>
-                <a:rPr lang="ko-KR" altLang="en-US" sz="1000" b="1" dirty="0" smtClean="0">
+                <a:rPr lang="ko-KR" altLang="en-US" sz="1000" b="1" dirty="0">
                   <a:solidFill>
                     <a:schemeClr val="accent6"/>
                   </a:solidFill>
@@ -22615,7 +22522,7 @@
                 <a:t>아군</a:t>
               </a:r>
               <a:r>
-                <a:rPr lang="en-US" altLang="ko-KR" sz="1000" b="1" dirty="0" smtClean="0">
+                <a:rPr lang="en-US" altLang="ko-KR" sz="1000" b="1" dirty="0">
                   <a:solidFill>
                     <a:schemeClr val="accent6"/>
                   </a:solidFill>
@@ -22623,53 +22530,53 @@
                 <a:t>3</a:t>
               </a:r>
               <a:r>
-                <a:rPr lang="ko-KR" altLang="en-US" sz="1000" dirty="0" smtClean="0"/>
+                <a:rPr lang="ko-KR" altLang="en-US" sz="1000" dirty="0"/>
                 <a:t>을</a:t>
               </a:r>
               <a:r>
-                <a:rPr lang="en-US" altLang="ko-KR" sz="1000" dirty="0" smtClean="0"/>
+                <a:rPr lang="en-US" altLang="ko-KR" sz="1000" dirty="0"/>
                 <a:t>(</a:t>
               </a:r>
               <a:r>
-                <a:rPr lang="ko-KR" altLang="en-US" sz="1000" dirty="0" smtClean="0"/>
+                <a:rPr lang="ko-KR" altLang="en-US" sz="1000" dirty="0"/>
                 <a:t>를</a:t>
               </a:r>
               <a:r>
-                <a:rPr lang="en-US" altLang="ko-KR" sz="1000" dirty="0" smtClean="0"/>
+                <a:rPr lang="en-US" altLang="ko-KR" sz="1000" dirty="0"/>
                 <a:t>)</a:t>
               </a:r>
               <a:r>
-                <a:rPr lang="ko-KR" altLang="en-US" sz="1000" dirty="0" smtClean="0"/>
+                <a:rPr lang="ko-KR" altLang="en-US" sz="1000" dirty="0"/>
                 <a:t> </a:t>
               </a:r>
               <a:r>
-                <a:rPr lang="ko-KR" altLang="en-US" sz="1000" b="1" dirty="0" smtClean="0"/>
+                <a:rPr lang="ko-KR" altLang="en-US" sz="1000" b="1" dirty="0"/>
                 <a:t>회복</a:t>
               </a:r>
               <a:r>
-                <a:rPr lang="en-US" altLang="ko-KR" sz="1000" b="1" dirty="0" smtClean="0"/>
+                <a:rPr lang="en-US" altLang="ko-KR" sz="1000" b="1" dirty="0"/>
                 <a:t>!</a:t>
               </a:r>
             </a:p>
             <a:p>
               <a:pPr algn="just"/>
               <a:r>
-                <a:rPr lang="en-US" altLang="ko-KR" sz="1000" b="1" dirty="0" smtClean="0"/>
+                <a:rPr lang="en-US" altLang="ko-KR" sz="1000" b="1" dirty="0"/>
                 <a:t>(15 </a:t>
               </a:r>
               <a:r>
-                <a:rPr lang="ko-KR" altLang="en-US" sz="1000" b="1" dirty="0" smtClean="0"/>
+                <a:rPr lang="ko-KR" altLang="en-US" sz="1000" b="1" dirty="0"/>
                 <a:t>회복</a:t>
               </a:r>
               <a:r>
-                <a:rPr lang="en-US" altLang="ko-KR" sz="1000" b="1" dirty="0" smtClean="0"/>
+                <a:rPr lang="en-US" altLang="ko-KR" sz="1000" b="1" dirty="0"/>
                 <a:t>)</a:t>
               </a:r>
             </a:p>
             <a:p>
               <a:pPr algn="just"/>
               <a:r>
-                <a:rPr lang="ko-KR" altLang="en-US" sz="1000" b="1" dirty="0" smtClean="0">
+                <a:rPr lang="ko-KR" altLang="en-US" sz="1000" b="1" dirty="0">
                   <a:solidFill>
                     <a:srgbClr val="FF0000"/>
                   </a:solidFill>
@@ -22677,7 +22584,7 @@
                 <a:t>적군</a:t>
               </a:r>
               <a:r>
-                <a:rPr lang="en-US" altLang="ko-KR" sz="1000" b="1" dirty="0" smtClean="0">
+                <a:rPr lang="en-US" altLang="ko-KR" sz="1000" b="1" dirty="0">
                   <a:solidFill>
                     <a:srgbClr val="FF0000"/>
                   </a:solidFill>
@@ -22685,23 +22592,23 @@
                 <a:t>2</a:t>
               </a:r>
               <a:r>
-                <a:rPr lang="ko-KR" altLang="en-US" sz="1000" dirty="0" smtClean="0"/>
+                <a:rPr lang="ko-KR" altLang="en-US" sz="1000" dirty="0"/>
                 <a:t>이</a:t>
               </a:r>
               <a:r>
-                <a:rPr lang="en-US" altLang="ko-KR" sz="1000" dirty="0" smtClean="0"/>
+                <a:rPr lang="en-US" altLang="ko-KR" sz="1000" dirty="0"/>
                 <a:t>(</a:t>
               </a:r>
               <a:r>
-                <a:rPr lang="ko-KR" altLang="en-US" sz="1000" dirty="0" smtClean="0"/>
+                <a:rPr lang="ko-KR" altLang="en-US" sz="1000" dirty="0"/>
                 <a:t>가</a:t>
               </a:r>
               <a:r>
-                <a:rPr lang="en-US" altLang="ko-KR" sz="1000" dirty="0" smtClean="0"/>
+                <a:rPr lang="en-US" altLang="ko-KR" sz="1000" dirty="0"/>
                 <a:t>) </a:t>
               </a:r>
               <a:r>
-                <a:rPr lang="ko-KR" altLang="en-US" sz="1000" b="1" dirty="0" smtClean="0">
+                <a:rPr lang="ko-KR" altLang="en-US" sz="1000" b="1" dirty="0">
                   <a:solidFill>
                     <a:schemeClr val="accent6"/>
                   </a:solidFill>
@@ -22709,7 +22616,7 @@
                 <a:t>아군</a:t>
               </a:r>
               <a:r>
-                <a:rPr lang="en-US" altLang="ko-KR" sz="1000" b="1" dirty="0" smtClean="0">
+                <a:rPr lang="en-US" altLang="ko-KR" sz="1000" b="1" dirty="0">
                   <a:solidFill>
                     <a:schemeClr val="accent6"/>
                   </a:solidFill>
@@ -22717,45 +22624,45 @@
                 <a:t>4</a:t>
               </a:r>
               <a:r>
-                <a:rPr lang="ko-KR" altLang="en-US" sz="1000" dirty="0" smtClean="0"/>
+                <a:rPr lang="ko-KR" altLang="en-US" sz="1000" dirty="0"/>
                 <a:t>을</a:t>
               </a:r>
               <a:r>
-                <a:rPr lang="en-US" altLang="ko-KR" sz="1000" dirty="0" smtClean="0"/>
+                <a:rPr lang="en-US" altLang="ko-KR" sz="1000" dirty="0"/>
                 <a:t>(</a:t>
               </a:r>
               <a:r>
-                <a:rPr lang="ko-KR" altLang="en-US" sz="1000" dirty="0" smtClean="0"/>
+                <a:rPr lang="ko-KR" altLang="en-US" sz="1000" dirty="0"/>
                 <a:t>를</a:t>
               </a:r>
               <a:r>
-                <a:rPr lang="en-US" altLang="ko-KR" sz="1000" dirty="0" smtClean="0"/>
+                <a:rPr lang="en-US" altLang="ko-KR" sz="1000" dirty="0"/>
                 <a:t>) </a:t>
               </a:r>
               <a:r>
-                <a:rPr lang="ko-KR" altLang="en-US" sz="1000" dirty="0" smtClean="0"/>
+                <a:rPr lang="ko-KR" altLang="en-US" sz="1000" dirty="0"/>
                 <a:t>공격</a:t>
               </a:r>
               <a:r>
-                <a:rPr lang="en-US" altLang="ko-KR" sz="1000" dirty="0" smtClean="0"/>
+                <a:rPr lang="en-US" altLang="ko-KR" sz="1000" dirty="0"/>
                 <a:t>!</a:t>
               </a:r>
             </a:p>
             <a:p>
               <a:pPr algn="just"/>
               <a:r>
-                <a:rPr lang="en-US" altLang="ko-KR" sz="1000" dirty="0" smtClean="0"/>
+                <a:rPr lang="en-US" altLang="ko-KR" sz="1000" dirty="0"/>
                 <a:t>(40 </a:t>
               </a:r>
               <a:r>
-                <a:rPr lang="ko-KR" altLang="en-US" sz="1000" dirty="0" err="1" smtClean="0"/>
+                <a:rPr lang="ko-KR" altLang="en-US" sz="1000" dirty="0" err="1"/>
                 <a:t>데미지</a:t>
               </a:r>
               <a:r>
-                <a:rPr lang="en-US" altLang="ko-KR" sz="1000" dirty="0" smtClean="0"/>
+                <a:rPr lang="en-US" altLang="ko-KR" sz="1000" dirty="0"/>
                 <a:t>)</a:t>
               </a:r>
-              <a:endParaRPr lang="ko-KR" altLang="en-US" sz="1000" dirty="0" smtClean="0"/>
+              <a:endParaRPr lang="ko-KR" altLang="en-US" sz="1000" dirty="0"/>
             </a:p>
             <a:p>
               <a:pPr algn="just"/>
@@ -22889,7 +22796,7 @@
           <a:lstStyle/>
           <a:p>
             <a:r>
-              <a:rPr lang="ko-KR" altLang="en-US" b="1" dirty="0" smtClean="0">
+              <a:rPr lang="ko-KR" altLang="en-US" b="1" dirty="0">
                 <a:solidFill>
                   <a:schemeClr val="bg1"/>
                 </a:solidFill>
@@ -22897,7 +22804,7 @@
               <a:t>신성한 숲 </a:t>
             </a:r>
             <a:r>
-              <a:rPr lang="en-US" altLang="ko-KR" sz="1100" b="1" dirty="0" smtClean="0">
+              <a:rPr lang="en-US" altLang="ko-KR" sz="1100" b="1" dirty="0">
                 <a:solidFill>
                   <a:schemeClr val="bg1"/>
                 </a:solidFill>
@@ -22942,42 +22849,41 @@
           <a:lstStyle/>
           <a:p>
             <a:r>
-              <a:rPr lang="ko-KR" altLang="en-US" b="1" dirty="0" smtClean="0"/>
+              <a:rPr lang="ko-KR" altLang="en-US" b="1" dirty="0"/>
               <a:t>전투 </a:t>
             </a:r>
             <a:r>
-              <a:rPr lang="ko-KR" altLang="en-US" b="1" dirty="0" err="1" smtClean="0"/>
+              <a:rPr lang="ko-KR" altLang="en-US" b="1" dirty="0" err="1"/>
               <a:t>기획안</a:t>
             </a:r>
             <a:r>
-              <a:rPr lang="ko-KR" altLang="en-US" b="1" dirty="0" smtClean="0"/>
+              <a:rPr lang="ko-KR" altLang="en-US" b="1" dirty="0"/>
               <a:t> </a:t>
             </a:r>
             <a:r>
-              <a:rPr lang="en-US" altLang="ko-KR" b="1" dirty="0" smtClean="0"/>
+              <a:rPr lang="en-US" altLang="ko-KR" b="1" dirty="0"/>
               <a:t>(1920 * 1080) – </a:t>
             </a:r>
             <a:r>
-              <a:rPr lang="ko-KR" altLang="en-US" b="1" dirty="0" smtClean="0"/>
+              <a:rPr lang="ko-KR" altLang="en-US" b="1" dirty="0"/>
               <a:t>적을 오랫동안 </a:t>
             </a:r>
             <a:r>
-              <a:rPr lang="ko-KR" altLang="en-US" b="1" dirty="0" err="1" smtClean="0"/>
+              <a:rPr lang="ko-KR" altLang="en-US" b="1" dirty="0" err="1"/>
               <a:t>눌렀을때</a:t>
             </a:r>
             <a:r>
-              <a:rPr lang="ko-KR" altLang="en-US" b="1" dirty="0" smtClean="0"/>
+              <a:rPr lang="ko-KR" altLang="en-US" b="1" dirty="0"/>
               <a:t> 적군 상세 </a:t>
             </a:r>
             <a:r>
-              <a:rPr lang="ko-KR" altLang="en-US" b="1" dirty="0" err="1" smtClean="0"/>
+              <a:rPr lang="ko-KR" altLang="en-US" b="1" dirty="0" err="1"/>
               <a:t>팝업창</a:t>
             </a:r>
             <a:r>
-              <a:rPr lang="ko-KR" altLang="en-US" b="1" dirty="0" smtClean="0"/>
+              <a:rPr lang="ko-KR" altLang="en-US" b="1" dirty="0"/>
               <a:t> 표시</a:t>
             </a:r>
-            <a:endParaRPr lang="ko-KR" altLang="en-US" b="1" dirty="0"/>
           </a:p>
         </p:txBody>
       </p:sp>
@@ -23114,7 +23020,7 @@
             <a:lstStyle/>
             <a:p>
               <a:r>
-                <a:rPr lang="en-US" altLang="ko-KR" b="1" dirty="0" smtClean="0">
+                <a:rPr lang="en-US" altLang="ko-KR" b="1" dirty="0">
                   <a:solidFill>
                     <a:schemeClr val="bg1"/>
                   </a:solidFill>
@@ -24637,7 +24543,7 @@
           <a:p>
             <a:pPr algn="ctr"/>
             <a:r>
-              <a:rPr lang="en-US" altLang="ko-KR" sz="2000" b="1" dirty="0" smtClean="0">
+              <a:rPr lang="en-US" altLang="ko-KR" sz="2000" b="1" dirty="0">
                 <a:solidFill>
                   <a:schemeClr val="bg1"/>
                 </a:solidFill>
@@ -24676,7 +24582,7 @@
           <a:p>
             <a:pPr algn="ctr"/>
             <a:r>
-              <a:rPr lang="en-US" altLang="ko-KR" sz="1050" b="1" dirty="0" smtClean="0">
+              <a:rPr lang="en-US" altLang="ko-KR" sz="1050" b="1" dirty="0">
                 <a:solidFill>
                   <a:schemeClr val="bg1"/>
                 </a:solidFill>
@@ -24715,7 +24621,7 @@
           <a:p>
             <a:pPr algn="ctr"/>
             <a:r>
-              <a:rPr lang="en-US" altLang="ko-KR" sz="1050" b="1" dirty="0" smtClean="0">
+              <a:rPr lang="en-US" altLang="ko-KR" sz="1050" b="1" dirty="0">
                 <a:solidFill>
                   <a:schemeClr val="bg1"/>
                 </a:solidFill>
@@ -24754,7 +24660,7 @@
           <a:p>
             <a:pPr algn="ctr"/>
             <a:r>
-              <a:rPr lang="en-US" altLang="ko-KR" sz="1050" b="1" dirty="0" smtClean="0">
+              <a:rPr lang="en-US" altLang="ko-KR" sz="1050" b="1" dirty="0">
                 <a:solidFill>
                   <a:schemeClr val="bg1"/>
                 </a:solidFill>
@@ -24793,7 +24699,7 @@
           <a:p>
             <a:pPr algn="ctr"/>
             <a:r>
-              <a:rPr lang="en-US" altLang="ko-KR" sz="1050" b="1" dirty="0" smtClean="0">
+              <a:rPr lang="en-US" altLang="ko-KR" sz="1050" b="1" dirty="0">
                 <a:solidFill>
                   <a:schemeClr val="bg1"/>
                 </a:solidFill>
@@ -24832,7 +24738,7 @@
           <a:p>
             <a:pPr algn="ctr"/>
             <a:r>
-              <a:rPr lang="en-US" altLang="ko-KR" sz="1050" b="1" dirty="0" smtClean="0">
+              <a:rPr lang="en-US" altLang="ko-KR" sz="1050" b="1" dirty="0">
                 <a:solidFill>
                   <a:schemeClr val="bg1"/>
                 </a:solidFill>
@@ -24871,7 +24777,7 @@
           <a:p>
             <a:pPr algn="ctr"/>
             <a:r>
-              <a:rPr lang="en-US" altLang="ko-KR" sz="1050" b="1" dirty="0" smtClean="0">
+              <a:rPr lang="en-US" altLang="ko-KR" sz="1050" b="1" dirty="0">
                 <a:solidFill>
                   <a:schemeClr val="bg1"/>
                 </a:solidFill>
@@ -24910,7 +24816,7 @@
           <a:p>
             <a:pPr algn="ctr"/>
             <a:r>
-              <a:rPr lang="en-US" altLang="ko-KR" sz="1050" b="1" dirty="0" smtClean="0">
+              <a:rPr lang="en-US" altLang="ko-KR" sz="1050" b="1" dirty="0">
                 <a:solidFill>
                   <a:schemeClr val="bg1"/>
                 </a:solidFill>
@@ -24949,7 +24855,7 @@
           <a:p>
             <a:pPr algn="ctr"/>
             <a:r>
-              <a:rPr lang="en-US" altLang="ko-KR" sz="1050" b="1" dirty="0" smtClean="0">
+              <a:rPr lang="en-US" altLang="ko-KR" sz="1050" b="1" dirty="0">
                 <a:solidFill>
                   <a:schemeClr val="bg1"/>
                 </a:solidFill>
@@ -24988,7 +24894,7 @@
           <a:p>
             <a:pPr algn="ctr"/>
             <a:r>
-              <a:rPr lang="en-US" altLang="ko-KR" sz="1050" b="1" dirty="0" smtClean="0">
+              <a:rPr lang="en-US" altLang="ko-KR" sz="1050" b="1" dirty="0">
                 <a:solidFill>
                   <a:schemeClr val="bg1"/>
                 </a:solidFill>
@@ -25027,7 +24933,7 @@
           <a:p>
             <a:pPr algn="ctr"/>
             <a:r>
-              <a:rPr lang="en-US" altLang="ko-KR" sz="1050" b="1" dirty="0" smtClean="0">
+              <a:rPr lang="en-US" altLang="ko-KR" sz="1050" b="1" dirty="0">
                 <a:solidFill>
                   <a:schemeClr val="bg1"/>
                 </a:solidFill>
@@ -25154,6 +25060,9 @@
           <a:prstGeom prst="roundRect">
             <a:avLst/>
           </a:prstGeom>
+          <a:solidFill>
+            <a:schemeClr val="bg1"/>
+          </a:solidFill>
         </p:spPr>
         <p:style>
           <a:lnRef idx="2">
@@ -25273,18 +25182,73 @@
           <a:p>
             <a:pPr algn="ctr"/>
             <a:r>
-              <a:rPr lang="ko-KR" altLang="en-US" err="1" smtClean="0"/>
+              <a:rPr lang="ko-KR" altLang="en-US" err="1"/>
               <a:t>데스</a:t>
             </a:r>
             <a:r>
-              <a:rPr lang="ko-KR" altLang="en-US" dirty="0" smtClean="0"/>
+              <a:rPr lang="ko-KR" altLang="en-US" dirty="0"/>
               <a:t> </a:t>
             </a:r>
             <a:r>
-              <a:rPr lang="ko-KR" altLang="en-US" dirty="0" err="1" smtClean="0"/>
+              <a:rPr lang="ko-KR" altLang="en-US" dirty="0" err="1"/>
               <a:t>브링어</a:t>
             </a:r>
             <a:endParaRPr lang="ko-KR" altLang="en-US" dirty="0"/>
+          </a:p>
+        </p:txBody>
+      </p:sp>
+      <p:sp>
+        <p:nvSpPr>
+          <p:cNvPr id="19" name="타원 18">
+            <a:extLst>
+              <a:ext uri="{FF2B5EF4-FFF2-40B4-BE49-F238E27FC236}">
+                <a16:creationId xmlns:a16="http://schemas.microsoft.com/office/drawing/2014/main" id="{9F5D73D1-55DC-9742-BF52-D5FFA7B62A11}"/>
+              </a:ext>
+            </a:extLst>
+          </p:cNvPr>
+          <p:cNvSpPr/>
+          <p:nvPr/>
+        </p:nvSpPr>
+        <p:spPr>
+          <a:xfrm>
+            <a:off x="3051312" y="1106513"/>
+            <a:ext cx="448344" cy="448344"/>
+          </a:xfrm>
+          <a:prstGeom prst="ellipse">
+            <a:avLst/>
+          </a:prstGeom>
+          <a:solidFill>
+            <a:schemeClr val="accent4">
+              <a:lumMod val="60000"/>
+              <a:lumOff val="40000"/>
+            </a:schemeClr>
+          </a:solidFill>
+        </p:spPr>
+        <p:style>
+          <a:lnRef idx="2">
+            <a:schemeClr val="accent1">
+              <a:shade val="50000"/>
+            </a:schemeClr>
+          </a:lnRef>
+          <a:fillRef idx="1">
+            <a:schemeClr val="accent1"/>
+          </a:fillRef>
+          <a:effectRef idx="0">
+            <a:schemeClr val="accent1"/>
+          </a:effectRef>
+          <a:fontRef idx="minor">
+            <a:schemeClr val="lt1"/>
+          </a:fontRef>
+        </p:style>
+        <p:txBody>
+          <a:bodyPr rtlCol="0" anchor="ctr"/>
+          <a:lstStyle/>
+          <a:p>
+            <a:pPr algn="ctr"/>
+            <a:r>
+              <a:rPr lang="ko-KR" altLang="en-US" dirty="0"/>
+              <a:t>속성</a:t>
+            </a:r>
           </a:p>
         </p:txBody>
       </p:sp>
@@ -25298,13 +25262,6 @@
   <p:clrMapOvr>
     <a:masterClrMapping/>
   </p:clrMapOvr>
-  <p:timing>
-    <p:tnLst>
-      <p:par>
-        <p:cTn id="1" dur="indefinite" restart="never" nodeType="tmRoot"/>
-      </p:par>
-    </p:tnLst>
-  </p:timing>
 </p:sld>
 </file>
 
